--- a/submission2/slide.pptx
+++ b/submission2/slide.pptx
@@ -1,42 +1,42 @@
 
 <file path=ppt/presentation.xml><?xml version="1.0" encoding="utf-8"?>
-<p:presentation xmlns:a="http://schemas.openxmlformats.org/drawingml/2006/main" xmlns:r="http://schemas.openxmlformats.org/officeDocument/2006/relationships" xmlns:mc="http://schemas.openxmlformats.org/markup-compatibility/2006" xmlns:mv="urn:schemas-microsoft-com:mac:vml" xmlns:p="http://schemas.openxmlformats.org/presentationml/2006/main" xmlns:c="http://schemas.openxmlformats.org/drawingml/2006/chart" xmlns:dgm="http://schemas.openxmlformats.org/drawingml/2006/diagram" xmlns:o="urn:schemas-microsoft-com:office:office" xmlns:v="urn:schemas-microsoft-com:vml" xmlns:pvml="urn:schemas-microsoft-com:office:powerpoint" xmlns:com="http://schemas.openxmlformats.org/drawingml/2006/compatibility" xmlns:p14="http://schemas.microsoft.com/office/powerpoint/2010/main" xmlns:p15="http://schemas.microsoft.com/office/powerpoint/2012/main" xmlns:ahyp="http://schemas.microsoft.com/office/drawing/2018/hyperlinkcolor" autoCompressPictures="0" embedTrueTypeFonts="1" strictFirstAndLastChars="0" saveSubsetFonts="1">
+<p:presentation xmlns:a="http://schemas.openxmlformats.org/drawingml/2006/main" xmlns:r="http://schemas.openxmlformats.org/officeDocument/2006/relationships" xmlns:p="http://schemas.openxmlformats.org/presentationml/2006/main" strictFirstAndLastChars="0" embedTrueTypeFonts="1" saveSubsetFonts="1" autoCompressPictures="0">
   <p:sldMasterIdLst>
-    <p:sldMasterId id="2147483659" r:id="rId4"/>
+    <p:sldMasterId id="2147483659" r:id="rId1"/>
   </p:sldMasterIdLst>
   <p:notesMasterIdLst>
-    <p:notesMasterId r:id="rId5"/>
+    <p:notesMasterId r:id="rId10"/>
   </p:notesMasterIdLst>
   <p:sldIdLst>
-    <p:sldId id="256" r:id="rId6"/>
-    <p:sldId id="257" r:id="rId7"/>
-    <p:sldId id="258" r:id="rId8"/>
-    <p:sldId id="259" r:id="rId9"/>
-    <p:sldId id="260" r:id="rId10"/>
-    <p:sldId id="261" r:id="rId11"/>
-    <p:sldId id="262" r:id="rId12"/>
-    <p:sldId id="263" r:id="rId13"/>
+    <p:sldId id="256" r:id="rId2"/>
+    <p:sldId id="257" r:id="rId3"/>
+    <p:sldId id="258" r:id="rId4"/>
+    <p:sldId id="259" r:id="rId5"/>
+    <p:sldId id="260" r:id="rId6"/>
+    <p:sldId id="261" r:id="rId7"/>
+    <p:sldId id="262" r:id="rId8"/>
+    <p:sldId id="263" r:id="rId9"/>
   </p:sldIdLst>
-  <p:sldSz cy="5143500" cx="9144000"/>
+  <p:sldSz cx="9144000" cy="5143500" type="screen16x9"/>
   <p:notesSz cx="6858000" cy="9144000"/>
   <p:embeddedFontLst>
     <p:embeddedFont>
-      <p:font typeface="Raleway"/>
-      <p:regular r:id="rId14"/>
-      <p:bold r:id="rId15"/>
-      <p:italic r:id="rId16"/>
-      <p:boldItalic r:id="rId17"/>
+      <p:font typeface="Raleway" panose="020B0604020202020204" charset="0"/>
+      <p:regular r:id="rId11"/>
+      <p:bold r:id="rId12"/>
+      <p:italic r:id="rId13"/>
+      <p:boldItalic r:id="rId14"/>
     </p:embeddedFont>
     <p:embeddedFont>
-      <p:font typeface="Lato"/>
-      <p:regular r:id="rId18"/>
-      <p:bold r:id="rId19"/>
-      <p:italic r:id="rId20"/>
-      <p:boldItalic r:id="rId21"/>
+      <p:font typeface="Lato" panose="020F0502020204030203" pitchFamily="34" charset="0"/>
+      <p:regular r:id="rId15"/>
+      <p:bold r:id="rId16"/>
+      <p:italic r:id="rId17"/>
+      <p:boldItalic r:id="rId18"/>
     </p:embeddedFont>
   </p:embeddedFontLst>
   <p:defaultTextStyle>
-    <a:defPPr lvl="0" marR="0" rtl="0" algn="l">
+    <a:defPPr marR="0" lvl="0" algn="l" rtl="0">
       <a:lnSpc>
         <a:spcPct val="100000"/>
       </a:lnSpc>
@@ -47,7 +47,7 @@
         <a:spcPts val="0"/>
       </a:spcAft>
     </a:defPPr>
-    <a:lvl1pPr lvl="0" marR="0" rtl="0" algn="l">
+    <a:lvl1pPr marR="0" lvl="0" algn="l" rtl="0">
       <a:lnSpc>
         <a:spcPct val="100000"/>
       </a:lnSpc>
@@ -61,7 +61,7 @@
         <a:srgbClr val="000000"/>
       </a:buClr>
       <a:buFont typeface="Arial"/>
-      <a:defRPr b="0" i="0" sz="1400" u="none" cap="none" strike="noStrike">
+      <a:defRPr sz="1400" b="0" i="0" u="none" strike="noStrike" cap="none">
         <a:solidFill>
           <a:srgbClr val="000000"/>
         </a:solidFill>
@@ -71,7 +71,7 @@
         <a:sym typeface="Arial"/>
       </a:defRPr>
     </a:lvl1pPr>
-    <a:lvl2pPr lvl="1" marR="0" rtl="0" algn="l">
+    <a:lvl2pPr marR="0" lvl="1" algn="l" rtl="0">
       <a:lnSpc>
         <a:spcPct val="100000"/>
       </a:lnSpc>
@@ -85,7 +85,7 @@
         <a:srgbClr val="000000"/>
       </a:buClr>
       <a:buFont typeface="Arial"/>
-      <a:defRPr b="0" i="0" sz="1400" u="none" cap="none" strike="noStrike">
+      <a:defRPr sz="1400" b="0" i="0" u="none" strike="noStrike" cap="none">
         <a:solidFill>
           <a:srgbClr val="000000"/>
         </a:solidFill>
@@ -95,7 +95,7 @@
         <a:sym typeface="Arial"/>
       </a:defRPr>
     </a:lvl2pPr>
-    <a:lvl3pPr lvl="2" marR="0" rtl="0" algn="l">
+    <a:lvl3pPr marR="0" lvl="2" algn="l" rtl="0">
       <a:lnSpc>
         <a:spcPct val="100000"/>
       </a:lnSpc>
@@ -109,7 +109,7 @@
         <a:srgbClr val="000000"/>
       </a:buClr>
       <a:buFont typeface="Arial"/>
-      <a:defRPr b="0" i="0" sz="1400" u="none" cap="none" strike="noStrike">
+      <a:defRPr sz="1400" b="0" i="0" u="none" strike="noStrike" cap="none">
         <a:solidFill>
           <a:srgbClr val="000000"/>
         </a:solidFill>
@@ -119,7 +119,7 @@
         <a:sym typeface="Arial"/>
       </a:defRPr>
     </a:lvl3pPr>
-    <a:lvl4pPr lvl="3" marR="0" rtl="0" algn="l">
+    <a:lvl4pPr marR="0" lvl="3" algn="l" rtl="0">
       <a:lnSpc>
         <a:spcPct val="100000"/>
       </a:lnSpc>
@@ -133,7 +133,7 @@
         <a:srgbClr val="000000"/>
       </a:buClr>
       <a:buFont typeface="Arial"/>
-      <a:defRPr b="0" i="0" sz="1400" u="none" cap="none" strike="noStrike">
+      <a:defRPr sz="1400" b="0" i="0" u="none" strike="noStrike" cap="none">
         <a:solidFill>
           <a:srgbClr val="000000"/>
         </a:solidFill>
@@ -143,7 +143,7 @@
         <a:sym typeface="Arial"/>
       </a:defRPr>
     </a:lvl4pPr>
-    <a:lvl5pPr lvl="4" marR="0" rtl="0" algn="l">
+    <a:lvl5pPr marR="0" lvl="4" algn="l" rtl="0">
       <a:lnSpc>
         <a:spcPct val="100000"/>
       </a:lnSpc>
@@ -157,7 +157,7 @@
         <a:srgbClr val="000000"/>
       </a:buClr>
       <a:buFont typeface="Arial"/>
-      <a:defRPr b="0" i="0" sz="1400" u="none" cap="none" strike="noStrike">
+      <a:defRPr sz="1400" b="0" i="0" u="none" strike="noStrike" cap="none">
         <a:solidFill>
           <a:srgbClr val="000000"/>
         </a:solidFill>
@@ -167,7 +167,7 @@
         <a:sym typeface="Arial"/>
       </a:defRPr>
     </a:lvl5pPr>
-    <a:lvl6pPr lvl="5" marR="0" rtl="0" algn="l">
+    <a:lvl6pPr marR="0" lvl="5" algn="l" rtl="0">
       <a:lnSpc>
         <a:spcPct val="100000"/>
       </a:lnSpc>
@@ -181,7 +181,7 @@
         <a:srgbClr val="000000"/>
       </a:buClr>
       <a:buFont typeface="Arial"/>
-      <a:defRPr b="0" i="0" sz="1400" u="none" cap="none" strike="noStrike">
+      <a:defRPr sz="1400" b="0" i="0" u="none" strike="noStrike" cap="none">
         <a:solidFill>
           <a:srgbClr val="000000"/>
         </a:solidFill>
@@ -191,7 +191,7 @@
         <a:sym typeface="Arial"/>
       </a:defRPr>
     </a:lvl6pPr>
-    <a:lvl7pPr lvl="6" marR="0" rtl="0" algn="l">
+    <a:lvl7pPr marR="0" lvl="6" algn="l" rtl="0">
       <a:lnSpc>
         <a:spcPct val="100000"/>
       </a:lnSpc>
@@ -205,7 +205,7 @@
         <a:srgbClr val="000000"/>
       </a:buClr>
       <a:buFont typeface="Arial"/>
-      <a:defRPr b="0" i="0" sz="1400" u="none" cap="none" strike="noStrike">
+      <a:defRPr sz="1400" b="0" i="0" u="none" strike="noStrike" cap="none">
         <a:solidFill>
           <a:srgbClr val="000000"/>
         </a:solidFill>
@@ -215,7 +215,7 @@
         <a:sym typeface="Arial"/>
       </a:defRPr>
     </a:lvl7pPr>
-    <a:lvl8pPr lvl="7" marR="0" rtl="0" algn="l">
+    <a:lvl8pPr marR="0" lvl="7" algn="l" rtl="0">
       <a:lnSpc>
         <a:spcPct val="100000"/>
       </a:lnSpc>
@@ -229,7 +229,7 @@
         <a:srgbClr val="000000"/>
       </a:buClr>
       <a:buFont typeface="Arial"/>
-      <a:defRPr b="0" i="0" sz="1400" u="none" cap="none" strike="noStrike">
+      <a:defRPr sz="1400" b="0" i="0" u="none" strike="noStrike" cap="none">
         <a:solidFill>
           <a:srgbClr val="000000"/>
         </a:solidFill>
@@ -239,7 +239,7 @@
         <a:sym typeface="Arial"/>
       </a:defRPr>
     </a:lvl8pPr>
-    <a:lvl9pPr lvl="8" marR="0" rtl="0" algn="l">
+    <a:lvl9pPr marR="0" lvl="8" algn="l" rtl="0">
       <a:lnSpc>
         <a:spcPct val="100000"/>
       </a:lnSpc>
@@ -253,7 +253,7 @@
         <a:srgbClr val="000000"/>
       </a:buClr>
       <a:buFont typeface="Arial"/>
-      <a:defRPr b="0" i="0" sz="1400" u="none" cap="none" strike="noStrike">
+      <a:defRPr sz="1400" b="0" i="0" u="none" strike="noStrike" cap="none">
         <a:solidFill>
           <a:srgbClr val="000000"/>
         </a:solidFill>
@@ -266,7 +266,7 @@
   </p:defaultTextStyle>
   <p:extLst>
     <p:ext uri="{EFAFB233-063F-42B5-8137-9DF3F51BA10A}">
-      <p15:sldGuideLst>
+      <p15:sldGuideLst xmlns:p15="http://schemas.microsoft.com/office/powerpoint/2012/main">
         <p15:guide id="1" orient="horz" pos="1620">
           <p15:clr>
             <a:srgbClr val="747775"/>
@@ -284,11 +284,16 @@
 </file>
 
 <file path=ppt/notesMasters/notesMaster1.xml><?xml version="1.0" encoding="utf-8"?>
-<p:notesMaster xmlns:a="http://schemas.openxmlformats.org/drawingml/2006/main" xmlns:r="http://schemas.openxmlformats.org/officeDocument/2006/relationships" xmlns:mc="http://schemas.openxmlformats.org/markup-compatibility/2006" xmlns:mv="urn:schemas-microsoft-com:mac:vml" xmlns:p="http://schemas.openxmlformats.org/presentationml/2006/main" xmlns:c="http://schemas.openxmlformats.org/drawingml/2006/chart" xmlns:dgm="http://schemas.openxmlformats.org/drawingml/2006/diagram" xmlns:o="urn:schemas-microsoft-com:office:office" xmlns:v="urn:schemas-microsoft-com:vml" xmlns:pvml="urn:schemas-microsoft-com:office:powerpoint" xmlns:com="http://schemas.openxmlformats.org/drawingml/2006/compatibility" xmlns:p14="http://schemas.microsoft.com/office/powerpoint/2010/main" xmlns:p15="http://schemas.microsoft.com/office/powerpoint/2012/main" xmlns:ahyp="http://schemas.microsoft.com/office/drawing/2018/hyperlinkcolor">
+<p:notesMaster xmlns:a="http://schemas.openxmlformats.org/drawingml/2006/main" xmlns:r="http://schemas.openxmlformats.org/officeDocument/2006/relationships" xmlns:p="http://schemas.openxmlformats.org/presentationml/2006/main">
   <p:cSld>
+    <p:bg>
+      <p:bgRef idx="1001">
+        <a:schemeClr val="bg1"/>
+      </p:bgRef>
+    </p:bg>
     <p:spTree>
       <p:nvGrpSpPr>
-        <p:cNvPr id="2" name="Shape 2"/>
+        <p:cNvPr id="1" name="Shape 2"/>
         <p:cNvGrpSpPr/>
         <p:nvPr/>
       </p:nvGrpSpPr>
@@ -303,9 +308,11 @@
       <p:sp>
         <p:nvSpPr>
           <p:cNvPr id="3" name="Google Shape;3;n"/>
-          <p:cNvSpPr/>
+          <p:cNvSpPr>
+            <a:spLocks noGrp="1" noRot="1" noChangeAspect="1"/>
+          </p:cNvSpPr>
           <p:nvPr>
-            <p:ph idx="2" type="sldImg"/>
+            <p:ph type="sldImg" idx="2"/>
           </p:nvPr>
         </p:nvSpPr>
         <p:spPr>
@@ -314,9 +321,13 @@
             <a:ext cx="6096075" cy="3429000"/>
           </a:xfrm>
           <a:custGeom>
-            <a:rect b="b" l="l" r="r" t="t"/>
+            <a:avLst/>
+            <a:gdLst/>
+            <a:ahLst/>
+            <a:cxnLst/>
+            <a:rect l="l" t="t" r="r" b="b"/>
             <a:pathLst>
-              <a:path extrusionOk="0" h="120000" w="120000">
+              <a:path w="120000" h="120000" extrusionOk="0">
                 <a:moveTo>
                   <a:pt x="0" y="0"/>
                 </a:moveTo>
@@ -334,23 +345,25 @@
             </a:pathLst>
           </a:custGeom>
           <a:noFill/>
-          <a:ln cap="flat" cmpd="sng" w="9525">
+          <a:ln w="9525" cap="flat" cmpd="sng">
             <a:solidFill>
               <a:srgbClr val="000000"/>
             </a:solidFill>
             <a:prstDash val="solid"/>
             <a:round/>
-            <a:headEnd len="sm" w="sm" type="none"/>
-            <a:tailEnd len="sm" w="sm" type="none"/>
+            <a:headEnd type="none" w="sm" len="sm"/>
+            <a:tailEnd type="none" w="sm" len="sm"/>
           </a:ln>
         </p:spPr>
       </p:sp>
       <p:sp>
         <p:nvSpPr>
           <p:cNvPr id="4" name="Google Shape;4;n"/>
-          <p:cNvSpPr txBox="1"/>
+          <p:cNvSpPr txBox="1">
+            <a:spLocks noGrp="1"/>
+          </p:cNvSpPr>
           <p:nvPr>
-            <p:ph idx="1" type="body"/>
+            <p:ph type="body" idx="1"/>
           </p:nvPr>
         </p:nvSpPr>
         <p:spPr>
@@ -367,11 +380,11 @@
           </a:ln>
         </p:spPr>
         <p:txBody>
-          <a:bodyPr anchorCtr="0" anchor="t" bIns="91425" lIns="91425" spcFirstLastPara="1" rIns="91425" wrap="square" tIns="91425">
+          <a:bodyPr spcFirstLastPara="1" wrap="square" lIns="91425" tIns="91425" rIns="91425" bIns="91425" anchor="t" anchorCtr="0">
             <a:noAutofit/>
           </a:bodyPr>
           <a:lstStyle>
-            <a:lvl1pPr indent="-298450" lvl="0" marL="457200">
+            <a:lvl1pPr marL="457200" lvl="0" indent="-298450">
               <a:spcBef>
                 <a:spcPts val="0"/>
               </a:spcBef>
@@ -382,7 +395,7 @@
               <a:buChar char="●"/>
               <a:defRPr sz="1100"/>
             </a:lvl1pPr>
-            <a:lvl2pPr indent="-298450" lvl="1" marL="914400">
+            <a:lvl2pPr marL="914400" lvl="1" indent="-298450">
               <a:spcBef>
                 <a:spcPts val="0"/>
               </a:spcBef>
@@ -393,7 +406,7 @@
               <a:buChar char="○"/>
               <a:defRPr sz="1100"/>
             </a:lvl2pPr>
-            <a:lvl3pPr indent="-298450" lvl="2" marL="1371600">
+            <a:lvl3pPr marL="1371600" lvl="2" indent="-298450">
               <a:spcBef>
                 <a:spcPts val="0"/>
               </a:spcBef>
@@ -404,7 +417,7 @@
               <a:buChar char="■"/>
               <a:defRPr sz="1100"/>
             </a:lvl3pPr>
-            <a:lvl4pPr indent="-298450" lvl="3" marL="1828800">
+            <a:lvl4pPr marL="1828800" lvl="3" indent="-298450">
               <a:spcBef>
                 <a:spcPts val="0"/>
               </a:spcBef>
@@ -415,7 +428,7 @@
               <a:buChar char="●"/>
               <a:defRPr sz="1100"/>
             </a:lvl4pPr>
-            <a:lvl5pPr indent="-298450" lvl="4" marL="2286000">
+            <a:lvl5pPr marL="2286000" lvl="4" indent="-298450">
               <a:spcBef>
                 <a:spcPts val="0"/>
               </a:spcBef>
@@ -426,7 +439,7 @@
               <a:buChar char="○"/>
               <a:defRPr sz="1100"/>
             </a:lvl5pPr>
-            <a:lvl6pPr indent="-298450" lvl="5" marL="2743200">
+            <a:lvl6pPr marL="2743200" lvl="5" indent="-298450">
               <a:spcBef>
                 <a:spcPts val="0"/>
               </a:spcBef>
@@ -437,7 +450,7 @@
               <a:buChar char="■"/>
               <a:defRPr sz="1100"/>
             </a:lvl6pPr>
-            <a:lvl7pPr indent="-298450" lvl="6" marL="3200400">
+            <a:lvl7pPr marL="3200400" lvl="6" indent="-298450">
               <a:spcBef>
                 <a:spcPts val="0"/>
               </a:spcBef>
@@ -448,7 +461,7 @@
               <a:buChar char="●"/>
               <a:defRPr sz="1100"/>
             </a:lvl7pPr>
-            <a:lvl8pPr indent="-298450" lvl="7" marL="3657600">
+            <a:lvl8pPr marL="3657600" lvl="7" indent="-298450">
               <a:spcBef>
                 <a:spcPts val="0"/>
               </a:spcBef>
@@ -459,7 +472,7 @@
               <a:buChar char="○"/>
               <a:defRPr sz="1100"/>
             </a:lvl8pPr>
-            <a:lvl9pPr indent="-298450" lvl="8" marL="4114800">
+            <a:lvl9pPr marL="4114800" lvl="8" indent="-298450">
               <a:spcBef>
                 <a:spcPts val="0"/>
               </a:spcBef>
@@ -471,14 +484,16 @@
               <a:defRPr sz="1100"/>
             </a:lvl9pPr>
           </a:lstStyle>
-          <a:p/>
+          <a:p>
+            <a:endParaRPr/>
+          </a:p>
         </p:txBody>
       </p:sp>
     </p:spTree>
   </p:cSld>
-  <p:clrMap accent1="accent1" accent2="accent2" accent3="accent3" accent4="accent4" accent5="accent5" accent6="accent6" bg1="lt1" bg2="dk2" tx1="dk1" tx2="lt2" folHlink="folHlink" hlink="hlink"/>
+  <p:clrMap bg1="lt1" tx1="dk1" bg2="dk2" tx2="lt2" accent1="accent1" accent2="accent2" accent3="accent3" accent4="accent4" accent5="accent5" accent6="accent6" hlink="hlink" folHlink="folHlink"/>
   <p:notesStyle>
-    <a:defPPr lvl="0" marR="0" rtl="0" algn="l">
+    <a:defPPr marR="0" lvl="0" algn="l" rtl="0">
       <a:lnSpc>
         <a:spcPct val="100000"/>
       </a:lnSpc>
@@ -489,7 +504,7 @@
         <a:spcPts val="0"/>
       </a:spcAft>
     </a:defPPr>
-    <a:lvl1pPr lvl="0" marR="0" rtl="0" algn="l">
+    <a:lvl1pPr marR="0" lvl="0" algn="l" rtl="0">
       <a:lnSpc>
         <a:spcPct val="100000"/>
       </a:lnSpc>
@@ -503,7 +518,7 @@
         <a:srgbClr val="000000"/>
       </a:buClr>
       <a:buFont typeface="Arial"/>
-      <a:defRPr b="0" i="0" sz="1400" u="none" cap="none" strike="noStrike">
+      <a:defRPr sz="1400" b="0" i="0" u="none" strike="noStrike" cap="none">
         <a:solidFill>
           <a:srgbClr val="000000"/>
         </a:solidFill>
@@ -513,7 +528,7 @@
         <a:sym typeface="Arial"/>
       </a:defRPr>
     </a:lvl1pPr>
-    <a:lvl2pPr lvl="1" marR="0" rtl="0" algn="l">
+    <a:lvl2pPr marR="0" lvl="1" algn="l" rtl="0">
       <a:lnSpc>
         <a:spcPct val="100000"/>
       </a:lnSpc>
@@ -527,7 +542,7 @@
         <a:srgbClr val="000000"/>
       </a:buClr>
       <a:buFont typeface="Arial"/>
-      <a:defRPr b="0" i="0" sz="1400" u="none" cap="none" strike="noStrike">
+      <a:defRPr sz="1400" b="0" i="0" u="none" strike="noStrike" cap="none">
         <a:solidFill>
           <a:srgbClr val="000000"/>
         </a:solidFill>
@@ -537,7 +552,7 @@
         <a:sym typeface="Arial"/>
       </a:defRPr>
     </a:lvl2pPr>
-    <a:lvl3pPr lvl="2" marR="0" rtl="0" algn="l">
+    <a:lvl3pPr marR="0" lvl="2" algn="l" rtl="0">
       <a:lnSpc>
         <a:spcPct val="100000"/>
       </a:lnSpc>
@@ -551,7 +566,7 @@
         <a:srgbClr val="000000"/>
       </a:buClr>
       <a:buFont typeface="Arial"/>
-      <a:defRPr b="0" i="0" sz="1400" u="none" cap="none" strike="noStrike">
+      <a:defRPr sz="1400" b="0" i="0" u="none" strike="noStrike" cap="none">
         <a:solidFill>
           <a:srgbClr val="000000"/>
         </a:solidFill>
@@ -561,7 +576,7 @@
         <a:sym typeface="Arial"/>
       </a:defRPr>
     </a:lvl3pPr>
-    <a:lvl4pPr lvl="3" marR="0" rtl="0" algn="l">
+    <a:lvl4pPr marR="0" lvl="3" algn="l" rtl="0">
       <a:lnSpc>
         <a:spcPct val="100000"/>
       </a:lnSpc>
@@ -575,7 +590,7 @@
         <a:srgbClr val="000000"/>
       </a:buClr>
       <a:buFont typeface="Arial"/>
-      <a:defRPr b="0" i="0" sz="1400" u="none" cap="none" strike="noStrike">
+      <a:defRPr sz="1400" b="0" i="0" u="none" strike="noStrike" cap="none">
         <a:solidFill>
           <a:srgbClr val="000000"/>
         </a:solidFill>
@@ -585,7 +600,7 @@
         <a:sym typeface="Arial"/>
       </a:defRPr>
     </a:lvl4pPr>
-    <a:lvl5pPr lvl="4" marR="0" rtl="0" algn="l">
+    <a:lvl5pPr marR="0" lvl="4" algn="l" rtl="0">
       <a:lnSpc>
         <a:spcPct val="100000"/>
       </a:lnSpc>
@@ -599,7 +614,7 @@
         <a:srgbClr val="000000"/>
       </a:buClr>
       <a:buFont typeface="Arial"/>
-      <a:defRPr b="0" i="0" sz="1400" u="none" cap="none" strike="noStrike">
+      <a:defRPr sz="1400" b="0" i="0" u="none" strike="noStrike" cap="none">
         <a:solidFill>
           <a:srgbClr val="000000"/>
         </a:solidFill>
@@ -609,7 +624,7 @@
         <a:sym typeface="Arial"/>
       </a:defRPr>
     </a:lvl5pPr>
-    <a:lvl6pPr lvl="5" marR="0" rtl="0" algn="l">
+    <a:lvl6pPr marR="0" lvl="5" algn="l" rtl="0">
       <a:lnSpc>
         <a:spcPct val="100000"/>
       </a:lnSpc>
@@ -623,7 +638,7 @@
         <a:srgbClr val="000000"/>
       </a:buClr>
       <a:buFont typeface="Arial"/>
-      <a:defRPr b="0" i="0" sz="1400" u="none" cap="none" strike="noStrike">
+      <a:defRPr sz="1400" b="0" i="0" u="none" strike="noStrike" cap="none">
         <a:solidFill>
           <a:srgbClr val="000000"/>
         </a:solidFill>
@@ -633,7 +648,7 @@
         <a:sym typeface="Arial"/>
       </a:defRPr>
     </a:lvl6pPr>
-    <a:lvl7pPr lvl="6" marR="0" rtl="0" algn="l">
+    <a:lvl7pPr marR="0" lvl="6" algn="l" rtl="0">
       <a:lnSpc>
         <a:spcPct val="100000"/>
       </a:lnSpc>
@@ -647,7 +662,7 @@
         <a:srgbClr val="000000"/>
       </a:buClr>
       <a:buFont typeface="Arial"/>
-      <a:defRPr b="0" i="0" sz="1400" u="none" cap="none" strike="noStrike">
+      <a:defRPr sz="1400" b="0" i="0" u="none" strike="noStrike" cap="none">
         <a:solidFill>
           <a:srgbClr val="000000"/>
         </a:solidFill>
@@ -657,7 +672,7 @@
         <a:sym typeface="Arial"/>
       </a:defRPr>
     </a:lvl7pPr>
-    <a:lvl8pPr lvl="7" marR="0" rtl="0" algn="l">
+    <a:lvl8pPr marR="0" lvl="7" algn="l" rtl="0">
       <a:lnSpc>
         <a:spcPct val="100000"/>
       </a:lnSpc>
@@ -671,7 +686,7 @@
         <a:srgbClr val="000000"/>
       </a:buClr>
       <a:buFont typeface="Arial"/>
-      <a:defRPr b="0" i="0" sz="1400" u="none" cap="none" strike="noStrike">
+      <a:defRPr sz="1400" b="0" i="0" u="none" strike="noStrike" cap="none">
         <a:solidFill>
           <a:srgbClr val="000000"/>
         </a:solidFill>
@@ -681,7 +696,7 @@
         <a:sym typeface="Arial"/>
       </a:defRPr>
     </a:lvl8pPr>
-    <a:lvl9pPr lvl="8" marR="0" rtl="0" algn="l">
+    <a:lvl9pPr marR="0" lvl="8" algn="l" rtl="0">
       <a:lnSpc>
         <a:spcPct val="100000"/>
       </a:lnSpc>
@@ -695,7 +710,7 @@
         <a:srgbClr val="000000"/>
       </a:buClr>
       <a:buFont typeface="Arial"/>
-      <a:defRPr b="0" i="0" sz="1400" u="none" cap="none" strike="noStrike">
+      <a:defRPr sz="1400" b="0" i="0" u="none" strike="noStrike" cap="none">
         <a:solidFill>
           <a:srgbClr val="000000"/>
         </a:solidFill>
@@ -710,11 +725,11 @@
 </file>
 
 <file path=ppt/notesSlides/notesSlide1.xml><?xml version="1.0" encoding="utf-8"?>
-<p:notes xmlns:a="http://schemas.openxmlformats.org/drawingml/2006/main" xmlns:r="http://schemas.openxmlformats.org/officeDocument/2006/relationships" xmlns:mc="http://schemas.openxmlformats.org/markup-compatibility/2006" xmlns:mv="urn:schemas-microsoft-com:mac:vml" xmlns:p="http://schemas.openxmlformats.org/presentationml/2006/main" xmlns:c="http://schemas.openxmlformats.org/drawingml/2006/chart" xmlns:dgm="http://schemas.openxmlformats.org/drawingml/2006/diagram" xmlns:o="urn:schemas-microsoft-com:office:office" xmlns:v="urn:schemas-microsoft-com:vml" xmlns:pvml="urn:schemas-microsoft-com:office:powerpoint" xmlns:com="http://schemas.openxmlformats.org/drawingml/2006/compatibility" xmlns:p14="http://schemas.microsoft.com/office/powerpoint/2010/main" xmlns:p15="http://schemas.microsoft.com/office/powerpoint/2012/main" xmlns:ahyp="http://schemas.microsoft.com/office/drawing/2018/hyperlinkcolor" showMasterPhAnim="0" showMasterSp="0">
+<p:notes xmlns:a="http://schemas.openxmlformats.org/drawingml/2006/main" xmlns:r="http://schemas.openxmlformats.org/officeDocument/2006/relationships" xmlns:p="http://schemas.openxmlformats.org/presentationml/2006/main" showMasterSp="0" showMasterPhAnim="0">
   <p:cSld>
     <p:spTree>
       <p:nvGrpSpPr>
-        <p:cNvPr id="82" name="Shape 82"/>
+        <p:cNvPr id="1" name="Shape 82"/>
         <p:cNvGrpSpPr/>
         <p:nvPr/>
       </p:nvGrpSpPr>
@@ -729,20 +744,26 @@
       <p:sp>
         <p:nvSpPr>
           <p:cNvPr id="83" name="Google Shape;83;p:notes"/>
-          <p:cNvSpPr/>
+          <p:cNvSpPr>
+            <a:spLocks noGrp="1" noRot="1" noChangeAspect="1"/>
+          </p:cNvSpPr>
           <p:nvPr>
-            <p:ph idx="2" type="sldImg"/>
+            <p:ph type="sldImg" idx="2"/>
           </p:nvPr>
         </p:nvSpPr>
         <p:spPr>
           <a:xfrm>
-            <a:off x="381300" y="685800"/>
-            <a:ext cx="6096075" cy="3429000"/>
+            <a:off x="381000" y="685800"/>
+            <a:ext cx="6096000" cy="3429000"/>
           </a:xfrm>
           <a:custGeom>
-            <a:rect b="b" l="l" r="r" t="t"/>
+            <a:avLst/>
+            <a:gdLst/>
+            <a:ahLst/>
+            <a:cxnLst/>
+            <a:rect l="l" t="t" r="r" b="b"/>
             <a:pathLst>
-              <a:path extrusionOk="0" h="120000" w="120000">
+              <a:path w="120000" h="120000" extrusionOk="0">
                 <a:moveTo>
                   <a:pt x="0" y="0"/>
                 </a:moveTo>
@@ -764,9 +785,11 @@
       <p:sp>
         <p:nvSpPr>
           <p:cNvPr id="84" name="Google Shape;84;p:notes"/>
-          <p:cNvSpPr txBox="1"/>
+          <p:cNvSpPr txBox="1">
+            <a:spLocks noGrp="1"/>
+          </p:cNvSpPr>
           <p:nvPr>
-            <p:ph idx="1" type="body"/>
+            <p:ph type="body" idx="1"/>
           </p:nvPr>
         </p:nvSpPr>
         <p:spPr>
@@ -779,12 +802,12 @@
           </a:prstGeom>
         </p:spPr>
         <p:txBody>
-          <a:bodyPr anchorCtr="0" anchor="t" bIns="91425" lIns="91425" spcFirstLastPara="1" rIns="91425" wrap="square" tIns="91425">
+          <a:bodyPr spcFirstLastPara="1" wrap="square" lIns="91425" tIns="91425" rIns="91425" bIns="91425" anchor="t" anchorCtr="0">
             <a:noAutofit/>
           </a:bodyPr>
           <a:lstStyle/>
           <a:p>
-            <a:pPr indent="0" lvl="0" marL="0" rtl="0" algn="l">
+            <a:pPr marL="0" lvl="0" indent="0" algn="l" rtl="0">
               <a:spcBef>
                 <a:spcPts val="0"/>
               </a:spcBef>
@@ -793,9 +816,6 @@
               </a:spcAft>
               <a:buNone/>
             </a:pPr>
-            <a:r>
-              <a:t/>
-            </a:r>
             <a:endParaRPr/>
           </a:p>
         </p:txBody>
@@ -809,11 +829,11 @@
 </file>
 
 <file path=ppt/notesSlides/notesSlide2.xml><?xml version="1.0" encoding="utf-8"?>
-<p:notes xmlns:a="http://schemas.openxmlformats.org/drawingml/2006/main" xmlns:r="http://schemas.openxmlformats.org/officeDocument/2006/relationships" xmlns:mc="http://schemas.openxmlformats.org/markup-compatibility/2006" xmlns:mv="urn:schemas-microsoft-com:mac:vml" xmlns:p="http://schemas.openxmlformats.org/presentationml/2006/main" xmlns:c="http://schemas.openxmlformats.org/drawingml/2006/chart" xmlns:dgm="http://schemas.openxmlformats.org/drawingml/2006/diagram" xmlns:o="urn:schemas-microsoft-com:office:office" xmlns:v="urn:schemas-microsoft-com:vml" xmlns:pvml="urn:schemas-microsoft-com:office:powerpoint" xmlns:com="http://schemas.openxmlformats.org/drawingml/2006/compatibility" xmlns:p14="http://schemas.microsoft.com/office/powerpoint/2010/main" xmlns:p15="http://schemas.microsoft.com/office/powerpoint/2012/main" xmlns:ahyp="http://schemas.microsoft.com/office/drawing/2018/hyperlinkcolor" showMasterPhAnim="0" showMasterSp="0">
+<p:notes xmlns:a="http://schemas.openxmlformats.org/drawingml/2006/main" xmlns:r="http://schemas.openxmlformats.org/officeDocument/2006/relationships" xmlns:p="http://schemas.openxmlformats.org/presentationml/2006/main" showMasterSp="0" showMasterPhAnim="0">
   <p:cSld>
     <p:spTree>
       <p:nvGrpSpPr>
-        <p:cNvPr id="89" name="Shape 89"/>
+        <p:cNvPr id="1" name="Shape 89"/>
         <p:cNvGrpSpPr/>
         <p:nvPr/>
       </p:nvGrpSpPr>
@@ -828,20 +848,26 @@
       <p:sp>
         <p:nvSpPr>
           <p:cNvPr id="90" name="Google Shape;90;g22ec51c1f0d_0_676:notes"/>
-          <p:cNvSpPr/>
+          <p:cNvSpPr>
+            <a:spLocks noGrp="1" noRot="1" noChangeAspect="1"/>
+          </p:cNvSpPr>
           <p:nvPr>
-            <p:ph idx="2" type="sldImg"/>
+            <p:ph type="sldImg" idx="2"/>
           </p:nvPr>
         </p:nvSpPr>
         <p:spPr>
           <a:xfrm>
-            <a:off x="381300" y="685800"/>
+            <a:off x="381000" y="685800"/>
             <a:ext cx="6096000" cy="3429000"/>
           </a:xfrm>
           <a:custGeom>
-            <a:rect b="b" l="l" r="r" t="t"/>
+            <a:avLst/>
+            <a:gdLst/>
+            <a:ahLst/>
+            <a:cxnLst/>
+            <a:rect l="l" t="t" r="r" b="b"/>
             <a:pathLst>
-              <a:path extrusionOk="0" h="120000" w="120000">
+              <a:path w="120000" h="120000" extrusionOk="0">
                 <a:moveTo>
                   <a:pt x="0" y="0"/>
                 </a:moveTo>
@@ -863,9 +889,11 @@
       <p:sp>
         <p:nvSpPr>
           <p:cNvPr id="91" name="Google Shape;91;g22ec51c1f0d_0_676:notes"/>
-          <p:cNvSpPr txBox="1"/>
+          <p:cNvSpPr txBox="1">
+            <a:spLocks noGrp="1"/>
+          </p:cNvSpPr>
           <p:nvPr>
-            <p:ph idx="1" type="body"/>
+            <p:ph type="body" idx="1"/>
           </p:nvPr>
         </p:nvSpPr>
         <p:spPr>
@@ -878,12 +906,12 @@
           </a:prstGeom>
         </p:spPr>
         <p:txBody>
-          <a:bodyPr anchorCtr="0" anchor="t" bIns="91425" lIns="91425" spcFirstLastPara="1" rIns="91425" wrap="square" tIns="91425">
+          <a:bodyPr spcFirstLastPara="1" wrap="square" lIns="91425" tIns="91425" rIns="91425" bIns="91425" anchor="t" anchorCtr="0">
             <a:noAutofit/>
           </a:bodyPr>
           <a:lstStyle/>
           <a:p>
-            <a:pPr indent="0" lvl="0" marL="0" rtl="0" algn="l">
+            <a:pPr marL="0" lvl="0" indent="0" algn="l" rtl="0">
               <a:spcBef>
                 <a:spcPts val="0"/>
               </a:spcBef>
@@ -892,9 +920,6 @@
               </a:spcAft>
               <a:buNone/>
             </a:pPr>
-            <a:r>
-              <a:t/>
-            </a:r>
             <a:endParaRPr/>
           </a:p>
         </p:txBody>
@@ -908,11 +933,11 @@
 </file>
 
 <file path=ppt/notesSlides/notesSlide3.xml><?xml version="1.0" encoding="utf-8"?>
-<p:notes xmlns:a="http://schemas.openxmlformats.org/drawingml/2006/main" xmlns:r="http://schemas.openxmlformats.org/officeDocument/2006/relationships" xmlns:mc="http://schemas.openxmlformats.org/markup-compatibility/2006" xmlns:mv="urn:schemas-microsoft-com:mac:vml" xmlns:p="http://schemas.openxmlformats.org/presentationml/2006/main" xmlns:c="http://schemas.openxmlformats.org/drawingml/2006/chart" xmlns:dgm="http://schemas.openxmlformats.org/drawingml/2006/diagram" xmlns:o="urn:schemas-microsoft-com:office:office" xmlns:v="urn:schemas-microsoft-com:vml" xmlns:pvml="urn:schemas-microsoft-com:office:powerpoint" xmlns:com="http://schemas.openxmlformats.org/drawingml/2006/compatibility" xmlns:p14="http://schemas.microsoft.com/office/powerpoint/2010/main" xmlns:p15="http://schemas.microsoft.com/office/powerpoint/2012/main" xmlns:ahyp="http://schemas.microsoft.com/office/drawing/2018/hyperlinkcolor" showMasterPhAnim="0" showMasterSp="0">
+<p:notes xmlns:a="http://schemas.openxmlformats.org/drawingml/2006/main" xmlns:r="http://schemas.openxmlformats.org/officeDocument/2006/relationships" xmlns:p="http://schemas.openxmlformats.org/presentationml/2006/main" showMasterSp="0" showMasterPhAnim="0">
   <p:cSld>
     <p:spTree>
       <p:nvGrpSpPr>
-        <p:cNvPr id="96" name="Shape 96"/>
+        <p:cNvPr id="1" name="Shape 96"/>
         <p:cNvGrpSpPr/>
         <p:nvPr/>
       </p:nvGrpSpPr>
@@ -927,20 +952,26 @@
       <p:sp>
         <p:nvSpPr>
           <p:cNvPr id="97" name="Google Shape;97;g22ec51c1f0d_0_661:notes"/>
-          <p:cNvSpPr/>
+          <p:cNvSpPr>
+            <a:spLocks noGrp="1" noRot="1" noChangeAspect="1"/>
+          </p:cNvSpPr>
           <p:nvPr>
-            <p:ph idx="2" type="sldImg"/>
+            <p:ph type="sldImg" idx="2"/>
           </p:nvPr>
         </p:nvSpPr>
         <p:spPr>
           <a:xfrm>
-            <a:off x="381300" y="685800"/>
+            <a:off x="381000" y="685800"/>
             <a:ext cx="6096000" cy="3429000"/>
           </a:xfrm>
           <a:custGeom>
-            <a:rect b="b" l="l" r="r" t="t"/>
+            <a:avLst/>
+            <a:gdLst/>
+            <a:ahLst/>
+            <a:cxnLst/>
+            <a:rect l="l" t="t" r="r" b="b"/>
             <a:pathLst>
-              <a:path extrusionOk="0" h="120000" w="120000">
+              <a:path w="120000" h="120000" extrusionOk="0">
                 <a:moveTo>
                   <a:pt x="0" y="0"/>
                 </a:moveTo>
@@ -962,9 +993,11 @@
       <p:sp>
         <p:nvSpPr>
           <p:cNvPr id="98" name="Google Shape;98;g22ec51c1f0d_0_661:notes"/>
-          <p:cNvSpPr txBox="1"/>
+          <p:cNvSpPr txBox="1">
+            <a:spLocks noGrp="1"/>
+          </p:cNvSpPr>
           <p:nvPr>
-            <p:ph idx="1" type="body"/>
+            <p:ph type="body" idx="1"/>
           </p:nvPr>
         </p:nvSpPr>
         <p:spPr>
@@ -977,12 +1010,12 @@
           </a:prstGeom>
         </p:spPr>
         <p:txBody>
-          <a:bodyPr anchorCtr="0" anchor="t" bIns="91425" lIns="91425" spcFirstLastPara="1" rIns="91425" wrap="square" tIns="91425">
+          <a:bodyPr spcFirstLastPara="1" wrap="square" lIns="91425" tIns="91425" rIns="91425" bIns="91425" anchor="t" anchorCtr="0">
             <a:noAutofit/>
           </a:bodyPr>
           <a:lstStyle/>
           <a:p>
-            <a:pPr indent="0" lvl="0" marL="0" rtl="0" algn="l">
+            <a:pPr marL="0" lvl="0" indent="0" algn="l" rtl="0">
               <a:spcBef>
                 <a:spcPts val="0"/>
               </a:spcBef>
@@ -991,9 +1024,6 @@
               </a:spcAft>
               <a:buNone/>
             </a:pPr>
-            <a:r>
-              <a:t/>
-            </a:r>
             <a:endParaRPr/>
           </a:p>
         </p:txBody>
@@ -1007,11 +1037,11 @@
 </file>
 
 <file path=ppt/notesSlides/notesSlide4.xml><?xml version="1.0" encoding="utf-8"?>
-<p:notes xmlns:a="http://schemas.openxmlformats.org/drawingml/2006/main" xmlns:r="http://schemas.openxmlformats.org/officeDocument/2006/relationships" xmlns:mc="http://schemas.openxmlformats.org/markup-compatibility/2006" xmlns:mv="urn:schemas-microsoft-com:mac:vml" xmlns:p="http://schemas.openxmlformats.org/presentationml/2006/main" xmlns:c="http://schemas.openxmlformats.org/drawingml/2006/chart" xmlns:dgm="http://schemas.openxmlformats.org/drawingml/2006/diagram" xmlns:o="urn:schemas-microsoft-com:office:office" xmlns:v="urn:schemas-microsoft-com:vml" xmlns:pvml="urn:schemas-microsoft-com:office:powerpoint" xmlns:com="http://schemas.openxmlformats.org/drawingml/2006/compatibility" xmlns:p14="http://schemas.microsoft.com/office/powerpoint/2010/main" xmlns:p15="http://schemas.microsoft.com/office/powerpoint/2012/main" xmlns:ahyp="http://schemas.microsoft.com/office/drawing/2018/hyperlinkcolor" showMasterPhAnim="0" showMasterSp="0">
+<p:notes xmlns:a="http://schemas.openxmlformats.org/drawingml/2006/main" xmlns:r="http://schemas.openxmlformats.org/officeDocument/2006/relationships" xmlns:p="http://schemas.openxmlformats.org/presentationml/2006/main" showMasterSp="0" showMasterPhAnim="0">
   <p:cSld>
     <p:spTree>
       <p:nvGrpSpPr>
-        <p:cNvPr id="103" name="Shape 103"/>
+        <p:cNvPr id="1" name="Shape 103"/>
         <p:cNvGrpSpPr/>
         <p:nvPr/>
       </p:nvGrpSpPr>
@@ -1026,20 +1056,26 @@
       <p:sp>
         <p:nvSpPr>
           <p:cNvPr id="104" name="Google Shape;104;g22ec51c1f0d_0_683:notes"/>
-          <p:cNvSpPr/>
+          <p:cNvSpPr>
+            <a:spLocks noGrp="1" noRot="1" noChangeAspect="1"/>
+          </p:cNvSpPr>
           <p:nvPr>
-            <p:ph idx="2" type="sldImg"/>
+            <p:ph type="sldImg" idx="2"/>
           </p:nvPr>
         </p:nvSpPr>
         <p:spPr>
           <a:xfrm>
-            <a:off x="381300" y="685800"/>
+            <a:off x="381000" y="685800"/>
             <a:ext cx="6096000" cy="3429000"/>
           </a:xfrm>
           <a:custGeom>
-            <a:rect b="b" l="l" r="r" t="t"/>
+            <a:avLst/>
+            <a:gdLst/>
+            <a:ahLst/>
+            <a:cxnLst/>
+            <a:rect l="l" t="t" r="r" b="b"/>
             <a:pathLst>
-              <a:path extrusionOk="0" h="120000" w="120000">
+              <a:path w="120000" h="120000" extrusionOk="0">
                 <a:moveTo>
                   <a:pt x="0" y="0"/>
                 </a:moveTo>
@@ -1061,9 +1097,11 @@
       <p:sp>
         <p:nvSpPr>
           <p:cNvPr id="105" name="Google Shape;105;g22ec51c1f0d_0_683:notes"/>
-          <p:cNvSpPr txBox="1"/>
+          <p:cNvSpPr txBox="1">
+            <a:spLocks noGrp="1"/>
+          </p:cNvSpPr>
           <p:nvPr>
-            <p:ph idx="1" type="body"/>
+            <p:ph type="body" idx="1"/>
           </p:nvPr>
         </p:nvSpPr>
         <p:spPr>
@@ -1076,12 +1114,12 @@
           </a:prstGeom>
         </p:spPr>
         <p:txBody>
-          <a:bodyPr anchorCtr="0" anchor="t" bIns="91425" lIns="91425" spcFirstLastPara="1" rIns="91425" wrap="square" tIns="91425">
+          <a:bodyPr spcFirstLastPara="1" wrap="square" lIns="91425" tIns="91425" rIns="91425" bIns="91425" anchor="t" anchorCtr="0">
             <a:noAutofit/>
           </a:bodyPr>
           <a:lstStyle/>
           <a:p>
-            <a:pPr indent="0" lvl="0" marL="0" rtl="0" algn="l">
+            <a:pPr marL="0" lvl="0" indent="0" algn="l" rtl="0">
               <a:spcBef>
                 <a:spcPts val="0"/>
               </a:spcBef>
@@ -1090,9 +1128,6 @@
               </a:spcAft>
               <a:buNone/>
             </a:pPr>
-            <a:r>
-              <a:t/>
-            </a:r>
             <a:endParaRPr/>
           </a:p>
         </p:txBody>
@@ -1106,11 +1141,11 @@
 </file>
 
 <file path=ppt/notesSlides/notesSlide5.xml><?xml version="1.0" encoding="utf-8"?>
-<p:notes xmlns:a="http://schemas.openxmlformats.org/drawingml/2006/main" xmlns:r="http://schemas.openxmlformats.org/officeDocument/2006/relationships" xmlns:mc="http://schemas.openxmlformats.org/markup-compatibility/2006" xmlns:mv="urn:schemas-microsoft-com:mac:vml" xmlns:p="http://schemas.openxmlformats.org/presentationml/2006/main" xmlns:c="http://schemas.openxmlformats.org/drawingml/2006/chart" xmlns:dgm="http://schemas.openxmlformats.org/drawingml/2006/diagram" xmlns:o="urn:schemas-microsoft-com:office:office" xmlns:v="urn:schemas-microsoft-com:vml" xmlns:pvml="urn:schemas-microsoft-com:office:powerpoint" xmlns:com="http://schemas.openxmlformats.org/drawingml/2006/compatibility" xmlns:p14="http://schemas.microsoft.com/office/powerpoint/2010/main" xmlns:p15="http://schemas.microsoft.com/office/powerpoint/2012/main" xmlns:ahyp="http://schemas.microsoft.com/office/drawing/2018/hyperlinkcolor" showMasterPhAnim="0" showMasterSp="0">
+<p:notes xmlns:a="http://schemas.openxmlformats.org/drawingml/2006/main" xmlns:r="http://schemas.openxmlformats.org/officeDocument/2006/relationships" xmlns:p="http://schemas.openxmlformats.org/presentationml/2006/main" showMasterSp="0" showMasterPhAnim="0">
   <p:cSld>
     <p:spTree>
       <p:nvGrpSpPr>
-        <p:cNvPr id="110" name="Shape 110"/>
+        <p:cNvPr id="1" name="Shape 110"/>
         <p:cNvGrpSpPr/>
         <p:nvPr/>
       </p:nvGrpSpPr>
@@ -1125,20 +1160,26 @@
       <p:sp>
         <p:nvSpPr>
           <p:cNvPr id="111" name="Google Shape;111;g22ec51c1f0d_0_689:notes"/>
-          <p:cNvSpPr/>
+          <p:cNvSpPr>
+            <a:spLocks noGrp="1" noRot="1" noChangeAspect="1"/>
+          </p:cNvSpPr>
           <p:nvPr>
-            <p:ph idx="2" type="sldImg"/>
+            <p:ph type="sldImg" idx="2"/>
           </p:nvPr>
         </p:nvSpPr>
         <p:spPr>
           <a:xfrm>
-            <a:off x="381300" y="685800"/>
+            <a:off x="381000" y="685800"/>
             <a:ext cx="6096000" cy="3429000"/>
           </a:xfrm>
           <a:custGeom>
-            <a:rect b="b" l="l" r="r" t="t"/>
+            <a:avLst/>
+            <a:gdLst/>
+            <a:ahLst/>
+            <a:cxnLst/>
+            <a:rect l="l" t="t" r="r" b="b"/>
             <a:pathLst>
-              <a:path extrusionOk="0" h="120000" w="120000">
+              <a:path w="120000" h="120000" extrusionOk="0">
                 <a:moveTo>
                   <a:pt x="0" y="0"/>
                 </a:moveTo>
@@ -1160,9 +1201,11 @@
       <p:sp>
         <p:nvSpPr>
           <p:cNvPr id="112" name="Google Shape;112;g22ec51c1f0d_0_689:notes"/>
-          <p:cNvSpPr txBox="1"/>
+          <p:cNvSpPr txBox="1">
+            <a:spLocks noGrp="1"/>
+          </p:cNvSpPr>
           <p:nvPr>
-            <p:ph idx="1" type="body"/>
+            <p:ph type="body" idx="1"/>
           </p:nvPr>
         </p:nvSpPr>
         <p:spPr>
@@ -1175,12 +1218,12 @@
           </a:prstGeom>
         </p:spPr>
         <p:txBody>
-          <a:bodyPr anchorCtr="0" anchor="t" bIns="91425" lIns="91425" spcFirstLastPara="1" rIns="91425" wrap="square" tIns="91425">
+          <a:bodyPr spcFirstLastPara="1" wrap="square" lIns="91425" tIns="91425" rIns="91425" bIns="91425" anchor="t" anchorCtr="0">
             <a:noAutofit/>
           </a:bodyPr>
           <a:lstStyle/>
           <a:p>
-            <a:pPr indent="0" lvl="0" marL="0" rtl="0" algn="l">
+            <a:pPr marL="0" lvl="0" indent="0" algn="l" rtl="0">
               <a:spcBef>
                 <a:spcPts val="0"/>
               </a:spcBef>
@@ -1189,9 +1232,6 @@
               </a:spcAft>
               <a:buNone/>
             </a:pPr>
-            <a:r>
-              <a:t/>
-            </a:r>
             <a:endParaRPr/>
           </a:p>
         </p:txBody>
@@ -1205,11 +1245,11 @@
 </file>
 
 <file path=ppt/notesSlides/notesSlide6.xml><?xml version="1.0" encoding="utf-8"?>
-<p:notes xmlns:a="http://schemas.openxmlformats.org/drawingml/2006/main" xmlns:r="http://schemas.openxmlformats.org/officeDocument/2006/relationships" xmlns:mc="http://schemas.openxmlformats.org/markup-compatibility/2006" xmlns:mv="urn:schemas-microsoft-com:mac:vml" xmlns:p="http://schemas.openxmlformats.org/presentationml/2006/main" xmlns:c="http://schemas.openxmlformats.org/drawingml/2006/chart" xmlns:dgm="http://schemas.openxmlformats.org/drawingml/2006/diagram" xmlns:o="urn:schemas-microsoft-com:office:office" xmlns:v="urn:schemas-microsoft-com:vml" xmlns:pvml="urn:schemas-microsoft-com:office:powerpoint" xmlns:com="http://schemas.openxmlformats.org/drawingml/2006/compatibility" xmlns:p14="http://schemas.microsoft.com/office/powerpoint/2010/main" xmlns:p15="http://schemas.microsoft.com/office/powerpoint/2012/main" xmlns:ahyp="http://schemas.microsoft.com/office/drawing/2018/hyperlinkcolor" showMasterPhAnim="0" showMasterSp="0">
+<p:notes xmlns:a="http://schemas.openxmlformats.org/drawingml/2006/main" xmlns:r="http://schemas.openxmlformats.org/officeDocument/2006/relationships" xmlns:p="http://schemas.openxmlformats.org/presentationml/2006/main" showMasterSp="0" showMasterPhAnim="0">
   <p:cSld>
     <p:spTree>
       <p:nvGrpSpPr>
-        <p:cNvPr id="117" name="Shape 117"/>
+        <p:cNvPr id="1" name="Shape 117"/>
         <p:cNvGrpSpPr/>
         <p:nvPr/>
       </p:nvGrpSpPr>
@@ -1224,20 +1264,26 @@
       <p:sp>
         <p:nvSpPr>
           <p:cNvPr id="118" name="Google Shape;118;g22ecdbbdc91_0_2:notes"/>
-          <p:cNvSpPr/>
+          <p:cNvSpPr>
+            <a:spLocks noGrp="1" noRot="1" noChangeAspect="1"/>
+          </p:cNvSpPr>
           <p:nvPr>
-            <p:ph idx="2" type="sldImg"/>
+            <p:ph type="sldImg" idx="2"/>
           </p:nvPr>
         </p:nvSpPr>
         <p:spPr>
           <a:xfrm>
-            <a:off x="381300" y="685800"/>
+            <a:off x="381000" y="685800"/>
             <a:ext cx="6096000" cy="3429000"/>
           </a:xfrm>
           <a:custGeom>
-            <a:rect b="b" l="l" r="r" t="t"/>
+            <a:avLst/>
+            <a:gdLst/>
+            <a:ahLst/>
+            <a:cxnLst/>
+            <a:rect l="l" t="t" r="r" b="b"/>
             <a:pathLst>
-              <a:path extrusionOk="0" h="120000" w="120000">
+              <a:path w="120000" h="120000" extrusionOk="0">
                 <a:moveTo>
                   <a:pt x="0" y="0"/>
                 </a:moveTo>
@@ -1259,9 +1305,11 @@
       <p:sp>
         <p:nvSpPr>
           <p:cNvPr id="119" name="Google Shape;119;g22ecdbbdc91_0_2:notes"/>
-          <p:cNvSpPr txBox="1"/>
+          <p:cNvSpPr txBox="1">
+            <a:spLocks noGrp="1"/>
+          </p:cNvSpPr>
           <p:nvPr>
-            <p:ph idx="1" type="body"/>
+            <p:ph type="body" idx="1"/>
           </p:nvPr>
         </p:nvSpPr>
         <p:spPr>
@@ -1274,12 +1322,12 @@
           </a:prstGeom>
         </p:spPr>
         <p:txBody>
-          <a:bodyPr anchorCtr="0" anchor="t" bIns="91425" lIns="91425" spcFirstLastPara="1" rIns="91425" wrap="square" tIns="91425">
+          <a:bodyPr spcFirstLastPara="1" wrap="square" lIns="91425" tIns="91425" rIns="91425" bIns="91425" anchor="t" anchorCtr="0">
             <a:noAutofit/>
           </a:bodyPr>
           <a:lstStyle/>
           <a:p>
-            <a:pPr indent="0" lvl="0" marL="0" rtl="0" algn="l">
+            <a:pPr marL="0" lvl="0" indent="0" algn="l" rtl="0">
               <a:spcBef>
                 <a:spcPts val="0"/>
               </a:spcBef>
@@ -1288,9 +1336,6 @@
               </a:spcAft>
               <a:buNone/>
             </a:pPr>
-            <a:r>
-              <a:t/>
-            </a:r>
             <a:endParaRPr/>
           </a:p>
         </p:txBody>
@@ -1304,11 +1349,11 @@
 </file>
 
 <file path=ppt/notesSlides/notesSlide7.xml><?xml version="1.0" encoding="utf-8"?>
-<p:notes xmlns:a="http://schemas.openxmlformats.org/drawingml/2006/main" xmlns:r="http://schemas.openxmlformats.org/officeDocument/2006/relationships" xmlns:mc="http://schemas.openxmlformats.org/markup-compatibility/2006" xmlns:mv="urn:schemas-microsoft-com:mac:vml" xmlns:p="http://schemas.openxmlformats.org/presentationml/2006/main" xmlns:c="http://schemas.openxmlformats.org/drawingml/2006/chart" xmlns:dgm="http://schemas.openxmlformats.org/drawingml/2006/diagram" xmlns:o="urn:schemas-microsoft-com:office:office" xmlns:v="urn:schemas-microsoft-com:vml" xmlns:pvml="urn:schemas-microsoft-com:office:powerpoint" xmlns:com="http://schemas.openxmlformats.org/drawingml/2006/compatibility" xmlns:p14="http://schemas.microsoft.com/office/powerpoint/2010/main" xmlns:p15="http://schemas.microsoft.com/office/powerpoint/2012/main" xmlns:ahyp="http://schemas.microsoft.com/office/drawing/2018/hyperlinkcolor" showMasterPhAnim="0" showMasterSp="0">
+<p:notes xmlns:a="http://schemas.openxmlformats.org/drawingml/2006/main" xmlns:r="http://schemas.openxmlformats.org/officeDocument/2006/relationships" xmlns:p="http://schemas.openxmlformats.org/presentationml/2006/main" showMasterSp="0" showMasterPhAnim="0">
   <p:cSld>
     <p:spTree>
       <p:nvGrpSpPr>
-        <p:cNvPr id="124" name="Shape 124"/>
+        <p:cNvPr id="1" name="Shape 124"/>
         <p:cNvGrpSpPr/>
         <p:nvPr/>
       </p:nvGrpSpPr>
@@ -1323,20 +1368,26 @@
       <p:sp>
         <p:nvSpPr>
           <p:cNvPr id="125" name="Google Shape;125;g22ecdbbdc91_0_8:notes"/>
-          <p:cNvSpPr/>
+          <p:cNvSpPr>
+            <a:spLocks noGrp="1" noRot="1" noChangeAspect="1"/>
+          </p:cNvSpPr>
           <p:nvPr>
-            <p:ph idx="2" type="sldImg"/>
+            <p:ph type="sldImg" idx="2"/>
           </p:nvPr>
         </p:nvSpPr>
         <p:spPr>
           <a:xfrm>
-            <a:off x="381300" y="685800"/>
+            <a:off x="381000" y="685800"/>
             <a:ext cx="6096000" cy="3429000"/>
           </a:xfrm>
           <a:custGeom>
-            <a:rect b="b" l="l" r="r" t="t"/>
+            <a:avLst/>
+            <a:gdLst/>
+            <a:ahLst/>
+            <a:cxnLst/>
+            <a:rect l="l" t="t" r="r" b="b"/>
             <a:pathLst>
-              <a:path extrusionOk="0" h="120000" w="120000">
+              <a:path w="120000" h="120000" extrusionOk="0">
                 <a:moveTo>
                   <a:pt x="0" y="0"/>
                 </a:moveTo>
@@ -1358,9 +1409,11 @@
       <p:sp>
         <p:nvSpPr>
           <p:cNvPr id="126" name="Google Shape;126;g22ecdbbdc91_0_8:notes"/>
-          <p:cNvSpPr txBox="1"/>
+          <p:cNvSpPr txBox="1">
+            <a:spLocks noGrp="1"/>
+          </p:cNvSpPr>
           <p:nvPr>
-            <p:ph idx="1" type="body"/>
+            <p:ph type="body" idx="1"/>
           </p:nvPr>
         </p:nvSpPr>
         <p:spPr>
@@ -1373,12 +1426,12 @@
           </a:prstGeom>
         </p:spPr>
         <p:txBody>
-          <a:bodyPr anchorCtr="0" anchor="t" bIns="91425" lIns="91425" spcFirstLastPara="1" rIns="91425" wrap="square" tIns="91425">
+          <a:bodyPr spcFirstLastPara="1" wrap="square" lIns="91425" tIns="91425" rIns="91425" bIns="91425" anchor="t" anchorCtr="0">
             <a:noAutofit/>
           </a:bodyPr>
           <a:lstStyle/>
           <a:p>
-            <a:pPr indent="0" lvl="0" marL="0" rtl="0" algn="l">
+            <a:pPr marL="0" lvl="0" indent="0" algn="l" rtl="0">
               <a:spcBef>
                 <a:spcPts val="0"/>
               </a:spcBef>
@@ -1387,9 +1440,6 @@
               </a:spcAft>
               <a:buNone/>
             </a:pPr>
-            <a:r>
-              <a:t/>
-            </a:r>
             <a:endParaRPr/>
           </a:p>
         </p:txBody>
@@ -1403,11 +1453,11 @@
 </file>
 
 <file path=ppt/notesSlides/notesSlide8.xml><?xml version="1.0" encoding="utf-8"?>
-<p:notes xmlns:a="http://schemas.openxmlformats.org/drawingml/2006/main" xmlns:r="http://schemas.openxmlformats.org/officeDocument/2006/relationships" xmlns:mc="http://schemas.openxmlformats.org/markup-compatibility/2006" xmlns:mv="urn:schemas-microsoft-com:mac:vml" xmlns:p="http://schemas.openxmlformats.org/presentationml/2006/main" xmlns:c="http://schemas.openxmlformats.org/drawingml/2006/chart" xmlns:dgm="http://schemas.openxmlformats.org/drawingml/2006/diagram" xmlns:o="urn:schemas-microsoft-com:office:office" xmlns:v="urn:schemas-microsoft-com:vml" xmlns:pvml="urn:schemas-microsoft-com:office:powerpoint" xmlns:com="http://schemas.openxmlformats.org/drawingml/2006/compatibility" xmlns:p14="http://schemas.microsoft.com/office/powerpoint/2010/main" xmlns:p15="http://schemas.microsoft.com/office/powerpoint/2012/main" xmlns:ahyp="http://schemas.microsoft.com/office/drawing/2018/hyperlinkcolor" showMasterPhAnim="0" showMasterSp="0">
+<p:notes xmlns:a="http://schemas.openxmlformats.org/drawingml/2006/main" xmlns:r="http://schemas.openxmlformats.org/officeDocument/2006/relationships" xmlns:p="http://schemas.openxmlformats.org/presentationml/2006/main" showMasterSp="0" showMasterPhAnim="0">
   <p:cSld>
     <p:spTree>
       <p:nvGrpSpPr>
-        <p:cNvPr id="131" name="Shape 131"/>
+        <p:cNvPr id="1" name="Shape 131"/>
         <p:cNvGrpSpPr/>
         <p:nvPr/>
       </p:nvGrpSpPr>
@@ -1422,20 +1472,26 @@
       <p:sp>
         <p:nvSpPr>
           <p:cNvPr id="132" name="Google Shape;132;g22ecdbbdc91_0_20:notes"/>
-          <p:cNvSpPr/>
+          <p:cNvSpPr>
+            <a:spLocks noGrp="1" noRot="1" noChangeAspect="1"/>
+          </p:cNvSpPr>
           <p:nvPr>
-            <p:ph idx="2" type="sldImg"/>
+            <p:ph type="sldImg" idx="2"/>
           </p:nvPr>
         </p:nvSpPr>
         <p:spPr>
           <a:xfrm>
-            <a:off x="381300" y="685800"/>
+            <a:off x="381000" y="685800"/>
             <a:ext cx="6096000" cy="3429000"/>
           </a:xfrm>
           <a:custGeom>
-            <a:rect b="b" l="l" r="r" t="t"/>
+            <a:avLst/>
+            <a:gdLst/>
+            <a:ahLst/>
+            <a:cxnLst/>
+            <a:rect l="l" t="t" r="r" b="b"/>
             <a:pathLst>
-              <a:path extrusionOk="0" h="120000" w="120000">
+              <a:path w="120000" h="120000" extrusionOk="0">
                 <a:moveTo>
                   <a:pt x="0" y="0"/>
                 </a:moveTo>
@@ -1457,9 +1513,11 @@
       <p:sp>
         <p:nvSpPr>
           <p:cNvPr id="133" name="Google Shape;133;g22ecdbbdc91_0_20:notes"/>
-          <p:cNvSpPr txBox="1"/>
+          <p:cNvSpPr txBox="1">
+            <a:spLocks noGrp="1"/>
+          </p:cNvSpPr>
           <p:nvPr>
-            <p:ph idx="1" type="body"/>
+            <p:ph type="body" idx="1"/>
           </p:nvPr>
         </p:nvSpPr>
         <p:spPr>
@@ -1472,12 +1530,12 @@
           </a:prstGeom>
         </p:spPr>
         <p:txBody>
-          <a:bodyPr anchorCtr="0" anchor="t" bIns="91425" lIns="91425" spcFirstLastPara="1" rIns="91425" wrap="square" tIns="91425">
+          <a:bodyPr spcFirstLastPara="1" wrap="square" lIns="91425" tIns="91425" rIns="91425" bIns="91425" anchor="t" anchorCtr="0">
             <a:noAutofit/>
           </a:bodyPr>
           <a:lstStyle/>
           <a:p>
-            <a:pPr indent="0" lvl="0" marL="0" rtl="0" algn="l">
+            <a:pPr marL="0" lvl="0" indent="0" algn="l" rtl="0">
               <a:spcBef>
                 <a:spcPts val="0"/>
               </a:spcBef>
@@ -1486,9 +1544,6 @@
               </a:spcAft>
               <a:buNone/>
             </a:pPr>
-            <a:r>
-              <a:t/>
-            </a:r>
             <a:endParaRPr/>
           </a:p>
         </p:txBody>
@@ -1502,18 +1557,19 @@
 </file>
 
 <file path=ppt/slideLayouts/slideLayout1.xml><?xml version="1.0" encoding="utf-8"?>
-<p:sldLayout xmlns:a="http://schemas.openxmlformats.org/drawingml/2006/main" xmlns:r="http://schemas.openxmlformats.org/officeDocument/2006/relationships" xmlns:mc="http://schemas.openxmlformats.org/markup-compatibility/2006" xmlns:mv="urn:schemas-microsoft-com:mac:vml" xmlns:p="http://schemas.openxmlformats.org/presentationml/2006/main" xmlns:c="http://schemas.openxmlformats.org/drawingml/2006/chart" xmlns:dgm="http://schemas.openxmlformats.org/drawingml/2006/diagram" xmlns:o="urn:schemas-microsoft-com:office:office" xmlns:v="urn:schemas-microsoft-com:vml" xmlns:pvml="urn:schemas-microsoft-com:office:powerpoint" xmlns:com="http://schemas.openxmlformats.org/drawingml/2006/compatibility" xmlns:p14="http://schemas.microsoft.com/office/powerpoint/2010/main" xmlns:p15="http://schemas.microsoft.com/office/powerpoint/2012/main" xmlns:ahyp="http://schemas.microsoft.com/office/drawing/2018/hyperlinkcolor" matchingName="Title slide" type="title">
+<p:sldLayout xmlns:a="http://schemas.openxmlformats.org/drawingml/2006/main" xmlns:r="http://schemas.openxmlformats.org/officeDocument/2006/relationships" xmlns:p="http://schemas.openxmlformats.org/presentationml/2006/main" matchingName="Title slide" type="title">
   <p:cSld name="TITLE">
     <p:bg>
       <p:bgPr>
         <a:solidFill>
           <a:schemeClr val="lt2"/>
         </a:solidFill>
+        <a:effectLst/>
       </p:bgPr>
     </p:bg>
     <p:spTree>
       <p:nvGrpSpPr>
-        <p:cNvPr id="9" name="Shape 9"/>
+        <p:cNvPr id="1" name="Shape 9"/>
         <p:cNvGrpSpPr/>
         <p:nvPr/>
       </p:nvGrpSpPr>
@@ -1547,12 +1603,12 @@
           </a:ln>
         </p:spPr>
         <p:txBody>
-          <a:bodyPr anchorCtr="0" anchor="ctr" bIns="91425" lIns="91425" spcFirstLastPara="1" rIns="91425" wrap="square" tIns="91425">
+          <a:bodyPr spcFirstLastPara="1" wrap="square" lIns="91425" tIns="91425" rIns="91425" bIns="91425" anchor="ctr" anchorCtr="0">
             <a:noAutofit/>
           </a:bodyPr>
           <a:lstStyle/>
           <a:p>
-            <a:pPr indent="0" lvl="0" marL="0" rtl="0" algn="l">
+            <a:pPr marL="0" lvl="0" indent="0" algn="l" rtl="0">
               <a:spcBef>
                 <a:spcPts val="0"/>
               </a:spcBef>
@@ -1561,9 +1617,6 @@
               </a:spcAft>
               <a:buNone/>
             </a:pPr>
-            <a:r>
-              <a:t/>
-            </a:r>
             <a:endParaRPr/>
           </a:p>
         </p:txBody>
@@ -1604,12 +1657,12 @@
             </a:ln>
           </p:spPr>
           <p:txBody>
-            <a:bodyPr anchorCtr="0" anchor="ctr" bIns="91425" lIns="91425" spcFirstLastPara="1" rIns="91425" wrap="square" tIns="91425">
+            <a:bodyPr spcFirstLastPara="1" wrap="square" lIns="91425" tIns="91425" rIns="91425" bIns="91425" anchor="ctr" anchorCtr="0">
               <a:noAutofit/>
             </a:bodyPr>
             <a:lstStyle/>
             <a:p>
-              <a:pPr indent="0" lvl="0" marL="0" rtl="0" algn="l">
+              <a:pPr marL="0" lvl="0" indent="0" algn="l" rtl="0">
                 <a:spcBef>
                   <a:spcPts val="0"/>
                 </a:spcBef>
@@ -1618,9 +1671,6 @@
                 </a:spcAft>
                 <a:buNone/>
               </a:pPr>
-              <a:r>
-                <a:t/>
-              </a:r>
               <a:endParaRPr/>
             </a:p>
           </p:txBody>
@@ -1647,12 +1697,12 @@
             </a:ln>
           </p:spPr>
           <p:txBody>
-            <a:bodyPr anchorCtr="0" anchor="ctr" bIns="91425" lIns="91425" spcFirstLastPara="1" rIns="91425" wrap="square" tIns="91425">
+            <a:bodyPr spcFirstLastPara="1" wrap="square" lIns="91425" tIns="91425" rIns="91425" bIns="91425" anchor="ctr" anchorCtr="0">
               <a:noAutofit/>
             </a:bodyPr>
             <a:lstStyle/>
             <a:p>
-              <a:pPr indent="0" lvl="0" marL="0" rtl="0" algn="l">
+              <a:pPr marL="0" lvl="0" indent="0" algn="l" rtl="0">
                 <a:spcBef>
                   <a:spcPts val="0"/>
                 </a:spcBef>
@@ -1661,9 +1711,6 @@
                 </a:spcAft>
                 <a:buNone/>
               </a:pPr>
-              <a:r>
-                <a:t/>
-              </a:r>
               <a:endParaRPr/>
             </a:p>
           </p:txBody>
@@ -1672,7 +1719,9 @@
       <p:sp>
         <p:nvSpPr>
           <p:cNvPr id="14" name="Google Shape;14;p2"/>
-          <p:cNvSpPr txBox="1"/>
+          <p:cNvSpPr txBox="1">
+            <a:spLocks noGrp="1"/>
+          </p:cNvSpPr>
           <p:nvPr>
             <p:ph type="ctrTitle"/>
           </p:nvPr>
@@ -1687,7 +1736,7 @@
           </a:prstGeom>
         </p:spPr>
         <p:txBody>
-          <a:bodyPr anchorCtr="0" anchor="t" bIns="91425" lIns="91425" spcFirstLastPara="1" rIns="91425" wrap="square" tIns="91425">
+          <a:bodyPr spcFirstLastPara="1" wrap="square" lIns="91425" tIns="91425" rIns="91425" bIns="91425" anchor="t" anchorCtr="0">
             <a:normAutofit/>
           </a:bodyPr>
           <a:lstStyle>
@@ -1791,15 +1840,19 @@
               <a:defRPr sz="4200"/>
             </a:lvl9pPr>
           </a:lstStyle>
-          <a:p/>
+          <a:p>
+            <a:endParaRPr/>
+          </a:p>
         </p:txBody>
       </p:sp>
       <p:sp>
         <p:nvSpPr>
           <p:cNvPr id="15" name="Google Shape;15;p2"/>
-          <p:cNvSpPr txBox="1"/>
+          <p:cNvSpPr txBox="1">
+            <a:spLocks noGrp="1"/>
+          </p:cNvSpPr>
           <p:nvPr>
-            <p:ph idx="1" type="subTitle"/>
+            <p:ph type="subTitle" idx="1"/>
           </p:nvPr>
         </p:nvSpPr>
         <p:spPr>
@@ -1812,7 +1865,7 @@
           </a:prstGeom>
         </p:spPr>
         <p:txBody>
-          <a:bodyPr anchorCtr="0" anchor="t" bIns="91425" lIns="91425" spcFirstLastPara="1" rIns="91425" wrap="square" tIns="91425">
+          <a:bodyPr spcFirstLastPara="1" wrap="square" lIns="91425" tIns="91425" rIns="91425" bIns="91425" anchor="t" anchorCtr="0">
             <a:normAutofit/>
           </a:bodyPr>
           <a:lstStyle>
@@ -1943,15 +1996,19 @@
               <a:defRPr sz="1600"/>
             </a:lvl9pPr>
           </a:lstStyle>
-          <a:p/>
+          <a:p>
+            <a:endParaRPr/>
+          </a:p>
         </p:txBody>
       </p:sp>
       <p:sp>
         <p:nvSpPr>
           <p:cNvPr id="16" name="Google Shape;16;p2"/>
-          <p:cNvSpPr txBox="1"/>
+          <p:cNvSpPr txBox="1">
+            <a:spLocks noGrp="1"/>
+          </p:cNvSpPr>
           <p:nvPr>
-            <p:ph idx="12" type="sldNum"/>
+            <p:ph type="sldNum" idx="12"/>
           </p:nvPr>
         </p:nvSpPr>
         <p:spPr>
@@ -1964,7 +2021,7 @@
           </a:prstGeom>
         </p:spPr>
         <p:txBody>
-          <a:bodyPr anchorCtr="0" anchor="ctr" bIns="91425" lIns="91425" spcFirstLastPara="1" rIns="91425" wrap="square" tIns="91425">
+          <a:bodyPr spcFirstLastPara="1" wrap="square" lIns="91425" tIns="91425" rIns="91425" bIns="91425" anchor="ctr" anchorCtr="0">
             <a:normAutofit/>
           </a:bodyPr>
           <a:lstStyle>
@@ -2006,7 +2063,7 @@
             </a:lvl9pPr>
           </a:lstStyle>
           <a:p>
-            <a:pPr indent="0" lvl="0" marL="0" rtl="0" algn="r">
+            <a:pPr marL="0" lvl="0" indent="0" algn="r" rtl="0">
               <a:spcBef>
                 <a:spcPts val="0"/>
               </a:spcBef>
@@ -2032,18 +2089,19 @@
 </file>
 
 <file path=ppt/slideLayouts/slideLayout10.xml><?xml version="1.0" encoding="utf-8"?>
-<p:sldLayout xmlns:a="http://schemas.openxmlformats.org/drawingml/2006/main" xmlns:r="http://schemas.openxmlformats.org/officeDocument/2006/relationships" xmlns:mc="http://schemas.openxmlformats.org/markup-compatibility/2006" xmlns:mv="urn:schemas-microsoft-com:mac:vml" xmlns:p="http://schemas.openxmlformats.org/presentationml/2006/main" xmlns:c="http://schemas.openxmlformats.org/drawingml/2006/chart" xmlns:dgm="http://schemas.openxmlformats.org/drawingml/2006/diagram" xmlns:o="urn:schemas-microsoft-com:office:office" xmlns:v="urn:schemas-microsoft-com:vml" xmlns:pvml="urn:schemas-microsoft-com:office:powerpoint" xmlns:com="http://schemas.openxmlformats.org/drawingml/2006/compatibility" xmlns:p14="http://schemas.microsoft.com/office/powerpoint/2010/main" xmlns:p15="http://schemas.microsoft.com/office/powerpoint/2012/main" xmlns:ahyp="http://schemas.microsoft.com/office/drawing/2018/hyperlinkcolor" matchingName="Big number">
+<p:sldLayout xmlns:a="http://schemas.openxmlformats.org/drawingml/2006/main" xmlns:r="http://schemas.openxmlformats.org/officeDocument/2006/relationships" xmlns:p="http://schemas.openxmlformats.org/presentationml/2006/main" matchingName="Big number">
   <p:cSld name="BIG_NUMBER">
     <p:bg>
       <p:bgPr>
         <a:solidFill>
           <a:schemeClr val="dk1"/>
         </a:solidFill>
+        <a:effectLst/>
       </p:bgPr>
     </p:bg>
     <p:spTree>
       <p:nvGrpSpPr>
-        <p:cNvPr id="73" name="Shape 73"/>
+        <p:cNvPr id="1" name="Shape 73"/>
         <p:cNvGrpSpPr/>
         <p:nvPr/>
       </p:nvGrpSpPr>
@@ -2091,12 +2149,12 @@
             </a:ln>
           </p:spPr>
           <p:txBody>
-            <a:bodyPr anchorCtr="0" anchor="ctr" bIns="91425" lIns="91425" spcFirstLastPara="1" rIns="91425" wrap="square" tIns="91425">
+            <a:bodyPr spcFirstLastPara="1" wrap="square" lIns="91425" tIns="91425" rIns="91425" bIns="91425" anchor="ctr" anchorCtr="0">
               <a:noAutofit/>
             </a:bodyPr>
             <a:lstStyle/>
             <a:p>
-              <a:pPr indent="0" lvl="0" marL="0" rtl="0" algn="l">
+              <a:pPr marL="0" lvl="0" indent="0" algn="l" rtl="0">
                 <a:spcBef>
                   <a:spcPts val="0"/>
                 </a:spcBef>
@@ -2105,9 +2163,6 @@
                 </a:spcAft>
                 <a:buNone/>
               </a:pPr>
-              <a:r>
-                <a:t/>
-              </a:r>
               <a:endParaRPr/>
             </a:p>
           </p:txBody>
@@ -2134,12 +2189,12 @@
             </a:ln>
           </p:spPr>
           <p:txBody>
-            <a:bodyPr anchorCtr="0" anchor="ctr" bIns="91425" lIns="91425" spcFirstLastPara="1" rIns="91425" wrap="square" tIns="91425">
+            <a:bodyPr spcFirstLastPara="1" wrap="square" lIns="91425" tIns="91425" rIns="91425" bIns="91425" anchor="ctr" anchorCtr="0">
               <a:noAutofit/>
             </a:bodyPr>
             <a:lstStyle/>
             <a:p>
-              <a:pPr indent="0" lvl="0" marL="0" rtl="0" algn="l">
+              <a:pPr marL="0" lvl="0" indent="0" algn="l" rtl="0">
                 <a:spcBef>
                   <a:spcPts val="0"/>
                 </a:spcBef>
@@ -2148,9 +2203,6 @@
                 </a:spcAft>
                 <a:buNone/>
               </a:pPr>
-              <a:r>
-                <a:t/>
-              </a:r>
               <a:endParaRPr/>
             </a:p>
           </p:txBody>
@@ -2159,9 +2211,11 @@
       <p:sp>
         <p:nvSpPr>
           <p:cNvPr id="77" name="Google Shape;77;p11"/>
-          <p:cNvSpPr txBox="1"/>
+          <p:cNvSpPr txBox="1">
+            <a:spLocks noGrp="1"/>
+          </p:cNvSpPr>
           <p:nvPr>
-            <p:ph hasCustomPrompt="1" type="title"/>
+            <p:ph type="title" hasCustomPrompt="1"/>
           </p:nvPr>
         </p:nvSpPr>
         <p:spPr>
@@ -2174,7 +2228,7 @@
           </a:prstGeom>
         </p:spPr>
         <p:txBody>
-          <a:bodyPr anchorCtr="0" anchor="t" bIns="91425" lIns="91425" spcFirstLastPara="1" rIns="91425" wrap="square" tIns="91425">
+          <a:bodyPr spcFirstLastPara="1" wrap="square" lIns="91425" tIns="91425" rIns="91425" bIns="91425" anchor="t" anchorCtr="0">
             <a:normAutofit/>
           </a:bodyPr>
           <a:lstStyle>
@@ -2351,9 +2405,11 @@
       <p:sp>
         <p:nvSpPr>
           <p:cNvPr id="78" name="Google Shape;78;p11"/>
-          <p:cNvSpPr txBox="1"/>
+          <p:cNvSpPr txBox="1">
+            <a:spLocks noGrp="1"/>
+          </p:cNvSpPr>
           <p:nvPr>
-            <p:ph idx="1" type="body"/>
+            <p:ph type="body" idx="1"/>
           </p:nvPr>
         </p:nvSpPr>
         <p:spPr>
@@ -2366,11 +2422,11 @@
           </a:prstGeom>
         </p:spPr>
         <p:txBody>
-          <a:bodyPr anchorCtr="0" anchor="t" bIns="91425" lIns="91425" spcFirstLastPara="1" rIns="91425" wrap="square" tIns="91425">
+          <a:bodyPr spcFirstLastPara="1" wrap="square" lIns="91425" tIns="91425" rIns="91425" bIns="91425" anchor="t" anchorCtr="0">
             <a:normAutofit/>
           </a:bodyPr>
           <a:lstStyle>
-            <a:lvl1pPr indent="-311150" lvl="0" marL="457200">
+            <a:lvl1pPr marL="457200" lvl="0" indent="-311150">
               <a:spcBef>
                 <a:spcPts val="0"/>
               </a:spcBef>
@@ -2388,7 +2444,7 @@
                 </a:solidFill>
               </a:defRPr>
             </a:lvl1pPr>
-            <a:lvl2pPr indent="-298450" lvl="1" marL="914400">
+            <a:lvl2pPr marL="914400" lvl="1" indent="-298450">
               <a:spcBef>
                 <a:spcPts val="0"/>
               </a:spcBef>
@@ -2406,7 +2462,7 @@
                 </a:solidFill>
               </a:defRPr>
             </a:lvl2pPr>
-            <a:lvl3pPr indent="-298450" lvl="2" marL="1371600">
+            <a:lvl3pPr marL="1371600" lvl="2" indent="-298450">
               <a:spcBef>
                 <a:spcPts val="0"/>
               </a:spcBef>
@@ -2424,7 +2480,7 @@
                 </a:solidFill>
               </a:defRPr>
             </a:lvl3pPr>
-            <a:lvl4pPr indent="-298450" lvl="3" marL="1828800">
+            <a:lvl4pPr marL="1828800" lvl="3" indent="-298450">
               <a:spcBef>
                 <a:spcPts val="0"/>
               </a:spcBef>
@@ -2442,7 +2498,7 @@
                 </a:solidFill>
               </a:defRPr>
             </a:lvl4pPr>
-            <a:lvl5pPr indent="-298450" lvl="4" marL="2286000">
+            <a:lvl5pPr marL="2286000" lvl="4" indent="-298450">
               <a:spcBef>
                 <a:spcPts val="0"/>
               </a:spcBef>
@@ -2460,7 +2516,7 @@
                 </a:solidFill>
               </a:defRPr>
             </a:lvl5pPr>
-            <a:lvl6pPr indent="-298450" lvl="5" marL="2743200">
+            <a:lvl6pPr marL="2743200" lvl="5" indent="-298450">
               <a:spcBef>
                 <a:spcPts val="0"/>
               </a:spcBef>
@@ -2478,7 +2534,7 @@
                 </a:solidFill>
               </a:defRPr>
             </a:lvl6pPr>
-            <a:lvl7pPr indent="-298450" lvl="6" marL="3200400">
+            <a:lvl7pPr marL="3200400" lvl="6" indent="-298450">
               <a:spcBef>
                 <a:spcPts val="0"/>
               </a:spcBef>
@@ -2496,7 +2552,7 @@
                 </a:solidFill>
               </a:defRPr>
             </a:lvl7pPr>
-            <a:lvl8pPr indent="-298450" lvl="7" marL="3657600">
+            <a:lvl8pPr marL="3657600" lvl="7" indent="-298450">
               <a:spcBef>
                 <a:spcPts val="0"/>
               </a:spcBef>
@@ -2514,7 +2570,7 @@
                 </a:solidFill>
               </a:defRPr>
             </a:lvl8pPr>
-            <a:lvl9pPr indent="-298450" lvl="8" marL="4114800">
+            <a:lvl9pPr marL="4114800" lvl="8" indent="-298450">
               <a:spcBef>
                 <a:spcPts val="0"/>
               </a:spcBef>
@@ -2533,15 +2589,19 @@
               </a:defRPr>
             </a:lvl9pPr>
           </a:lstStyle>
-          <a:p/>
+          <a:p>
+            <a:endParaRPr/>
+          </a:p>
         </p:txBody>
       </p:sp>
       <p:sp>
         <p:nvSpPr>
           <p:cNvPr id="79" name="Google Shape;79;p11"/>
-          <p:cNvSpPr txBox="1"/>
+          <p:cNvSpPr txBox="1">
+            <a:spLocks noGrp="1"/>
+          </p:cNvSpPr>
           <p:nvPr>
-            <p:ph idx="12" type="sldNum"/>
+            <p:ph type="sldNum" idx="12"/>
           </p:nvPr>
         </p:nvSpPr>
         <p:spPr>
@@ -2554,7 +2614,7 @@
           </a:prstGeom>
         </p:spPr>
         <p:txBody>
-          <a:bodyPr anchorCtr="0" anchor="ctr" bIns="91425" lIns="91425" spcFirstLastPara="1" rIns="91425" wrap="square" tIns="91425">
+          <a:bodyPr spcFirstLastPara="1" wrap="square" lIns="91425" tIns="91425" rIns="91425" bIns="91425" anchor="ctr" anchorCtr="0">
             <a:normAutofit/>
           </a:bodyPr>
           <a:lstStyle>
@@ -2632,7 +2692,7 @@
             </a:lvl9pPr>
           </a:lstStyle>
           <a:p>
-            <a:pPr indent="0" lvl="0" marL="0" rtl="0" algn="r">
+            <a:pPr marL="0" lvl="0" indent="0" algn="r" rtl="0">
               <a:spcBef>
                 <a:spcPts val="0"/>
               </a:spcBef>
@@ -2658,11 +2718,11 @@
 </file>
 
 <file path=ppt/slideLayouts/slideLayout11.xml><?xml version="1.0" encoding="utf-8"?>
-<p:sldLayout xmlns:a="http://schemas.openxmlformats.org/drawingml/2006/main" xmlns:r="http://schemas.openxmlformats.org/officeDocument/2006/relationships" xmlns:mc="http://schemas.openxmlformats.org/markup-compatibility/2006" xmlns:mv="urn:schemas-microsoft-com:mac:vml" xmlns:p="http://schemas.openxmlformats.org/presentationml/2006/main" xmlns:c="http://schemas.openxmlformats.org/drawingml/2006/chart" xmlns:dgm="http://schemas.openxmlformats.org/drawingml/2006/diagram" xmlns:o="urn:schemas-microsoft-com:office:office" xmlns:v="urn:schemas-microsoft-com:vml" xmlns:pvml="urn:schemas-microsoft-com:office:powerpoint" xmlns:com="http://schemas.openxmlformats.org/drawingml/2006/compatibility" xmlns:p14="http://schemas.microsoft.com/office/powerpoint/2010/main" xmlns:p15="http://schemas.microsoft.com/office/powerpoint/2012/main" xmlns:ahyp="http://schemas.microsoft.com/office/drawing/2018/hyperlinkcolor" matchingName="Blank" type="blank">
+<p:sldLayout xmlns:a="http://schemas.openxmlformats.org/drawingml/2006/main" xmlns:r="http://schemas.openxmlformats.org/officeDocument/2006/relationships" xmlns:p="http://schemas.openxmlformats.org/presentationml/2006/main" matchingName="Blank" type="blank">
   <p:cSld name="BLANK">
     <p:spTree>
       <p:nvGrpSpPr>
-        <p:cNvPr id="80" name="Shape 80"/>
+        <p:cNvPr id="1" name="Shape 80"/>
         <p:cNvGrpSpPr/>
         <p:nvPr/>
       </p:nvGrpSpPr>
@@ -2677,9 +2737,11 @@
       <p:sp>
         <p:nvSpPr>
           <p:cNvPr id="81" name="Google Shape;81;p12"/>
-          <p:cNvSpPr txBox="1"/>
+          <p:cNvSpPr txBox="1">
+            <a:spLocks noGrp="1"/>
+          </p:cNvSpPr>
           <p:nvPr>
-            <p:ph idx="12" type="sldNum"/>
+            <p:ph type="sldNum" idx="12"/>
           </p:nvPr>
         </p:nvSpPr>
         <p:spPr>
@@ -2692,7 +2754,7 @@
           </a:prstGeom>
         </p:spPr>
         <p:txBody>
-          <a:bodyPr anchorCtr="0" anchor="ctr" bIns="91425" lIns="91425" spcFirstLastPara="1" rIns="91425" wrap="square" tIns="91425">
+          <a:bodyPr spcFirstLastPara="1" wrap="square" lIns="91425" tIns="91425" rIns="91425" bIns="91425" anchor="ctr" anchorCtr="0">
             <a:normAutofit/>
           </a:bodyPr>
           <a:lstStyle>
@@ -2734,7 +2796,7 @@
             </a:lvl9pPr>
           </a:lstStyle>
           <a:p>
-            <a:pPr indent="0" lvl="0" marL="0" rtl="0" algn="r">
+            <a:pPr marL="0" lvl="0" indent="0" algn="r" rtl="0">
               <a:spcBef>
                 <a:spcPts val="0"/>
               </a:spcBef>
@@ -2760,18 +2822,19 @@
 </file>
 
 <file path=ppt/slideLayouts/slideLayout2.xml><?xml version="1.0" encoding="utf-8"?>
-<p:sldLayout xmlns:a="http://schemas.openxmlformats.org/drawingml/2006/main" xmlns:r="http://schemas.openxmlformats.org/officeDocument/2006/relationships" xmlns:mc="http://schemas.openxmlformats.org/markup-compatibility/2006" xmlns:mv="urn:schemas-microsoft-com:mac:vml" xmlns:p="http://schemas.openxmlformats.org/presentationml/2006/main" xmlns:c="http://schemas.openxmlformats.org/drawingml/2006/chart" xmlns:dgm="http://schemas.openxmlformats.org/drawingml/2006/diagram" xmlns:o="urn:schemas-microsoft-com:office:office" xmlns:v="urn:schemas-microsoft-com:vml" xmlns:pvml="urn:schemas-microsoft-com:office:powerpoint" xmlns:com="http://schemas.openxmlformats.org/drawingml/2006/compatibility" xmlns:p14="http://schemas.microsoft.com/office/powerpoint/2010/main" xmlns:p15="http://schemas.microsoft.com/office/powerpoint/2012/main" xmlns:ahyp="http://schemas.microsoft.com/office/drawing/2018/hyperlinkcolor" matchingName="Section header" type="secHead">
+<p:sldLayout xmlns:a="http://schemas.openxmlformats.org/drawingml/2006/main" xmlns:r="http://schemas.openxmlformats.org/officeDocument/2006/relationships" xmlns:p="http://schemas.openxmlformats.org/presentationml/2006/main" matchingName="Section header" type="secHead">
   <p:cSld name="SECTION_HEADER">
     <p:bg>
       <p:bgPr>
         <a:solidFill>
           <a:schemeClr val="dk1"/>
         </a:solidFill>
+        <a:effectLst/>
       </p:bgPr>
     </p:bg>
     <p:spTree>
       <p:nvGrpSpPr>
-        <p:cNvPr id="17" name="Shape 17"/>
+        <p:cNvPr id="1" name="Shape 17"/>
         <p:cNvGrpSpPr/>
         <p:nvPr/>
       </p:nvGrpSpPr>
@@ -2819,12 +2882,12 @@
             </a:ln>
           </p:spPr>
           <p:txBody>
-            <a:bodyPr anchorCtr="0" anchor="ctr" bIns="91425" lIns="91425" spcFirstLastPara="1" rIns="91425" wrap="square" tIns="91425">
+            <a:bodyPr spcFirstLastPara="1" wrap="square" lIns="91425" tIns="91425" rIns="91425" bIns="91425" anchor="ctr" anchorCtr="0">
               <a:noAutofit/>
             </a:bodyPr>
             <a:lstStyle/>
             <a:p>
-              <a:pPr indent="0" lvl="0" marL="0" rtl="0" algn="l">
+              <a:pPr marL="0" lvl="0" indent="0" algn="l" rtl="0">
                 <a:spcBef>
                   <a:spcPts val="0"/>
                 </a:spcBef>
@@ -2833,9 +2896,6 @@
                 </a:spcAft>
                 <a:buNone/>
               </a:pPr>
-              <a:r>
-                <a:t/>
-              </a:r>
               <a:endParaRPr/>
             </a:p>
           </p:txBody>
@@ -2862,12 +2922,12 @@
             </a:ln>
           </p:spPr>
           <p:txBody>
-            <a:bodyPr anchorCtr="0" anchor="ctr" bIns="91425" lIns="91425" spcFirstLastPara="1" rIns="91425" wrap="square" tIns="91425">
+            <a:bodyPr spcFirstLastPara="1" wrap="square" lIns="91425" tIns="91425" rIns="91425" bIns="91425" anchor="ctr" anchorCtr="0">
               <a:noAutofit/>
             </a:bodyPr>
             <a:lstStyle/>
             <a:p>
-              <a:pPr indent="0" lvl="0" marL="0" rtl="0" algn="l">
+              <a:pPr marL="0" lvl="0" indent="0" algn="l" rtl="0">
                 <a:spcBef>
                   <a:spcPts val="0"/>
                 </a:spcBef>
@@ -2876,9 +2936,6 @@
                 </a:spcAft>
                 <a:buNone/>
               </a:pPr>
-              <a:r>
-                <a:t/>
-              </a:r>
               <a:endParaRPr/>
             </a:p>
           </p:txBody>
@@ -2887,7 +2944,9 @@
       <p:sp>
         <p:nvSpPr>
           <p:cNvPr id="21" name="Google Shape;21;p3"/>
-          <p:cNvSpPr txBox="1"/>
+          <p:cNvSpPr txBox="1">
+            <a:spLocks noGrp="1"/>
+          </p:cNvSpPr>
           <p:nvPr>
             <p:ph type="title"/>
           </p:nvPr>
@@ -2902,7 +2961,7 @@
           </a:prstGeom>
         </p:spPr>
         <p:txBody>
-          <a:bodyPr anchorCtr="0" anchor="t" bIns="91425" lIns="91425" spcFirstLastPara="1" rIns="91425" wrap="square" tIns="91425">
+          <a:bodyPr spcFirstLastPara="1" wrap="square" lIns="91425" tIns="91425" rIns="91425" bIns="91425" anchor="t" anchorCtr="0">
             <a:normAutofit/>
           </a:bodyPr>
           <a:lstStyle>
@@ -3069,15 +3128,19 @@
               </a:defRPr>
             </a:lvl9pPr>
           </a:lstStyle>
-          <a:p/>
+          <a:p>
+            <a:endParaRPr/>
+          </a:p>
         </p:txBody>
       </p:sp>
       <p:sp>
         <p:nvSpPr>
           <p:cNvPr id="22" name="Google Shape;22;p3"/>
-          <p:cNvSpPr txBox="1"/>
+          <p:cNvSpPr txBox="1">
+            <a:spLocks noGrp="1"/>
+          </p:cNvSpPr>
           <p:nvPr>
-            <p:ph idx="12" type="sldNum"/>
+            <p:ph type="sldNum" idx="12"/>
           </p:nvPr>
         </p:nvSpPr>
         <p:spPr>
@@ -3090,7 +3153,7 @@
           </a:prstGeom>
         </p:spPr>
         <p:txBody>
-          <a:bodyPr anchorCtr="0" anchor="ctr" bIns="91425" lIns="91425" spcFirstLastPara="1" rIns="91425" wrap="square" tIns="91425">
+          <a:bodyPr spcFirstLastPara="1" wrap="square" lIns="91425" tIns="91425" rIns="91425" bIns="91425" anchor="ctr" anchorCtr="0">
             <a:normAutofit/>
           </a:bodyPr>
           <a:lstStyle>
@@ -3168,7 +3231,7 @@
             </a:lvl9pPr>
           </a:lstStyle>
           <a:p>
-            <a:pPr indent="0" lvl="0" marL="0" rtl="0" algn="r">
+            <a:pPr marL="0" lvl="0" indent="0" algn="r" rtl="0">
               <a:spcBef>
                 <a:spcPts val="0"/>
               </a:spcBef>
@@ -3194,11 +3257,11 @@
 </file>
 
 <file path=ppt/slideLayouts/slideLayout3.xml><?xml version="1.0" encoding="utf-8"?>
-<p:sldLayout xmlns:a="http://schemas.openxmlformats.org/drawingml/2006/main" xmlns:r="http://schemas.openxmlformats.org/officeDocument/2006/relationships" xmlns:mc="http://schemas.openxmlformats.org/markup-compatibility/2006" xmlns:mv="urn:schemas-microsoft-com:mac:vml" xmlns:p="http://schemas.openxmlformats.org/presentationml/2006/main" xmlns:c="http://schemas.openxmlformats.org/drawingml/2006/chart" xmlns:dgm="http://schemas.openxmlformats.org/drawingml/2006/diagram" xmlns:o="urn:schemas-microsoft-com:office:office" xmlns:v="urn:schemas-microsoft-com:vml" xmlns:pvml="urn:schemas-microsoft-com:office:powerpoint" xmlns:com="http://schemas.openxmlformats.org/drawingml/2006/compatibility" xmlns:p14="http://schemas.microsoft.com/office/powerpoint/2010/main" xmlns:p15="http://schemas.microsoft.com/office/powerpoint/2012/main" xmlns:ahyp="http://schemas.microsoft.com/office/drawing/2018/hyperlinkcolor" matchingName="Title and body" type="tx">
+<p:sldLayout xmlns:a="http://schemas.openxmlformats.org/drawingml/2006/main" xmlns:r="http://schemas.openxmlformats.org/officeDocument/2006/relationships" xmlns:p="http://schemas.openxmlformats.org/presentationml/2006/main" matchingName="Title and body" type="tx">
   <p:cSld name="TITLE_AND_BODY">
     <p:spTree>
       <p:nvGrpSpPr>
-        <p:cNvPr id="23" name="Shape 23"/>
+        <p:cNvPr id="1" name="Shape 23"/>
         <p:cNvGrpSpPr/>
         <p:nvPr/>
       </p:nvGrpSpPr>
@@ -3232,12 +3295,12 @@
           </a:ln>
         </p:spPr>
         <p:txBody>
-          <a:bodyPr anchorCtr="0" anchor="ctr" bIns="91425" lIns="91425" spcFirstLastPara="1" rIns="91425" wrap="square" tIns="91425">
+          <a:bodyPr spcFirstLastPara="1" wrap="square" lIns="91425" tIns="91425" rIns="91425" bIns="91425" anchor="ctr" anchorCtr="0">
             <a:noAutofit/>
           </a:bodyPr>
           <a:lstStyle/>
           <a:p>
-            <a:pPr indent="0" lvl="0" marL="0" rtl="0" algn="l">
+            <a:pPr marL="0" lvl="0" indent="0" algn="l" rtl="0">
               <a:spcBef>
                 <a:spcPts val="0"/>
               </a:spcBef>
@@ -3246,9 +3309,6 @@
               </a:spcAft>
               <a:buNone/>
             </a:pPr>
-            <a:r>
-              <a:t/>
-            </a:r>
             <a:endParaRPr/>
           </a:p>
         </p:txBody>
@@ -3289,12 +3349,12 @@
             </a:ln>
           </p:spPr>
           <p:txBody>
-            <a:bodyPr anchorCtr="0" anchor="ctr" bIns="91425" lIns="91425" spcFirstLastPara="1" rIns="91425" wrap="square" tIns="91425">
+            <a:bodyPr spcFirstLastPara="1" wrap="square" lIns="91425" tIns="91425" rIns="91425" bIns="91425" anchor="ctr" anchorCtr="0">
               <a:noAutofit/>
             </a:bodyPr>
             <a:lstStyle/>
             <a:p>
-              <a:pPr indent="0" lvl="0" marL="0" rtl="0" algn="l">
+              <a:pPr marL="0" lvl="0" indent="0" algn="l" rtl="0">
                 <a:spcBef>
                   <a:spcPts val="0"/>
                 </a:spcBef>
@@ -3303,9 +3363,6 @@
                 </a:spcAft>
                 <a:buNone/>
               </a:pPr>
-              <a:r>
-                <a:t/>
-              </a:r>
               <a:endParaRPr/>
             </a:p>
           </p:txBody>
@@ -3332,12 +3389,12 @@
             </a:ln>
           </p:spPr>
           <p:txBody>
-            <a:bodyPr anchorCtr="0" anchor="ctr" bIns="91425" lIns="91425" spcFirstLastPara="1" rIns="91425" wrap="square" tIns="91425">
+            <a:bodyPr spcFirstLastPara="1" wrap="square" lIns="91425" tIns="91425" rIns="91425" bIns="91425" anchor="ctr" anchorCtr="0">
               <a:noAutofit/>
             </a:bodyPr>
             <a:lstStyle/>
             <a:p>
-              <a:pPr indent="0" lvl="0" marL="0" rtl="0" algn="l">
+              <a:pPr marL="0" lvl="0" indent="0" algn="l" rtl="0">
                 <a:spcBef>
                   <a:spcPts val="0"/>
                 </a:spcBef>
@@ -3346,9 +3403,6 @@
                 </a:spcAft>
                 <a:buNone/>
               </a:pPr>
-              <a:r>
-                <a:t/>
-              </a:r>
               <a:endParaRPr/>
             </a:p>
           </p:txBody>
@@ -3357,7 +3411,9 @@
       <p:sp>
         <p:nvSpPr>
           <p:cNvPr id="28" name="Google Shape;28;p4"/>
-          <p:cNvSpPr txBox="1"/>
+          <p:cNvSpPr txBox="1">
+            <a:spLocks noGrp="1"/>
+          </p:cNvSpPr>
           <p:nvPr>
             <p:ph type="title"/>
           </p:nvPr>
@@ -3372,7 +3428,7 @@
           </a:prstGeom>
         </p:spPr>
         <p:txBody>
-          <a:bodyPr anchorCtr="0" anchor="t" bIns="91425" lIns="91425" spcFirstLastPara="1" rIns="91425" wrap="square" tIns="91425">
+          <a:bodyPr spcFirstLastPara="1" wrap="square" lIns="91425" tIns="91425" rIns="91425" bIns="91425" anchor="t" anchorCtr="0">
             <a:normAutofit/>
           </a:bodyPr>
           <a:lstStyle>
@@ -3476,15 +3532,19 @@
               <a:defRPr sz="2600"/>
             </a:lvl9pPr>
           </a:lstStyle>
-          <a:p/>
+          <a:p>
+            <a:endParaRPr/>
+          </a:p>
         </p:txBody>
       </p:sp>
       <p:sp>
         <p:nvSpPr>
           <p:cNvPr id="29" name="Google Shape;29;p4"/>
-          <p:cNvSpPr txBox="1"/>
+          <p:cNvSpPr txBox="1">
+            <a:spLocks noGrp="1"/>
+          </p:cNvSpPr>
           <p:nvPr>
-            <p:ph idx="1" type="body"/>
+            <p:ph type="body" idx="1"/>
           </p:nvPr>
         </p:nvSpPr>
         <p:spPr>
@@ -3497,11 +3557,11 @@
           </a:prstGeom>
         </p:spPr>
         <p:txBody>
-          <a:bodyPr anchorCtr="0" anchor="t" bIns="91425" lIns="91425" spcFirstLastPara="1" rIns="91425" wrap="square" tIns="91425">
+          <a:bodyPr spcFirstLastPara="1" wrap="square" lIns="91425" tIns="91425" rIns="91425" bIns="91425" anchor="t" anchorCtr="0">
             <a:normAutofit/>
           </a:bodyPr>
           <a:lstStyle>
-            <a:lvl1pPr indent="-311150" lvl="0" marL="457200">
+            <a:lvl1pPr marL="457200" lvl="0" indent="-311150">
               <a:spcBef>
                 <a:spcPts val="0"/>
               </a:spcBef>
@@ -3512,7 +3572,7 @@
               <a:buChar char="●"/>
               <a:defRPr/>
             </a:lvl1pPr>
-            <a:lvl2pPr indent="-298450" lvl="1" marL="914400">
+            <a:lvl2pPr marL="914400" lvl="1" indent="-298450">
               <a:spcBef>
                 <a:spcPts val="0"/>
               </a:spcBef>
@@ -3523,7 +3583,7 @@
               <a:buChar char="○"/>
               <a:defRPr/>
             </a:lvl2pPr>
-            <a:lvl3pPr indent="-298450" lvl="2" marL="1371600">
+            <a:lvl3pPr marL="1371600" lvl="2" indent="-298450">
               <a:spcBef>
                 <a:spcPts val="0"/>
               </a:spcBef>
@@ -3534,7 +3594,7 @@
               <a:buChar char="■"/>
               <a:defRPr/>
             </a:lvl3pPr>
-            <a:lvl4pPr indent="-298450" lvl="3" marL="1828800">
+            <a:lvl4pPr marL="1828800" lvl="3" indent="-298450">
               <a:spcBef>
                 <a:spcPts val="0"/>
               </a:spcBef>
@@ -3545,7 +3605,7 @@
               <a:buChar char="●"/>
               <a:defRPr/>
             </a:lvl4pPr>
-            <a:lvl5pPr indent="-298450" lvl="4" marL="2286000">
+            <a:lvl5pPr marL="2286000" lvl="4" indent="-298450">
               <a:spcBef>
                 <a:spcPts val="0"/>
               </a:spcBef>
@@ -3556,7 +3616,7 @@
               <a:buChar char="○"/>
               <a:defRPr/>
             </a:lvl5pPr>
-            <a:lvl6pPr indent="-298450" lvl="5" marL="2743200">
+            <a:lvl6pPr marL="2743200" lvl="5" indent="-298450">
               <a:spcBef>
                 <a:spcPts val="0"/>
               </a:spcBef>
@@ -3567,7 +3627,7 @@
               <a:buChar char="■"/>
               <a:defRPr/>
             </a:lvl6pPr>
-            <a:lvl7pPr indent="-298450" lvl="6" marL="3200400">
+            <a:lvl7pPr marL="3200400" lvl="6" indent="-298450">
               <a:spcBef>
                 <a:spcPts val="0"/>
               </a:spcBef>
@@ -3578,7 +3638,7 @@
               <a:buChar char="●"/>
               <a:defRPr/>
             </a:lvl7pPr>
-            <a:lvl8pPr indent="-298450" lvl="7" marL="3657600">
+            <a:lvl8pPr marL="3657600" lvl="7" indent="-298450">
               <a:spcBef>
                 <a:spcPts val="0"/>
               </a:spcBef>
@@ -3589,7 +3649,7 @@
               <a:buChar char="○"/>
               <a:defRPr/>
             </a:lvl8pPr>
-            <a:lvl9pPr indent="-298450" lvl="8" marL="4114800">
+            <a:lvl9pPr marL="4114800" lvl="8" indent="-298450">
               <a:spcBef>
                 <a:spcPts val="0"/>
               </a:spcBef>
@@ -3601,15 +3661,19 @@
               <a:defRPr/>
             </a:lvl9pPr>
           </a:lstStyle>
-          <a:p/>
+          <a:p>
+            <a:endParaRPr/>
+          </a:p>
         </p:txBody>
       </p:sp>
       <p:sp>
         <p:nvSpPr>
           <p:cNvPr id="30" name="Google Shape;30;p4"/>
-          <p:cNvSpPr txBox="1"/>
+          <p:cNvSpPr txBox="1">
+            <a:spLocks noGrp="1"/>
+          </p:cNvSpPr>
           <p:nvPr>
-            <p:ph idx="12" type="sldNum"/>
+            <p:ph type="sldNum" idx="12"/>
           </p:nvPr>
         </p:nvSpPr>
         <p:spPr>
@@ -3622,7 +3686,7 @@
           </a:prstGeom>
         </p:spPr>
         <p:txBody>
-          <a:bodyPr anchorCtr="0" anchor="ctr" bIns="91425" lIns="91425" spcFirstLastPara="1" rIns="91425" wrap="square" tIns="91425">
+          <a:bodyPr spcFirstLastPara="1" wrap="square" lIns="91425" tIns="91425" rIns="91425" bIns="91425" anchor="ctr" anchorCtr="0">
             <a:normAutofit/>
           </a:bodyPr>
           <a:lstStyle>
@@ -3664,7 +3728,7 @@
             </a:lvl9pPr>
           </a:lstStyle>
           <a:p>
-            <a:pPr indent="0" lvl="0" marL="0" rtl="0" algn="r">
+            <a:pPr marL="0" lvl="0" indent="0" algn="r" rtl="0">
               <a:spcBef>
                 <a:spcPts val="0"/>
               </a:spcBef>
@@ -3690,11 +3754,11 @@
 </file>
 
 <file path=ppt/slideLayouts/slideLayout4.xml><?xml version="1.0" encoding="utf-8"?>
-<p:sldLayout xmlns:a="http://schemas.openxmlformats.org/drawingml/2006/main" xmlns:r="http://schemas.openxmlformats.org/officeDocument/2006/relationships" xmlns:mc="http://schemas.openxmlformats.org/markup-compatibility/2006" xmlns:mv="urn:schemas-microsoft-com:mac:vml" xmlns:p="http://schemas.openxmlformats.org/presentationml/2006/main" xmlns:c="http://schemas.openxmlformats.org/drawingml/2006/chart" xmlns:dgm="http://schemas.openxmlformats.org/drawingml/2006/diagram" xmlns:o="urn:schemas-microsoft-com:office:office" xmlns:v="urn:schemas-microsoft-com:vml" xmlns:pvml="urn:schemas-microsoft-com:office:powerpoint" xmlns:com="http://schemas.openxmlformats.org/drawingml/2006/compatibility" xmlns:p14="http://schemas.microsoft.com/office/powerpoint/2010/main" xmlns:p15="http://schemas.microsoft.com/office/powerpoint/2012/main" xmlns:ahyp="http://schemas.microsoft.com/office/drawing/2018/hyperlinkcolor" matchingName="Title and two columns" type="twoColTx">
+<p:sldLayout xmlns:a="http://schemas.openxmlformats.org/drawingml/2006/main" xmlns:r="http://schemas.openxmlformats.org/officeDocument/2006/relationships" xmlns:p="http://schemas.openxmlformats.org/presentationml/2006/main" matchingName="Title and two columns" type="twoColTx">
   <p:cSld name="TITLE_AND_TWO_COLUMNS">
     <p:spTree>
       <p:nvGrpSpPr>
-        <p:cNvPr id="31" name="Shape 31"/>
+        <p:cNvPr id="1" name="Shape 31"/>
         <p:cNvGrpSpPr/>
         <p:nvPr/>
       </p:nvGrpSpPr>
@@ -3728,12 +3792,12 @@
           </a:ln>
         </p:spPr>
         <p:txBody>
-          <a:bodyPr anchorCtr="0" anchor="ctr" bIns="91425" lIns="91425" spcFirstLastPara="1" rIns="91425" wrap="square" tIns="91425">
+          <a:bodyPr spcFirstLastPara="1" wrap="square" lIns="91425" tIns="91425" rIns="91425" bIns="91425" anchor="ctr" anchorCtr="0">
             <a:noAutofit/>
           </a:bodyPr>
           <a:lstStyle/>
           <a:p>
-            <a:pPr indent="0" lvl="0" marL="0" rtl="0" algn="l">
+            <a:pPr marL="0" lvl="0" indent="0" algn="l" rtl="0">
               <a:spcBef>
                 <a:spcPts val="0"/>
               </a:spcBef>
@@ -3742,9 +3806,6 @@
               </a:spcAft>
               <a:buNone/>
             </a:pPr>
-            <a:r>
-              <a:t/>
-            </a:r>
             <a:endParaRPr/>
           </a:p>
         </p:txBody>
@@ -3785,12 +3846,12 @@
             </a:ln>
           </p:spPr>
           <p:txBody>
-            <a:bodyPr anchorCtr="0" anchor="ctr" bIns="91425" lIns="91425" spcFirstLastPara="1" rIns="91425" wrap="square" tIns="91425">
+            <a:bodyPr spcFirstLastPara="1" wrap="square" lIns="91425" tIns="91425" rIns="91425" bIns="91425" anchor="ctr" anchorCtr="0">
               <a:noAutofit/>
             </a:bodyPr>
             <a:lstStyle/>
             <a:p>
-              <a:pPr indent="0" lvl="0" marL="0" rtl="0" algn="l">
+              <a:pPr marL="0" lvl="0" indent="0" algn="l" rtl="0">
                 <a:spcBef>
                   <a:spcPts val="0"/>
                 </a:spcBef>
@@ -3799,9 +3860,6 @@
                 </a:spcAft>
                 <a:buNone/>
               </a:pPr>
-              <a:r>
-                <a:t/>
-              </a:r>
               <a:endParaRPr/>
             </a:p>
           </p:txBody>
@@ -3828,12 +3886,12 @@
             </a:ln>
           </p:spPr>
           <p:txBody>
-            <a:bodyPr anchorCtr="0" anchor="ctr" bIns="91425" lIns="91425" spcFirstLastPara="1" rIns="91425" wrap="square" tIns="91425">
+            <a:bodyPr spcFirstLastPara="1" wrap="square" lIns="91425" tIns="91425" rIns="91425" bIns="91425" anchor="ctr" anchorCtr="0">
               <a:noAutofit/>
             </a:bodyPr>
             <a:lstStyle/>
             <a:p>
-              <a:pPr indent="0" lvl="0" marL="0" rtl="0" algn="l">
+              <a:pPr marL="0" lvl="0" indent="0" algn="l" rtl="0">
                 <a:spcBef>
                   <a:spcPts val="0"/>
                 </a:spcBef>
@@ -3842,9 +3900,6 @@
                 </a:spcAft>
                 <a:buNone/>
               </a:pPr>
-              <a:r>
-                <a:t/>
-              </a:r>
               <a:endParaRPr/>
             </a:p>
           </p:txBody>
@@ -3853,7 +3908,9 @@
       <p:sp>
         <p:nvSpPr>
           <p:cNvPr id="36" name="Google Shape;36;p5"/>
-          <p:cNvSpPr txBox="1"/>
+          <p:cNvSpPr txBox="1">
+            <a:spLocks noGrp="1"/>
+          </p:cNvSpPr>
           <p:nvPr>
             <p:ph type="title"/>
           </p:nvPr>
@@ -3868,7 +3925,7 @@
           </a:prstGeom>
         </p:spPr>
         <p:txBody>
-          <a:bodyPr anchorCtr="0" anchor="t" bIns="91425" lIns="91425" spcFirstLastPara="1" rIns="91425" wrap="square" tIns="91425">
+          <a:bodyPr spcFirstLastPara="1" wrap="square" lIns="91425" tIns="91425" rIns="91425" bIns="91425" anchor="t" anchorCtr="0">
             <a:normAutofit/>
           </a:bodyPr>
           <a:lstStyle>
@@ -3972,15 +4029,19 @@
               <a:defRPr sz="2600"/>
             </a:lvl9pPr>
           </a:lstStyle>
-          <a:p/>
+          <a:p>
+            <a:endParaRPr/>
+          </a:p>
         </p:txBody>
       </p:sp>
       <p:sp>
         <p:nvSpPr>
           <p:cNvPr id="37" name="Google Shape;37;p5"/>
-          <p:cNvSpPr txBox="1"/>
+          <p:cNvSpPr txBox="1">
+            <a:spLocks noGrp="1"/>
+          </p:cNvSpPr>
           <p:nvPr>
-            <p:ph idx="1" type="body"/>
+            <p:ph type="body" idx="1"/>
           </p:nvPr>
         </p:nvSpPr>
         <p:spPr>
@@ -3993,11 +4054,11 @@
           </a:prstGeom>
         </p:spPr>
         <p:txBody>
-          <a:bodyPr anchorCtr="0" anchor="t" bIns="91425" lIns="91425" spcFirstLastPara="1" rIns="91425" wrap="square" tIns="91425">
+          <a:bodyPr spcFirstLastPara="1" wrap="square" lIns="91425" tIns="91425" rIns="91425" bIns="91425" anchor="t" anchorCtr="0">
             <a:normAutofit/>
           </a:bodyPr>
           <a:lstStyle>
-            <a:lvl1pPr indent="-311150" lvl="0" marL="457200">
+            <a:lvl1pPr marL="457200" lvl="0" indent="-311150">
               <a:spcBef>
                 <a:spcPts val="0"/>
               </a:spcBef>
@@ -4008,7 +4069,7 @@
               <a:buChar char="●"/>
               <a:defRPr/>
             </a:lvl1pPr>
-            <a:lvl2pPr indent="-298450" lvl="1" marL="914400">
+            <a:lvl2pPr marL="914400" lvl="1" indent="-298450">
               <a:spcBef>
                 <a:spcPts val="0"/>
               </a:spcBef>
@@ -4019,7 +4080,7 @@
               <a:buChar char="○"/>
               <a:defRPr/>
             </a:lvl2pPr>
-            <a:lvl3pPr indent="-298450" lvl="2" marL="1371600">
+            <a:lvl3pPr marL="1371600" lvl="2" indent="-298450">
               <a:spcBef>
                 <a:spcPts val="0"/>
               </a:spcBef>
@@ -4030,7 +4091,7 @@
               <a:buChar char="■"/>
               <a:defRPr/>
             </a:lvl3pPr>
-            <a:lvl4pPr indent="-298450" lvl="3" marL="1828800">
+            <a:lvl4pPr marL="1828800" lvl="3" indent="-298450">
               <a:spcBef>
                 <a:spcPts val="0"/>
               </a:spcBef>
@@ -4041,7 +4102,7 @@
               <a:buChar char="●"/>
               <a:defRPr/>
             </a:lvl4pPr>
-            <a:lvl5pPr indent="-298450" lvl="4" marL="2286000">
+            <a:lvl5pPr marL="2286000" lvl="4" indent="-298450">
               <a:spcBef>
                 <a:spcPts val="0"/>
               </a:spcBef>
@@ -4052,7 +4113,7 @@
               <a:buChar char="○"/>
               <a:defRPr/>
             </a:lvl5pPr>
-            <a:lvl6pPr indent="-298450" lvl="5" marL="2743200">
+            <a:lvl6pPr marL="2743200" lvl="5" indent="-298450">
               <a:spcBef>
                 <a:spcPts val="0"/>
               </a:spcBef>
@@ -4063,7 +4124,7 @@
               <a:buChar char="■"/>
               <a:defRPr/>
             </a:lvl6pPr>
-            <a:lvl7pPr indent="-298450" lvl="6" marL="3200400">
+            <a:lvl7pPr marL="3200400" lvl="6" indent="-298450">
               <a:spcBef>
                 <a:spcPts val="0"/>
               </a:spcBef>
@@ -4074,7 +4135,7 @@
               <a:buChar char="●"/>
               <a:defRPr/>
             </a:lvl7pPr>
-            <a:lvl8pPr indent="-298450" lvl="7" marL="3657600">
+            <a:lvl8pPr marL="3657600" lvl="7" indent="-298450">
               <a:spcBef>
                 <a:spcPts val="0"/>
               </a:spcBef>
@@ -4085,7 +4146,7 @@
               <a:buChar char="○"/>
               <a:defRPr/>
             </a:lvl8pPr>
-            <a:lvl9pPr indent="-298450" lvl="8" marL="4114800">
+            <a:lvl9pPr marL="4114800" lvl="8" indent="-298450">
               <a:spcBef>
                 <a:spcPts val="0"/>
               </a:spcBef>
@@ -4097,15 +4158,19 @@
               <a:defRPr/>
             </a:lvl9pPr>
           </a:lstStyle>
-          <a:p/>
+          <a:p>
+            <a:endParaRPr/>
+          </a:p>
         </p:txBody>
       </p:sp>
       <p:sp>
         <p:nvSpPr>
           <p:cNvPr id="38" name="Google Shape;38;p5"/>
-          <p:cNvSpPr txBox="1"/>
+          <p:cNvSpPr txBox="1">
+            <a:spLocks noGrp="1"/>
+          </p:cNvSpPr>
           <p:nvPr>
-            <p:ph idx="2" type="body"/>
+            <p:ph type="body" idx="2"/>
           </p:nvPr>
         </p:nvSpPr>
         <p:spPr>
@@ -4118,11 +4183,11 @@
           </a:prstGeom>
         </p:spPr>
         <p:txBody>
-          <a:bodyPr anchorCtr="0" anchor="t" bIns="91425" lIns="91425" spcFirstLastPara="1" rIns="91425" wrap="square" tIns="91425">
+          <a:bodyPr spcFirstLastPara="1" wrap="square" lIns="91425" tIns="91425" rIns="91425" bIns="91425" anchor="t" anchorCtr="0">
             <a:normAutofit/>
           </a:bodyPr>
           <a:lstStyle>
-            <a:lvl1pPr indent="-311150" lvl="0" marL="457200">
+            <a:lvl1pPr marL="457200" lvl="0" indent="-311150">
               <a:spcBef>
                 <a:spcPts val="0"/>
               </a:spcBef>
@@ -4133,7 +4198,7 @@
               <a:buChar char="●"/>
               <a:defRPr/>
             </a:lvl1pPr>
-            <a:lvl2pPr indent="-298450" lvl="1" marL="914400">
+            <a:lvl2pPr marL="914400" lvl="1" indent="-298450">
               <a:spcBef>
                 <a:spcPts val="0"/>
               </a:spcBef>
@@ -4144,7 +4209,7 @@
               <a:buChar char="○"/>
               <a:defRPr/>
             </a:lvl2pPr>
-            <a:lvl3pPr indent="-298450" lvl="2" marL="1371600">
+            <a:lvl3pPr marL="1371600" lvl="2" indent="-298450">
               <a:spcBef>
                 <a:spcPts val="0"/>
               </a:spcBef>
@@ -4155,7 +4220,7 @@
               <a:buChar char="■"/>
               <a:defRPr/>
             </a:lvl3pPr>
-            <a:lvl4pPr indent="-298450" lvl="3" marL="1828800">
+            <a:lvl4pPr marL="1828800" lvl="3" indent="-298450">
               <a:spcBef>
                 <a:spcPts val="0"/>
               </a:spcBef>
@@ -4166,7 +4231,7 @@
               <a:buChar char="●"/>
               <a:defRPr/>
             </a:lvl4pPr>
-            <a:lvl5pPr indent="-298450" lvl="4" marL="2286000">
+            <a:lvl5pPr marL="2286000" lvl="4" indent="-298450">
               <a:spcBef>
                 <a:spcPts val="0"/>
               </a:spcBef>
@@ -4177,7 +4242,7 @@
               <a:buChar char="○"/>
               <a:defRPr/>
             </a:lvl5pPr>
-            <a:lvl6pPr indent="-298450" lvl="5" marL="2743200">
+            <a:lvl6pPr marL="2743200" lvl="5" indent="-298450">
               <a:spcBef>
                 <a:spcPts val="0"/>
               </a:spcBef>
@@ -4188,7 +4253,7 @@
               <a:buChar char="■"/>
               <a:defRPr/>
             </a:lvl6pPr>
-            <a:lvl7pPr indent="-298450" lvl="6" marL="3200400">
+            <a:lvl7pPr marL="3200400" lvl="6" indent="-298450">
               <a:spcBef>
                 <a:spcPts val="0"/>
               </a:spcBef>
@@ -4199,7 +4264,7 @@
               <a:buChar char="●"/>
               <a:defRPr/>
             </a:lvl7pPr>
-            <a:lvl8pPr indent="-298450" lvl="7" marL="3657600">
+            <a:lvl8pPr marL="3657600" lvl="7" indent="-298450">
               <a:spcBef>
                 <a:spcPts val="0"/>
               </a:spcBef>
@@ -4210,7 +4275,7 @@
               <a:buChar char="○"/>
               <a:defRPr/>
             </a:lvl8pPr>
-            <a:lvl9pPr indent="-298450" lvl="8" marL="4114800">
+            <a:lvl9pPr marL="4114800" lvl="8" indent="-298450">
               <a:spcBef>
                 <a:spcPts val="0"/>
               </a:spcBef>
@@ -4222,15 +4287,19 @@
               <a:defRPr/>
             </a:lvl9pPr>
           </a:lstStyle>
-          <a:p/>
+          <a:p>
+            <a:endParaRPr/>
+          </a:p>
         </p:txBody>
       </p:sp>
       <p:sp>
         <p:nvSpPr>
           <p:cNvPr id="39" name="Google Shape;39;p5"/>
-          <p:cNvSpPr txBox="1"/>
+          <p:cNvSpPr txBox="1">
+            <a:spLocks noGrp="1"/>
+          </p:cNvSpPr>
           <p:nvPr>
-            <p:ph idx="12" type="sldNum"/>
+            <p:ph type="sldNum" idx="12"/>
           </p:nvPr>
         </p:nvSpPr>
         <p:spPr>
@@ -4243,7 +4312,7 @@
           </a:prstGeom>
         </p:spPr>
         <p:txBody>
-          <a:bodyPr anchorCtr="0" anchor="ctr" bIns="91425" lIns="91425" spcFirstLastPara="1" rIns="91425" wrap="square" tIns="91425">
+          <a:bodyPr spcFirstLastPara="1" wrap="square" lIns="91425" tIns="91425" rIns="91425" bIns="91425" anchor="ctr" anchorCtr="0">
             <a:normAutofit/>
           </a:bodyPr>
           <a:lstStyle>
@@ -4285,7 +4354,7 @@
             </a:lvl9pPr>
           </a:lstStyle>
           <a:p>
-            <a:pPr indent="0" lvl="0" marL="0" rtl="0" algn="r">
+            <a:pPr marL="0" lvl="0" indent="0" algn="r" rtl="0">
               <a:spcBef>
                 <a:spcPts val="0"/>
               </a:spcBef>
@@ -4311,11 +4380,11 @@
 </file>
 
 <file path=ppt/slideLayouts/slideLayout5.xml><?xml version="1.0" encoding="utf-8"?>
-<p:sldLayout xmlns:a="http://schemas.openxmlformats.org/drawingml/2006/main" xmlns:r="http://schemas.openxmlformats.org/officeDocument/2006/relationships" xmlns:mc="http://schemas.openxmlformats.org/markup-compatibility/2006" xmlns:mv="urn:schemas-microsoft-com:mac:vml" xmlns:p="http://schemas.openxmlformats.org/presentationml/2006/main" xmlns:c="http://schemas.openxmlformats.org/drawingml/2006/chart" xmlns:dgm="http://schemas.openxmlformats.org/drawingml/2006/diagram" xmlns:o="urn:schemas-microsoft-com:office:office" xmlns:v="urn:schemas-microsoft-com:vml" xmlns:pvml="urn:schemas-microsoft-com:office:powerpoint" xmlns:com="http://schemas.openxmlformats.org/drawingml/2006/compatibility" xmlns:p14="http://schemas.microsoft.com/office/powerpoint/2010/main" xmlns:p15="http://schemas.microsoft.com/office/powerpoint/2012/main" xmlns:ahyp="http://schemas.microsoft.com/office/drawing/2018/hyperlinkcolor" matchingName="Title only" type="titleOnly">
+<p:sldLayout xmlns:a="http://schemas.openxmlformats.org/drawingml/2006/main" xmlns:r="http://schemas.openxmlformats.org/officeDocument/2006/relationships" xmlns:p="http://schemas.openxmlformats.org/presentationml/2006/main" matchingName="Title only" type="titleOnly">
   <p:cSld name="TITLE_ONLY">
     <p:spTree>
       <p:nvGrpSpPr>
-        <p:cNvPr id="40" name="Shape 40"/>
+        <p:cNvPr id="1" name="Shape 40"/>
         <p:cNvGrpSpPr/>
         <p:nvPr/>
       </p:nvGrpSpPr>
@@ -4349,12 +4418,12 @@
           </a:ln>
         </p:spPr>
         <p:txBody>
-          <a:bodyPr anchorCtr="0" anchor="ctr" bIns="91425" lIns="91425" spcFirstLastPara="1" rIns="91425" wrap="square" tIns="91425">
+          <a:bodyPr spcFirstLastPara="1" wrap="square" lIns="91425" tIns="91425" rIns="91425" bIns="91425" anchor="ctr" anchorCtr="0">
             <a:noAutofit/>
           </a:bodyPr>
           <a:lstStyle/>
           <a:p>
-            <a:pPr indent="0" lvl="0" marL="0" rtl="0" algn="l">
+            <a:pPr marL="0" lvl="0" indent="0" algn="l" rtl="0">
               <a:spcBef>
                 <a:spcPts val="0"/>
               </a:spcBef>
@@ -4363,9 +4432,6 @@
               </a:spcAft>
               <a:buNone/>
             </a:pPr>
-            <a:r>
-              <a:t/>
-            </a:r>
             <a:endParaRPr/>
           </a:p>
         </p:txBody>
@@ -4406,12 +4472,12 @@
             </a:ln>
           </p:spPr>
           <p:txBody>
-            <a:bodyPr anchorCtr="0" anchor="ctr" bIns="91425" lIns="91425" spcFirstLastPara="1" rIns="91425" wrap="square" tIns="91425">
+            <a:bodyPr spcFirstLastPara="1" wrap="square" lIns="91425" tIns="91425" rIns="91425" bIns="91425" anchor="ctr" anchorCtr="0">
               <a:noAutofit/>
             </a:bodyPr>
             <a:lstStyle/>
             <a:p>
-              <a:pPr indent="0" lvl="0" marL="0" rtl="0" algn="l">
+              <a:pPr marL="0" lvl="0" indent="0" algn="l" rtl="0">
                 <a:spcBef>
                   <a:spcPts val="0"/>
                 </a:spcBef>
@@ -4420,9 +4486,6 @@
                 </a:spcAft>
                 <a:buNone/>
               </a:pPr>
-              <a:r>
-                <a:t/>
-              </a:r>
               <a:endParaRPr/>
             </a:p>
           </p:txBody>
@@ -4449,12 +4512,12 @@
             </a:ln>
           </p:spPr>
           <p:txBody>
-            <a:bodyPr anchorCtr="0" anchor="ctr" bIns="91425" lIns="91425" spcFirstLastPara="1" rIns="91425" wrap="square" tIns="91425">
+            <a:bodyPr spcFirstLastPara="1" wrap="square" lIns="91425" tIns="91425" rIns="91425" bIns="91425" anchor="ctr" anchorCtr="0">
               <a:noAutofit/>
             </a:bodyPr>
             <a:lstStyle/>
             <a:p>
-              <a:pPr indent="0" lvl="0" marL="0" rtl="0" algn="l">
+              <a:pPr marL="0" lvl="0" indent="0" algn="l" rtl="0">
                 <a:spcBef>
                   <a:spcPts val="0"/>
                 </a:spcBef>
@@ -4463,9 +4526,6 @@
                 </a:spcAft>
                 <a:buNone/>
               </a:pPr>
-              <a:r>
-                <a:t/>
-              </a:r>
               <a:endParaRPr/>
             </a:p>
           </p:txBody>
@@ -4474,7 +4534,9 @@
       <p:sp>
         <p:nvSpPr>
           <p:cNvPr id="45" name="Google Shape;45;p6"/>
-          <p:cNvSpPr txBox="1"/>
+          <p:cNvSpPr txBox="1">
+            <a:spLocks noGrp="1"/>
+          </p:cNvSpPr>
           <p:nvPr>
             <p:ph type="title"/>
           </p:nvPr>
@@ -4489,7 +4551,7 @@
           </a:prstGeom>
         </p:spPr>
         <p:txBody>
-          <a:bodyPr anchorCtr="0" anchor="t" bIns="91425" lIns="91425" spcFirstLastPara="1" rIns="91425" wrap="square" tIns="91425">
+          <a:bodyPr spcFirstLastPara="1" wrap="square" lIns="91425" tIns="91425" rIns="91425" bIns="91425" anchor="t" anchorCtr="0">
             <a:normAutofit/>
           </a:bodyPr>
           <a:lstStyle>
@@ -4593,15 +4655,19 @@
               <a:defRPr sz="2600"/>
             </a:lvl9pPr>
           </a:lstStyle>
-          <a:p/>
+          <a:p>
+            <a:endParaRPr/>
+          </a:p>
         </p:txBody>
       </p:sp>
       <p:sp>
         <p:nvSpPr>
           <p:cNvPr id="46" name="Google Shape;46;p6"/>
-          <p:cNvSpPr txBox="1"/>
+          <p:cNvSpPr txBox="1">
+            <a:spLocks noGrp="1"/>
+          </p:cNvSpPr>
           <p:nvPr>
-            <p:ph idx="12" type="sldNum"/>
+            <p:ph type="sldNum" idx="12"/>
           </p:nvPr>
         </p:nvSpPr>
         <p:spPr>
@@ -4614,7 +4680,7 @@
           </a:prstGeom>
         </p:spPr>
         <p:txBody>
-          <a:bodyPr anchorCtr="0" anchor="ctr" bIns="91425" lIns="91425" spcFirstLastPara="1" rIns="91425" wrap="square" tIns="91425">
+          <a:bodyPr spcFirstLastPara="1" wrap="square" lIns="91425" tIns="91425" rIns="91425" bIns="91425" anchor="ctr" anchorCtr="0">
             <a:normAutofit/>
           </a:bodyPr>
           <a:lstStyle>
@@ -4656,7 +4722,7 @@
             </a:lvl9pPr>
           </a:lstStyle>
           <a:p>
-            <a:pPr indent="0" lvl="0" marL="0" rtl="0" algn="r">
+            <a:pPr marL="0" lvl="0" indent="0" algn="r" rtl="0">
               <a:spcBef>
                 <a:spcPts val="0"/>
               </a:spcBef>
@@ -4682,11 +4748,11 @@
 </file>
 
 <file path=ppt/slideLayouts/slideLayout6.xml><?xml version="1.0" encoding="utf-8"?>
-<p:sldLayout xmlns:a="http://schemas.openxmlformats.org/drawingml/2006/main" xmlns:r="http://schemas.openxmlformats.org/officeDocument/2006/relationships" xmlns:mc="http://schemas.openxmlformats.org/markup-compatibility/2006" xmlns:mv="urn:schemas-microsoft-com:mac:vml" xmlns:p="http://schemas.openxmlformats.org/presentationml/2006/main" xmlns:c="http://schemas.openxmlformats.org/drawingml/2006/chart" xmlns:dgm="http://schemas.openxmlformats.org/drawingml/2006/diagram" xmlns:o="urn:schemas-microsoft-com:office:office" xmlns:v="urn:schemas-microsoft-com:vml" xmlns:pvml="urn:schemas-microsoft-com:office:powerpoint" xmlns:com="http://schemas.openxmlformats.org/drawingml/2006/compatibility" xmlns:p14="http://schemas.microsoft.com/office/powerpoint/2010/main" xmlns:p15="http://schemas.microsoft.com/office/powerpoint/2012/main" xmlns:ahyp="http://schemas.microsoft.com/office/drawing/2018/hyperlinkcolor" matchingName="One column text">
+<p:sldLayout xmlns:a="http://schemas.openxmlformats.org/drawingml/2006/main" xmlns:r="http://schemas.openxmlformats.org/officeDocument/2006/relationships" xmlns:p="http://schemas.openxmlformats.org/presentationml/2006/main" matchingName="One column text">
   <p:cSld name="ONE_COLUMN_TEXT">
     <p:spTree>
       <p:nvGrpSpPr>
-        <p:cNvPr id="47" name="Shape 47"/>
+        <p:cNvPr id="1" name="Shape 47"/>
         <p:cNvGrpSpPr/>
         <p:nvPr/>
       </p:nvGrpSpPr>
@@ -4720,12 +4786,12 @@
           </a:ln>
         </p:spPr>
         <p:txBody>
-          <a:bodyPr anchorCtr="0" anchor="ctr" bIns="91425" lIns="91425" spcFirstLastPara="1" rIns="91425" wrap="square" tIns="91425">
+          <a:bodyPr spcFirstLastPara="1" wrap="square" lIns="91425" tIns="91425" rIns="91425" bIns="91425" anchor="ctr" anchorCtr="0">
             <a:noAutofit/>
           </a:bodyPr>
           <a:lstStyle/>
           <a:p>
-            <a:pPr indent="0" lvl="0" marL="0" rtl="0" algn="l">
+            <a:pPr marL="0" lvl="0" indent="0" algn="l" rtl="0">
               <a:spcBef>
                 <a:spcPts val="0"/>
               </a:spcBef>
@@ -4734,9 +4800,6 @@
               </a:spcAft>
               <a:buNone/>
             </a:pPr>
-            <a:r>
-              <a:t/>
-            </a:r>
             <a:endParaRPr/>
           </a:p>
         </p:txBody>
@@ -4777,12 +4840,12 @@
             </a:ln>
           </p:spPr>
           <p:txBody>
-            <a:bodyPr anchorCtr="0" anchor="ctr" bIns="91425" lIns="91425" spcFirstLastPara="1" rIns="91425" wrap="square" tIns="91425">
+            <a:bodyPr spcFirstLastPara="1" wrap="square" lIns="91425" tIns="91425" rIns="91425" bIns="91425" anchor="ctr" anchorCtr="0">
               <a:noAutofit/>
             </a:bodyPr>
             <a:lstStyle/>
             <a:p>
-              <a:pPr indent="0" lvl="0" marL="0" rtl="0" algn="l">
+              <a:pPr marL="0" lvl="0" indent="0" algn="l" rtl="0">
                 <a:spcBef>
                   <a:spcPts val="0"/>
                 </a:spcBef>
@@ -4791,9 +4854,6 @@
                 </a:spcAft>
                 <a:buNone/>
               </a:pPr>
-              <a:r>
-                <a:t/>
-              </a:r>
               <a:endParaRPr/>
             </a:p>
           </p:txBody>
@@ -4820,12 +4880,12 @@
             </a:ln>
           </p:spPr>
           <p:txBody>
-            <a:bodyPr anchorCtr="0" anchor="ctr" bIns="91425" lIns="91425" spcFirstLastPara="1" rIns="91425" wrap="square" tIns="91425">
+            <a:bodyPr spcFirstLastPara="1" wrap="square" lIns="91425" tIns="91425" rIns="91425" bIns="91425" anchor="ctr" anchorCtr="0">
               <a:noAutofit/>
             </a:bodyPr>
             <a:lstStyle/>
             <a:p>
-              <a:pPr indent="0" lvl="0" marL="0" rtl="0" algn="l">
+              <a:pPr marL="0" lvl="0" indent="0" algn="l" rtl="0">
                 <a:spcBef>
                   <a:spcPts val="0"/>
                 </a:spcBef>
@@ -4834,9 +4894,6 @@
                 </a:spcAft>
                 <a:buNone/>
               </a:pPr>
-              <a:r>
-                <a:t/>
-              </a:r>
               <a:endParaRPr/>
             </a:p>
           </p:txBody>
@@ -4845,7 +4902,9 @@
       <p:sp>
         <p:nvSpPr>
           <p:cNvPr id="52" name="Google Shape;52;p7"/>
-          <p:cNvSpPr txBox="1"/>
+          <p:cNvSpPr txBox="1">
+            <a:spLocks noGrp="1"/>
+          </p:cNvSpPr>
           <p:nvPr>
             <p:ph type="title"/>
           </p:nvPr>
@@ -4860,7 +4919,7 @@
           </a:prstGeom>
         </p:spPr>
         <p:txBody>
-          <a:bodyPr anchorCtr="0" anchor="t" bIns="91425" lIns="91425" spcFirstLastPara="1" rIns="91425" wrap="square" tIns="91425">
+          <a:bodyPr spcFirstLastPara="1" wrap="square" lIns="91425" tIns="91425" rIns="91425" bIns="91425" anchor="t" anchorCtr="0">
             <a:normAutofit/>
           </a:bodyPr>
           <a:lstStyle>
@@ -4964,15 +5023,19 @@
               <a:defRPr sz="2600"/>
             </a:lvl9pPr>
           </a:lstStyle>
-          <a:p/>
+          <a:p>
+            <a:endParaRPr/>
+          </a:p>
         </p:txBody>
       </p:sp>
       <p:sp>
         <p:nvSpPr>
           <p:cNvPr id="53" name="Google Shape;53;p7"/>
-          <p:cNvSpPr txBox="1"/>
+          <p:cNvSpPr txBox="1">
+            <a:spLocks noGrp="1"/>
+          </p:cNvSpPr>
           <p:nvPr>
-            <p:ph idx="1" type="body"/>
+            <p:ph type="body" idx="1"/>
           </p:nvPr>
         </p:nvSpPr>
         <p:spPr>
@@ -4985,11 +5048,11 @@
           </a:prstGeom>
         </p:spPr>
         <p:txBody>
-          <a:bodyPr anchorCtr="0" anchor="t" bIns="91425" lIns="91425" spcFirstLastPara="1" rIns="91425" wrap="square" tIns="91425">
+          <a:bodyPr spcFirstLastPara="1" wrap="square" lIns="91425" tIns="91425" rIns="91425" bIns="91425" anchor="t" anchorCtr="0">
             <a:normAutofit/>
           </a:bodyPr>
           <a:lstStyle>
-            <a:lvl1pPr indent="-311150" lvl="0" marL="457200">
+            <a:lvl1pPr marL="457200" lvl="0" indent="-311150">
               <a:spcBef>
                 <a:spcPts val="0"/>
               </a:spcBef>
@@ -5000,7 +5063,7 @@
               <a:buChar char="●"/>
               <a:defRPr/>
             </a:lvl1pPr>
-            <a:lvl2pPr indent="-298450" lvl="1" marL="914400">
+            <a:lvl2pPr marL="914400" lvl="1" indent="-298450">
               <a:spcBef>
                 <a:spcPts val="0"/>
               </a:spcBef>
@@ -5011,7 +5074,7 @@
               <a:buChar char="○"/>
               <a:defRPr/>
             </a:lvl2pPr>
-            <a:lvl3pPr indent="-298450" lvl="2" marL="1371600">
+            <a:lvl3pPr marL="1371600" lvl="2" indent="-298450">
               <a:spcBef>
                 <a:spcPts val="0"/>
               </a:spcBef>
@@ -5022,7 +5085,7 @@
               <a:buChar char="■"/>
               <a:defRPr/>
             </a:lvl3pPr>
-            <a:lvl4pPr indent="-298450" lvl="3" marL="1828800">
+            <a:lvl4pPr marL="1828800" lvl="3" indent="-298450">
               <a:spcBef>
                 <a:spcPts val="0"/>
               </a:spcBef>
@@ -5033,7 +5096,7 @@
               <a:buChar char="●"/>
               <a:defRPr/>
             </a:lvl4pPr>
-            <a:lvl5pPr indent="-298450" lvl="4" marL="2286000">
+            <a:lvl5pPr marL="2286000" lvl="4" indent="-298450">
               <a:spcBef>
                 <a:spcPts val="0"/>
               </a:spcBef>
@@ -5044,7 +5107,7 @@
               <a:buChar char="○"/>
               <a:defRPr/>
             </a:lvl5pPr>
-            <a:lvl6pPr indent="-298450" lvl="5" marL="2743200">
+            <a:lvl6pPr marL="2743200" lvl="5" indent="-298450">
               <a:spcBef>
                 <a:spcPts val="0"/>
               </a:spcBef>
@@ -5055,7 +5118,7 @@
               <a:buChar char="■"/>
               <a:defRPr/>
             </a:lvl6pPr>
-            <a:lvl7pPr indent="-298450" lvl="6" marL="3200400">
+            <a:lvl7pPr marL="3200400" lvl="6" indent="-298450">
               <a:spcBef>
                 <a:spcPts val="0"/>
               </a:spcBef>
@@ -5066,7 +5129,7 @@
               <a:buChar char="●"/>
               <a:defRPr/>
             </a:lvl7pPr>
-            <a:lvl8pPr indent="-298450" lvl="7" marL="3657600">
+            <a:lvl8pPr marL="3657600" lvl="7" indent="-298450">
               <a:spcBef>
                 <a:spcPts val="0"/>
               </a:spcBef>
@@ -5077,7 +5140,7 @@
               <a:buChar char="○"/>
               <a:defRPr/>
             </a:lvl8pPr>
-            <a:lvl9pPr indent="-298450" lvl="8" marL="4114800">
+            <a:lvl9pPr marL="4114800" lvl="8" indent="-298450">
               <a:spcBef>
                 <a:spcPts val="0"/>
               </a:spcBef>
@@ -5089,15 +5152,19 @@
               <a:defRPr/>
             </a:lvl9pPr>
           </a:lstStyle>
-          <a:p/>
+          <a:p>
+            <a:endParaRPr/>
+          </a:p>
         </p:txBody>
       </p:sp>
       <p:sp>
         <p:nvSpPr>
           <p:cNvPr id="54" name="Google Shape;54;p7"/>
-          <p:cNvSpPr txBox="1"/>
+          <p:cNvSpPr txBox="1">
+            <a:spLocks noGrp="1"/>
+          </p:cNvSpPr>
           <p:nvPr>
-            <p:ph idx="12" type="sldNum"/>
+            <p:ph type="sldNum" idx="12"/>
           </p:nvPr>
         </p:nvSpPr>
         <p:spPr>
@@ -5110,7 +5177,7 @@
           </a:prstGeom>
         </p:spPr>
         <p:txBody>
-          <a:bodyPr anchorCtr="0" anchor="ctr" bIns="91425" lIns="91425" spcFirstLastPara="1" rIns="91425" wrap="square" tIns="91425">
+          <a:bodyPr spcFirstLastPara="1" wrap="square" lIns="91425" tIns="91425" rIns="91425" bIns="91425" anchor="ctr" anchorCtr="0">
             <a:normAutofit/>
           </a:bodyPr>
           <a:lstStyle>
@@ -5152,7 +5219,7 @@
             </a:lvl9pPr>
           </a:lstStyle>
           <a:p>
-            <a:pPr indent="0" lvl="0" marL="0" rtl="0" algn="r">
+            <a:pPr marL="0" lvl="0" indent="0" algn="r" rtl="0">
               <a:spcBef>
                 <a:spcPts val="0"/>
               </a:spcBef>
@@ -5178,18 +5245,19 @@
 </file>
 
 <file path=ppt/slideLayouts/slideLayout7.xml><?xml version="1.0" encoding="utf-8"?>
-<p:sldLayout xmlns:a="http://schemas.openxmlformats.org/drawingml/2006/main" xmlns:r="http://schemas.openxmlformats.org/officeDocument/2006/relationships" xmlns:mc="http://schemas.openxmlformats.org/markup-compatibility/2006" xmlns:mv="urn:schemas-microsoft-com:mac:vml" xmlns:p="http://schemas.openxmlformats.org/presentationml/2006/main" xmlns:c="http://schemas.openxmlformats.org/drawingml/2006/chart" xmlns:dgm="http://schemas.openxmlformats.org/drawingml/2006/diagram" xmlns:o="urn:schemas-microsoft-com:office:office" xmlns:v="urn:schemas-microsoft-com:vml" xmlns:pvml="urn:schemas-microsoft-com:office:powerpoint" xmlns:com="http://schemas.openxmlformats.org/drawingml/2006/compatibility" xmlns:p14="http://schemas.microsoft.com/office/powerpoint/2010/main" xmlns:p15="http://schemas.microsoft.com/office/powerpoint/2012/main" xmlns:ahyp="http://schemas.microsoft.com/office/drawing/2018/hyperlinkcolor" matchingName="Main point">
+<p:sldLayout xmlns:a="http://schemas.openxmlformats.org/drawingml/2006/main" xmlns:r="http://schemas.openxmlformats.org/officeDocument/2006/relationships" xmlns:p="http://schemas.openxmlformats.org/presentationml/2006/main" matchingName="Main point">
   <p:cSld name="MAIN_POINT">
     <p:bg>
       <p:bgPr>
         <a:solidFill>
           <a:schemeClr val="accent3"/>
         </a:solidFill>
+        <a:effectLst/>
       </p:bgPr>
     </p:bg>
     <p:spTree>
       <p:nvGrpSpPr>
-        <p:cNvPr id="55" name="Shape 55"/>
+        <p:cNvPr id="1" name="Shape 55"/>
         <p:cNvGrpSpPr/>
         <p:nvPr/>
       </p:nvGrpSpPr>
@@ -5237,12 +5305,12 @@
             </a:ln>
           </p:spPr>
           <p:txBody>
-            <a:bodyPr anchorCtr="0" anchor="ctr" bIns="91425" lIns="91425" spcFirstLastPara="1" rIns="91425" wrap="square" tIns="91425">
+            <a:bodyPr spcFirstLastPara="1" wrap="square" lIns="91425" tIns="91425" rIns="91425" bIns="91425" anchor="ctr" anchorCtr="0">
               <a:noAutofit/>
             </a:bodyPr>
             <a:lstStyle/>
             <a:p>
-              <a:pPr indent="0" lvl="0" marL="0" rtl="0" algn="l">
+              <a:pPr marL="0" lvl="0" indent="0" algn="l" rtl="0">
                 <a:spcBef>
                   <a:spcPts val="0"/>
                 </a:spcBef>
@@ -5251,9 +5319,6 @@
                 </a:spcAft>
                 <a:buNone/>
               </a:pPr>
-              <a:r>
-                <a:t/>
-              </a:r>
               <a:endParaRPr/>
             </a:p>
           </p:txBody>
@@ -5280,12 +5345,12 @@
             </a:ln>
           </p:spPr>
           <p:txBody>
-            <a:bodyPr anchorCtr="0" anchor="ctr" bIns="91425" lIns="91425" spcFirstLastPara="1" rIns="91425" wrap="square" tIns="91425">
+            <a:bodyPr spcFirstLastPara="1" wrap="square" lIns="91425" tIns="91425" rIns="91425" bIns="91425" anchor="ctr" anchorCtr="0">
               <a:noAutofit/>
             </a:bodyPr>
             <a:lstStyle/>
             <a:p>
-              <a:pPr indent="0" lvl="0" marL="0" rtl="0" algn="l">
+              <a:pPr marL="0" lvl="0" indent="0" algn="l" rtl="0">
                 <a:spcBef>
                   <a:spcPts val="0"/>
                 </a:spcBef>
@@ -5294,9 +5359,6 @@
                 </a:spcAft>
                 <a:buNone/>
               </a:pPr>
-              <a:r>
-                <a:t/>
-              </a:r>
               <a:endParaRPr/>
             </a:p>
           </p:txBody>
@@ -5305,7 +5367,9 @@
       <p:sp>
         <p:nvSpPr>
           <p:cNvPr id="59" name="Google Shape;59;p8"/>
-          <p:cNvSpPr txBox="1"/>
+          <p:cNvSpPr txBox="1">
+            <a:spLocks noGrp="1"/>
+          </p:cNvSpPr>
           <p:nvPr>
             <p:ph type="title"/>
           </p:nvPr>
@@ -5320,7 +5384,7 @@
           </a:prstGeom>
         </p:spPr>
         <p:txBody>
-          <a:bodyPr anchorCtr="0" anchor="ctr" bIns="91425" lIns="91425" spcFirstLastPara="1" rIns="91425" wrap="square" tIns="91425">
+          <a:bodyPr spcFirstLastPara="1" wrap="square" lIns="91425" tIns="91425" rIns="91425" bIns="91425" anchor="ctr" anchorCtr="0">
             <a:normAutofit/>
           </a:bodyPr>
           <a:lstStyle>
@@ -5487,15 +5551,19 @@
               </a:defRPr>
             </a:lvl9pPr>
           </a:lstStyle>
-          <a:p/>
+          <a:p>
+            <a:endParaRPr/>
+          </a:p>
         </p:txBody>
       </p:sp>
       <p:sp>
         <p:nvSpPr>
           <p:cNvPr id="60" name="Google Shape;60;p8"/>
-          <p:cNvSpPr txBox="1"/>
+          <p:cNvSpPr txBox="1">
+            <a:spLocks noGrp="1"/>
+          </p:cNvSpPr>
           <p:nvPr>
-            <p:ph idx="12" type="sldNum"/>
+            <p:ph type="sldNum" idx="12"/>
           </p:nvPr>
         </p:nvSpPr>
         <p:spPr>
@@ -5508,7 +5576,7 @@
           </a:prstGeom>
         </p:spPr>
         <p:txBody>
-          <a:bodyPr anchorCtr="0" anchor="ctr" bIns="91425" lIns="91425" spcFirstLastPara="1" rIns="91425" wrap="square" tIns="91425">
+          <a:bodyPr spcFirstLastPara="1" wrap="square" lIns="91425" tIns="91425" rIns="91425" bIns="91425" anchor="ctr" anchorCtr="0">
             <a:normAutofit/>
           </a:bodyPr>
           <a:lstStyle>
@@ -5586,7 +5654,7 @@
             </a:lvl9pPr>
           </a:lstStyle>
           <a:p>
-            <a:pPr indent="0" lvl="0" marL="0" rtl="0" algn="r">
+            <a:pPr marL="0" lvl="0" indent="0" algn="r" rtl="0">
               <a:spcBef>
                 <a:spcPts val="0"/>
               </a:spcBef>
@@ -5612,11 +5680,11 @@
 </file>
 
 <file path=ppt/slideLayouts/slideLayout8.xml><?xml version="1.0" encoding="utf-8"?>
-<p:sldLayout xmlns:a="http://schemas.openxmlformats.org/drawingml/2006/main" xmlns:r="http://schemas.openxmlformats.org/officeDocument/2006/relationships" xmlns:mc="http://schemas.openxmlformats.org/markup-compatibility/2006" xmlns:mv="urn:schemas-microsoft-com:mac:vml" xmlns:p="http://schemas.openxmlformats.org/presentationml/2006/main" xmlns:c="http://schemas.openxmlformats.org/drawingml/2006/chart" xmlns:dgm="http://schemas.openxmlformats.org/drawingml/2006/diagram" xmlns:o="urn:schemas-microsoft-com:office:office" xmlns:v="urn:schemas-microsoft-com:vml" xmlns:pvml="urn:schemas-microsoft-com:office:powerpoint" xmlns:com="http://schemas.openxmlformats.org/drawingml/2006/compatibility" xmlns:p14="http://schemas.microsoft.com/office/powerpoint/2010/main" xmlns:p15="http://schemas.microsoft.com/office/powerpoint/2012/main" xmlns:ahyp="http://schemas.microsoft.com/office/drawing/2018/hyperlinkcolor" matchingName="Section title and description">
+<p:sldLayout xmlns:a="http://schemas.openxmlformats.org/drawingml/2006/main" xmlns:r="http://schemas.openxmlformats.org/officeDocument/2006/relationships" xmlns:p="http://schemas.openxmlformats.org/presentationml/2006/main" matchingName="Section title and description">
   <p:cSld name="SECTION_TITLE_AND_DESCRIPTION">
     <p:spTree>
       <p:nvGrpSpPr>
-        <p:cNvPr id="61" name="Shape 61"/>
+        <p:cNvPr id="1" name="Shape 61"/>
         <p:cNvGrpSpPr/>
         <p:nvPr/>
       </p:nvGrpSpPr>
@@ -5650,12 +5718,12 @@
           </a:ln>
         </p:spPr>
         <p:txBody>
-          <a:bodyPr anchorCtr="0" anchor="ctr" bIns="91425" lIns="91425" spcFirstLastPara="1" rIns="91425" wrap="square" tIns="91425">
+          <a:bodyPr spcFirstLastPara="1" wrap="square" lIns="91425" tIns="91425" rIns="91425" bIns="91425" anchor="ctr" anchorCtr="0">
             <a:noAutofit/>
           </a:bodyPr>
           <a:lstStyle/>
           <a:p>
-            <a:pPr indent="0" lvl="0" marL="0" rtl="0" algn="l">
+            <a:pPr marL="0" lvl="0" indent="0" algn="l" rtl="0">
               <a:spcBef>
                 <a:spcPts val="0"/>
               </a:spcBef>
@@ -5664,9 +5732,6 @@
               </a:spcAft>
               <a:buNone/>
             </a:pPr>
-            <a:r>
-              <a:t/>
-            </a:r>
             <a:endParaRPr/>
           </a:p>
         </p:txBody>
@@ -5707,12 +5772,12 @@
             </a:ln>
           </p:spPr>
           <p:txBody>
-            <a:bodyPr anchorCtr="0" anchor="ctr" bIns="91425" lIns="91425" spcFirstLastPara="1" rIns="91425" wrap="square" tIns="91425">
+            <a:bodyPr spcFirstLastPara="1" wrap="square" lIns="91425" tIns="91425" rIns="91425" bIns="91425" anchor="ctr" anchorCtr="0">
               <a:noAutofit/>
             </a:bodyPr>
             <a:lstStyle/>
             <a:p>
-              <a:pPr indent="0" lvl="0" marL="0" rtl="0" algn="l">
+              <a:pPr marL="0" lvl="0" indent="0" algn="l" rtl="0">
                 <a:spcBef>
                   <a:spcPts val="0"/>
                 </a:spcBef>
@@ -5721,9 +5786,6 @@
                 </a:spcAft>
                 <a:buNone/>
               </a:pPr>
-              <a:r>
-                <a:t/>
-              </a:r>
               <a:endParaRPr/>
             </a:p>
           </p:txBody>
@@ -5750,12 +5812,12 @@
             </a:ln>
           </p:spPr>
           <p:txBody>
-            <a:bodyPr anchorCtr="0" anchor="ctr" bIns="91425" lIns="91425" spcFirstLastPara="1" rIns="91425" wrap="square" tIns="91425">
+            <a:bodyPr spcFirstLastPara="1" wrap="square" lIns="91425" tIns="91425" rIns="91425" bIns="91425" anchor="ctr" anchorCtr="0">
               <a:noAutofit/>
             </a:bodyPr>
             <a:lstStyle/>
             <a:p>
-              <a:pPr indent="0" lvl="0" marL="0" rtl="0" algn="l">
+              <a:pPr marL="0" lvl="0" indent="0" algn="l" rtl="0">
                 <a:spcBef>
                   <a:spcPts val="0"/>
                 </a:spcBef>
@@ -5764,9 +5826,6 @@
                 </a:spcAft>
                 <a:buNone/>
               </a:pPr>
-              <a:r>
-                <a:t/>
-              </a:r>
               <a:endParaRPr/>
             </a:p>
           </p:txBody>
@@ -5775,7 +5834,9 @@
       <p:sp>
         <p:nvSpPr>
           <p:cNvPr id="66" name="Google Shape;66;p9"/>
-          <p:cNvSpPr txBox="1"/>
+          <p:cNvSpPr txBox="1">
+            <a:spLocks noGrp="1"/>
+          </p:cNvSpPr>
           <p:nvPr>
             <p:ph type="title"/>
           </p:nvPr>
@@ -5790,7 +5851,7 @@
           </a:prstGeom>
         </p:spPr>
         <p:txBody>
-          <a:bodyPr anchorCtr="0" anchor="t" bIns="91425" lIns="91425" spcFirstLastPara="1" rIns="91425" wrap="square" tIns="91425">
+          <a:bodyPr spcFirstLastPara="1" wrap="square" lIns="91425" tIns="91425" rIns="91425" bIns="91425" anchor="t" anchorCtr="0">
             <a:normAutofit/>
           </a:bodyPr>
           <a:lstStyle>
@@ -5894,15 +5955,19 @@
               <a:defRPr sz="2600"/>
             </a:lvl9pPr>
           </a:lstStyle>
-          <a:p/>
+          <a:p>
+            <a:endParaRPr/>
+          </a:p>
         </p:txBody>
       </p:sp>
       <p:sp>
         <p:nvSpPr>
           <p:cNvPr id="67" name="Google Shape;67;p9"/>
-          <p:cNvSpPr txBox="1"/>
+          <p:cNvSpPr txBox="1">
+            <a:spLocks noGrp="1"/>
+          </p:cNvSpPr>
           <p:nvPr>
-            <p:ph idx="1" type="subTitle"/>
+            <p:ph type="subTitle" idx="1"/>
           </p:nvPr>
         </p:nvSpPr>
         <p:spPr>
@@ -5915,7 +5980,7 @@
           </a:prstGeom>
         </p:spPr>
         <p:txBody>
-          <a:bodyPr anchorCtr="0" anchor="t" bIns="91425" lIns="91425" spcFirstLastPara="1" rIns="91425" wrap="square" tIns="91425">
+          <a:bodyPr spcFirstLastPara="1" wrap="square" lIns="91425" tIns="91425" rIns="91425" bIns="91425" anchor="t" anchorCtr="0">
             <a:normAutofit/>
           </a:bodyPr>
           <a:lstStyle>
@@ -6046,15 +6111,19 @@
               <a:defRPr sz="1600"/>
             </a:lvl9pPr>
           </a:lstStyle>
-          <a:p/>
+          <a:p>
+            <a:endParaRPr/>
+          </a:p>
         </p:txBody>
       </p:sp>
       <p:sp>
         <p:nvSpPr>
           <p:cNvPr id="68" name="Google Shape;68;p9"/>
-          <p:cNvSpPr txBox="1"/>
+          <p:cNvSpPr txBox="1">
+            <a:spLocks noGrp="1"/>
+          </p:cNvSpPr>
           <p:nvPr>
-            <p:ph idx="2" type="body"/>
+            <p:ph type="body" idx="2"/>
           </p:nvPr>
         </p:nvSpPr>
         <p:spPr>
@@ -6067,11 +6136,11 @@
           </a:prstGeom>
         </p:spPr>
         <p:txBody>
-          <a:bodyPr anchorCtr="0" anchor="t" bIns="91425" lIns="91425" spcFirstLastPara="1" rIns="91425" wrap="square" tIns="91425">
+          <a:bodyPr spcFirstLastPara="1" wrap="square" lIns="91425" tIns="91425" rIns="91425" bIns="91425" anchor="t" anchorCtr="0">
             <a:normAutofit/>
           </a:bodyPr>
           <a:lstStyle>
-            <a:lvl1pPr indent="-311150" lvl="0" marL="457200">
+            <a:lvl1pPr marL="457200" lvl="0" indent="-311150">
               <a:spcBef>
                 <a:spcPts val="0"/>
               </a:spcBef>
@@ -6082,7 +6151,7 @@
               <a:buChar char="●"/>
               <a:defRPr/>
             </a:lvl1pPr>
-            <a:lvl2pPr indent="-298450" lvl="1" marL="914400">
+            <a:lvl2pPr marL="914400" lvl="1" indent="-298450">
               <a:spcBef>
                 <a:spcPts val="0"/>
               </a:spcBef>
@@ -6093,7 +6162,7 @@
               <a:buChar char="○"/>
               <a:defRPr/>
             </a:lvl2pPr>
-            <a:lvl3pPr indent="-298450" lvl="2" marL="1371600">
+            <a:lvl3pPr marL="1371600" lvl="2" indent="-298450">
               <a:spcBef>
                 <a:spcPts val="0"/>
               </a:spcBef>
@@ -6104,7 +6173,7 @@
               <a:buChar char="■"/>
               <a:defRPr/>
             </a:lvl3pPr>
-            <a:lvl4pPr indent="-298450" lvl="3" marL="1828800">
+            <a:lvl4pPr marL="1828800" lvl="3" indent="-298450">
               <a:spcBef>
                 <a:spcPts val="0"/>
               </a:spcBef>
@@ -6115,7 +6184,7 @@
               <a:buChar char="●"/>
               <a:defRPr/>
             </a:lvl4pPr>
-            <a:lvl5pPr indent="-298450" lvl="4" marL="2286000">
+            <a:lvl5pPr marL="2286000" lvl="4" indent="-298450">
               <a:spcBef>
                 <a:spcPts val="0"/>
               </a:spcBef>
@@ -6126,7 +6195,7 @@
               <a:buChar char="○"/>
               <a:defRPr/>
             </a:lvl5pPr>
-            <a:lvl6pPr indent="-298450" lvl="5" marL="2743200">
+            <a:lvl6pPr marL="2743200" lvl="5" indent="-298450">
               <a:spcBef>
                 <a:spcPts val="0"/>
               </a:spcBef>
@@ -6137,7 +6206,7 @@
               <a:buChar char="■"/>
               <a:defRPr/>
             </a:lvl6pPr>
-            <a:lvl7pPr indent="-298450" lvl="6" marL="3200400">
+            <a:lvl7pPr marL="3200400" lvl="6" indent="-298450">
               <a:spcBef>
                 <a:spcPts val="0"/>
               </a:spcBef>
@@ -6148,7 +6217,7 @@
               <a:buChar char="●"/>
               <a:defRPr/>
             </a:lvl7pPr>
-            <a:lvl8pPr indent="-298450" lvl="7" marL="3657600">
+            <a:lvl8pPr marL="3657600" lvl="7" indent="-298450">
               <a:spcBef>
                 <a:spcPts val="0"/>
               </a:spcBef>
@@ -6159,7 +6228,7 @@
               <a:buChar char="○"/>
               <a:defRPr/>
             </a:lvl8pPr>
-            <a:lvl9pPr indent="-298450" lvl="8" marL="4114800">
+            <a:lvl9pPr marL="4114800" lvl="8" indent="-298450">
               <a:spcBef>
                 <a:spcPts val="0"/>
               </a:spcBef>
@@ -6171,15 +6240,19 @@
               <a:defRPr/>
             </a:lvl9pPr>
           </a:lstStyle>
-          <a:p/>
+          <a:p>
+            <a:endParaRPr/>
+          </a:p>
         </p:txBody>
       </p:sp>
       <p:sp>
         <p:nvSpPr>
           <p:cNvPr id="69" name="Google Shape;69;p9"/>
-          <p:cNvSpPr txBox="1"/>
+          <p:cNvSpPr txBox="1">
+            <a:spLocks noGrp="1"/>
+          </p:cNvSpPr>
           <p:nvPr>
-            <p:ph idx="12" type="sldNum"/>
+            <p:ph type="sldNum" idx="12"/>
           </p:nvPr>
         </p:nvSpPr>
         <p:spPr>
@@ -6192,7 +6265,7 @@
           </a:prstGeom>
         </p:spPr>
         <p:txBody>
-          <a:bodyPr anchorCtr="0" anchor="ctr" bIns="91425" lIns="91425" spcFirstLastPara="1" rIns="91425" wrap="square" tIns="91425">
+          <a:bodyPr spcFirstLastPara="1" wrap="square" lIns="91425" tIns="91425" rIns="91425" bIns="91425" anchor="ctr" anchorCtr="0">
             <a:normAutofit/>
           </a:bodyPr>
           <a:lstStyle>
@@ -6234,7 +6307,7 @@
             </a:lvl9pPr>
           </a:lstStyle>
           <a:p>
-            <a:pPr indent="0" lvl="0" marL="0" rtl="0" algn="r">
+            <a:pPr marL="0" lvl="0" indent="0" algn="r" rtl="0">
               <a:spcBef>
                 <a:spcPts val="0"/>
               </a:spcBef>
@@ -6260,11 +6333,11 @@
 </file>
 
 <file path=ppt/slideLayouts/slideLayout9.xml><?xml version="1.0" encoding="utf-8"?>
-<p:sldLayout xmlns:a="http://schemas.openxmlformats.org/drawingml/2006/main" xmlns:r="http://schemas.openxmlformats.org/officeDocument/2006/relationships" xmlns:mc="http://schemas.openxmlformats.org/markup-compatibility/2006" xmlns:mv="urn:schemas-microsoft-com:mac:vml" xmlns:p="http://schemas.openxmlformats.org/presentationml/2006/main" xmlns:c="http://schemas.openxmlformats.org/drawingml/2006/chart" xmlns:dgm="http://schemas.openxmlformats.org/drawingml/2006/diagram" xmlns:o="urn:schemas-microsoft-com:office:office" xmlns:v="urn:schemas-microsoft-com:vml" xmlns:pvml="urn:schemas-microsoft-com:office:powerpoint" xmlns:com="http://schemas.openxmlformats.org/drawingml/2006/compatibility" xmlns:p14="http://schemas.microsoft.com/office/powerpoint/2010/main" xmlns:p15="http://schemas.microsoft.com/office/powerpoint/2012/main" xmlns:ahyp="http://schemas.microsoft.com/office/drawing/2018/hyperlinkcolor" matchingName="Caption">
+<p:sldLayout xmlns:a="http://schemas.openxmlformats.org/drawingml/2006/main" xmlns:r="http://schemas.openxmlformats.org/officeDocument/2006/relationships" xmlns:p="http://schemas.openxmlformats.org/presentationml/2006/main" matchingName="Caption">
   <p:cSld name="CAPTION_ONLY">
     <p:spTree>
       <p:nvGrpSpPr>
-        <p:cNvPr id="70" name="Shape 70"/>
+        <p:cNvPr id="1" name="Shape 70"/>
         <p:cNvGrpSpPr/>
         <p:nvPr/>
       </p:nvGrpSpPr>
@@ -6279,9 +6352,11 @@
       <p:sp>
         <p:nvSpPr>
           <p:cNvPr id="71" name="Google Shape;71;p10"/>
-          <p:cNvSpPr txBox="1"/>
+          <p:cNvSpPr txBox="1">
+            <a:spLocks noGrp="1"/>
+          </p:cNvSpPr>
           <p:nvPr>
-            <p:ph idx="1" type="body"/>
+            <p:ph type="body" idx="1"/>
           </p:nvPr>
         </p:nvSpPr>
         <p:spPr>
@@ -6294,11 +6369,11 @@
           </a:prstGeom>
         </p:spPr>
         <p:txBody>
-          <a:bodyPr anchorCtr="0" anchor="ctr" bIns="91425" lIns="91425" spcFirstLastPara="1" rIns="91425" wrap="square" tIns="91425">
+          <a:bodyPr spcFirstLastPara="1" wrap="square" lIns="91425" tIns="91425" rIns="91425" bIns="91425" anchor="ctr" anchorCtr="0">
             <a:normAutofit/>
           </a:bodyPr>
           <a:lstStyle>
-            <a:lvl1pPr indent="-228600" lvl="0" marL="457200">
+            <a:lvl1pPr marL="457200" lvl="0" indent="-228600">
               <a:lnSpc>
                 <a:spcPct val="100000"/>
               </a:lnSpc>
@@ -6313,15 +6388,19 @@
               <a:defRPr/>
             </a:lvl1pPr>
           </a:lstStyle>
-          <a:p/>
+          <a:p>
+            <a:endParaRPr/>
+          </a:p>
         </p:txBody>
       </p:sp>
       <p:sp>
         <p:nvSpPr>
           <p:cNvPr id="72" name="Google Shape;72;p10"/>
-          <p:cNvSpPr txBox="1"/>
+          <p:cNvSpPr txBox="1">
+            <a:spLocks noGrp="1"/>
+          </p:cNvSpPr>
           <p:nvPr>
-            <p:ph idx="12" type="sldNum"/>
+            <p:ph type="sldNum" idx="12"/>
           </p:nvPr>
         </p:nvSpPr>
         <p:spPr>
@@ -6334,7 +6413,7 @@
           </a:prstGeom>
         </p:spPr>
         <p:txBody>
-          <a:bodyPr anchorCtr="0" anchor="ctr" bIns="91425" lIns="91425" spcFirstLastPara="1" rIns="91425" wrap="square" tIns="91425">
+          <a:bodyPr spcFirstLastPara="1" wrap="square" lIns="91425" tIns="91425" rIns="91425" bIns="91425" anchor="ctr" anchorCtr="0">
             <a:normAutofit/>
           </a:bodyPr>
           <a:lstStyle>
@@ -6376,7 +6455,7 @@
             </a:lvl9pPr>
           </a:lstStyle>
           <a:p>
-            <a:pPr indent="0" lvl="0" marL="0" rtl="0" algn="r">
+            <a:pPr marL="0" lvl="0" indent="0" algn="r" rtl="0">
               <a:spcBef>
                 <a:spcPts val="0"/>
               </a:spcBef>
@@ -6402,18 +6481,19 @@
 </file>
 
 <file path=ppt/slideMasters/slideMaster1.xml><?xml version="1.0" encoding="utf-8"?>
-<p:sldMaster xmlns:a="http://schemas.openxmlformats.org/drawingml/2006/main" xmlns:r="http://schemas.openxmlformats.org/officeDocument/2006/relationships" xmlns:mc="http://schemas.openxmlformats.org/markup-compatibility/2006" xmlns:mv="urn:schemas-microsoft-com:mac:vml" xmlns:p="http://schemas.openxmlformats.org/presentationml/2006/main" xmlns:c="http://schemas.openxmlformats.org/drawingml/2006/chart" xmlns:dgm="http://schemas.openxmlformats.org/drawingml/2006/diagram" xmlns:o="urn:schemas-microsoft-com:office:office" xmlns:v="urn:schemas-microsoft-com:vml" xmlns:pvml="urn:schemas-microsoft-com:office:powerpoint" xmlns:com="http://schemas.openxmlformats.org/drawingml/2006/compatibility" xmlns:p14="http://schemas.microsoft.com/office/powerpoint/2010/main" xmlns:p15="http://schemas.microsoft.com/office/powerpoint/2012/main" xmlns:ahyp="http://schemas.microsoft.com/office/drawing/2018/hyperlinkcolor">
+<p:sldMaster xmlns:a="http://schemas.openxmlformats.org/drawingml/2006/main" xmlns:r="http://schemas.openxmlformats.org/officeDocument/2006/relationships" xmlns:p="http://schemas.openxmlformats.org/presentationml/2006/main">
   <p:cSld name="streamline">
     <p:bg>
       <p:bgPr>
         <a:solidFill>
           <a:schemeClr val="lt1"/>
         </a:solidFill>
+        <a:effectLst/>
       </p:bgPr>
     </p:bg>
     <p:spTree>
       <p:nvGrpSpPr>
-        <p:cNvPr id="5" name="Shape 5"/>
+        <p:cNvPr id="1" name="Shape 5"/>
         <p:cNvGrpSpPr/>
         <p:nvPr/>
       </p:nvGrpSpPr>
@@ -6428,7 +6508,9 @@
       <p:sp>
         <p:nvSpPr>
           <p:cNvPr id="6" name="Google Shape;6;p1"/>
-          <p:cNvSpPr txBox="1"/>
+          <p:cNvSpPr txBox="1">
+            <a:spLocks noGrp="1"/>
+          </p:cNvSpPr>
           <p:nvPr>
             <p:ph type="title"/>
           </p:nvPr>
@@ -6447,7 +6529,7 @@
           </a:ln>
         </p:spPr>
         <p:txBody>
-          <a:bodyPr anchorCtr="0" anchor="t" bIns="91425" lIns="91425" spcFirstLastPara="1" rIns="91425" wrap="square" tIns="91425">
+          <a:bodyPr spcFirstLastPara="1" wrap="square" lIns="91425" tIns="91425" rIns="91425" bIns="91425" anchor="t" anchorCtr="0">
             <a:normAutofit/>
           </a:bodyPr>
           <a:lstStyle>
@@ -6464,7 +6546,7 @@
               <a:buSzPts val="2800"/>
               <a:buFont typeface="Raleway"/>
               <a:buNone/>
-              <a:defRPr b="1" sz="2800">
+              <a:defRPr sz="2800" b="1">
                 <a:solidFill>
                   <a:schemeClr val="dk2"/>
                 </a:solidFill>
@@ -6487,7 +6569,7 @@
               <a:buSzPts val="2800"/>
               <a:buFont typeface="Raleway"/>
               <a:buNone/>
-              <a:defRPr b="1" sz="2800">
+              <a:defRPr sz="2800" b="1">
                 <a:solidFill>
                   <a:schemeClr val="dk2"/>
                 </a:solidFill>
@@ -6510,7 +6592,7 @@
               <a:buSzPts val="2800"/>
               <a:buFont typeface="Raleway"/>
               <a:buNone/>
-              <a:defRPr b="1" sz="2800">
+              <a:defRPr sz="2800" b="1">
                 <a:solidFill>
                   <a:schemeClr val="dk2"/>
                 </a:solidFill>
@@ -6533,7 +6615,7 @@
               <a:buSzPts val="2800"/>
               <a:buFont typeface="Raleway"/>
               <a:buNone/>
-              <a:defRPr b="1" sz="2800">
+              <a:defRPr sz="2800" b="1">
                 <a:solidFill>
                   <a:schemeClr val="dk2"/>
                 </a:solidFill>
@@ -6556,7 +6638,7 @@
               <a:buSzPts val="2800"/>
               <a:buFont typeface="Raleway"/>
               <a:buNone/>
-              <a:defRPr b="1" sz="2800">
+              <a:defRPr sz="2800" b="1">
                 <a:solidFill>
                   <a:schemeClr val="dk2"/>
                 </a:solidFill>
@@ -6579,7 +6661,7 @@
               <a:buSzPts val="2800"/>
               <a:buFont typeface="Raleway"/>
               <a:buNone/>
-              <a:defRPr b="1" sz="2800">
+              <a:defRPr sz="2800" b="1">
                 <a:solidFill>
                   <a:schemeClr val="dk2"/>
                 </a:solidFill>
@@ -6602,7 +6684,7 @@
               <a:buSzPts val="2800"/>
               <a:buFont typeface="Raleway"/>
               <a:buNone/>
-              <a:defRPr b="1" sz="2800">
+              <a:defRPr sz="2800" b="1">
                 <a:solidFill>
                   <a:schemeClr val="dk2"/>
                 </a:solidFill>
@@ -6625,7 +6707,7 @@
               <a:buSzPts val="2800"/>
               <a:buFont typeface="Raleway"/>
               <a:buNone/>
-              <a:defRPr b="1" sz="2800">
+              <a:defRPr sz="2800" b="1">
                 <a:solidFill>
                   <a:schemeClr val="dk2"/>
                 </a:solidFill>
@@ -6648,7 +6730,7 @@
               <a:buSzPts val="2800"/>
               <a:buFont typeface="Raleway"/>
               <a:buNone/>
-              <a:defRPr b="1" sz="2800">
+              <a:defRPr sz="2800" b="1">
                 <a:solidFill>
                   <a:schemeClr val="dk2"/>
                 </a:solidFill>
@@ -6659,15 +6741,19 @@
               </a:defRPr>
             </a:lvl9pPr>
           </a:lstStyle>
-          <a:p/>
+          <a:p>
+            <a:endParaRPr/>
+          </a:p>
         </p:txBody>
       </p:sp>
       <p:sp>
         <p:nvSpPr>
           <p:cNvPr id="7" name="Google Shape;7;p1"/>
-          <p:cNvSpPr txBox="1"/>
+          <p:cNvSpPr txBox="1">
+            <a:spLocks noGrp="1"/>
+          </p:cNvSpPr>
           <p:nvPr>
-            <p:ph idx="1" type="body"/>
+            <p:ph type="body" idx="1"/>
           </p:nvPr>
         </p:nvSpPr>
         <p:spPr>
@@ -6684,11 +6770,11 @@
           </a:ln>
         </p:spPr>
         <p:txBody>
-          <a:bodyPr anchorCtr="0" anchor="t" bIns="91425" lIns="91425" spcFirstLastPara="1" rIns="91425" wrap="square" tIns="91425">
+          <a:bodyPr spcFirstLastPara="1" wrap="square" lIns="91425" tIns="91425" rIns="91425" bIns="91425" anchor="t" anchorCtr="0">
             <a:normAutofit/>
           </a:bodyPr>
           <a:lstStyle>
-            <a:lvl1pPr indent="-311150" lvl="0" marL="457200">
+            <a:lvl1pPr marL="457200" lvl="0" indent="-311150">
               <a:lnSpc>
                 <a:spcPct val="115000"/>
               </a:lnSpc>
@@ -6714,7 +6800,7 @@
                 <a:sym typeface="Lato"/>
               </a:defRPr>
             </a:lvl1pPr>
-            <a:lvl2pPr indent="-298450" lvl="1" marL="914400">
+            <a:lvl2pPr marL="914400" lvl="1" indent="-298450">
               <a:lnSpc>
                 <a:spcPct val="115000"/>
               </a:lnSpc>
@@ -6740,7 +6826,7 @@
                 <a:sym typeface="Lato"/>
               </a:defRPr>
             </a:lvl2pPr>
-            <a:lvl3pPr indent="-298450" lvl="2" marL="1371600">
+            <a:lvl3pPr marL="1371600" lvl="2" indent="-298450">
               <a:lnSpc>
                 <a:spcPct val="115000"/>
               </a:lnSpc>
@@ -6766,7 +6852,7 @@
                 <a:sym typeface="Lato"/>
               </a:defRPr>
             </a:lvl3pPr>
-            <a:lvl4pPr indent="-298450" lvl="3" marL="1828800">
+            <a:lvl4pPr marL="1828800" lvl="3" indent="-298450">
               <a:lnSpc>
                 <a:spcPct val="115000"/>
               </a:lnSpc>
@@ -6792,7 +6878,7 @@
                 <a:sym typeface="Lato"/>
               </a:defRPr>
             </a:lvl4pPr>
-            <a:lvl5pPr indent="-298450" lvl="4" marL="2286000">
+            <a:lvl5pPr marL="2286000" lvl="4" indent="-298450">
               <a:lnSpc>
                 <a:spcPct val="115000"/>
               </a:lnSpc>
@@ -6818,7 +6904,7 @@
                 <a:sym typeface="Lato"/>
               </a:defRPr>
             </a:lvl5pPr>
-            <a:lvl6pPr indent="-298450" lvl="5" marL="2743200">
+            <a:lvl6pPr marL="2743200" lvl="5" indent="-298450">
               <a:lnSpc>
                 <a:spcPct val="115000"/>
               </a:lnSpc>
@@ -6844,7 +6930,7 @@
                 <a:sym typeface="Lato"/>
               </a:defRPr>
             </a:lvl6pPr>
-            <a:lvl7pPr indent="-298450" lvl="6" marL="3200400">
+            <a:lvl7pPr marL="3200400" lvl="6" indent="-298450">
               <a:lnSpc>
                 <a:spcPct val="115000"/>
               </a:lnSpc>
@@ -6870,7 +6956,7 @@
                 <a:sym typeface="Lato"/>
               </a:defRPr>
             </a:lvl7pPr>
-            <a:lvl8pPr indent="-298450" lvl="7" marL="3657600">
+            <a:lvl8pPr marL="3657600" lvl="7" indent="-298450">
               <a:lnSpc>
                 <a:spcPct val="115000"/>
               </a:lnSpc>
@@ -6896,7 +6982,7 @@
                 <a:sym typeface="Lato"/>
               </a:defRPr>
             </a:lvl8pPr>
-            <a:lvl9pPr indent="-298450" lvl="8" marL="4114800">
+            <a:lvl9pPr marL="4114800" lvl="8" indent="-298450">
               <a:lnSpc>
                 <a:spcPct val="115000"/>
               </a:lnSpc>
@@ -6923,15 +7009,19 @@
               </a:defRPr>
             </a:lvl9pPr>
           </a:lstStyle>
-          <a:p/>
+          <a:p>
+            <a:endParaRPr/>
+          </a:p>
         </p:txBody>
       </p:sp>
       <p:sp>
         <p:nvSpPr>
           <p:cNvPr id="8" name="Google Shape;8;p1"/>
-          <p:cNvSpPr txBox="1"/>
+          <p:cNvSpPr txBox="1">
+            <a:spLocks noGrp="1"/>
+          </p:cNvSpPr>
           <p:nvPr>
-            <p:ph idx="12" type="sldNum"/>
+            <p:ph type="sldNum" idx="12"/>
           </p:nvPr>
         </p:nvSpPr>
         <p:spPr>
@@ -6948,7 +7038,7 @@
           </a:ln>
         </p:spPr>
         <p:txBody>
-          <a:bodyPr anchorCtr="0" anchor="ctr" bIns="91425" lIns="91425" spcFirstLastPara="1" rIns="91425" wrap="square" tIns="91425">
+          <a:bodyPr spcFirstLastPara="1" wrap="square" lIns="91425" tIns="91425" rIns="91425" bIns="91425" anchor="ctr" anchorCtr="0">
             <a:normAutofit/>
           </a:bodyPr>
           <a:lstStyle>
@@ -7062,7 +7152,7 @@
             </a:lvl9pPr>
           </a:lstStyle>
           <a:p>
-            <a:pPr indent="0" lvl="0" marL="0" rtl="0" algn="r">
+            <a:pPr marL="0" lvl="0" indent="0" algn="r" rtl="0">
               <a:spcBef>
                 <a:spcPts val="0"/>
               </a:spcBef>
@@ -7081,7 +7171,7 @@
       </p:sp>
     </p:spTree>
   </p:cSld>
-  <p:clrMap accent1="accent1" accent2="accent2" accent3="accent3" accent4="accent4" accent5="accent5" accent6="accent6" bg1="lt1" bg2="dk2" tx1="dk1" tx2="lt2" folHlink="folHlink" hlink="hlink"/>
+  <p:clrMap bg1="lt1" tx1="dk1" bg2="dk2" tx2="lt2" accent1="accent1" accent2="accent2" accent3="accent3" accent4="accent4" accent5="accent5" accent6="accent6" hlink="hlink" folHlink="folHlink"/>
   <p:sldLayoutIdLst>
     <p:sldLayoutId id="2147483648" r:id="rId1"/>
     <p:sldLayoutId id="2147483649" r:id="rId2"/>
@@ -7095,10 +7185,10 @@
     <p:sldLayoutId id="2147483657" r:id="rId10"/>
     <p:sldLayoutId id="2147483658" r:id="rId11"/>
   </p:sldLayoutIdLst>
-  <p:hf dt="0" ftr="0" hdr="0"/>
+  <p:hf hdr="0" ftr="0" dt="0"/>
   <p:txStyles>
     <p:titleStyle>
-      <a:defPPr lvl="0" marR="0" rtl="0" algn="l">
+      <a:defPPr marR="0" lvl="0" algn="l" rtl="0">
         <a:lnSpc>
           <a:spcPct val="100000"/>
         </a:lnSpc>
@@ -7109,7 +7199,7 @@
           <a:spcPts val="0"/>
         </a:spcAft>
       </a:defPPr>
-      <a:lvl1pPr lvl="0" marR="0" rtl="0" algn="l">
+      <a:lvl1pPr marR="0" lvl="0" algn="l" rtl="0">
         <a:lnSpc>
           <a:spcPct val="100000"/>
         </a:lnSpc>
@@ -7123,7 +7213,7 @@
           <a:srgbClr val="000000"/>
         </a:buClr>
         <a:buFont typeface="Arial"/>
-        <a:defRPr b="0" i="0" sz="1400" u="none" cap="none" strike="noStrike">
+        <a:defRPr sz="1400" b="0" i="0" u="none" strike="noStrike" cap="none">
           <a:solidFill>
             <a:srgbClr val="000000"/>
           </a:solidFill>
@@ -7133,7 +7223,7 @@
           <a:sym typeface="Arial"/>
         </a:defRPr>
       </a:lvl1pPr>
-      <a:lvl2pPr lvl="1" marR="0" rtl="0" algn="l">
+      <a:lvl2pPr marR="0" lvl="1" algn="l" rtl="0">
         <a:lnSpc>
           <a:spcPct val="100000"/>
         </a:lnSpc>
@@ -7147,7 +7237,7 @@
           <a:srgbClr val="000000"/>
         </a:buClr>
         <a:buFont typeface="Arial"/>
-        <a:defRPr b="0" i="0" sz="1400" u="none" cap="none" strike="noStrike">
+        <a:defRPr sz="1400" b="0" i="0" u="none" strike="noStrike" cap="none">
           <a:solidFill>
             <a:srgbClr val="000000"/>
           </a:solidFill>
@@ -7157,7 +7247,7 @@
           <a:sym typeface="Arial"/>
         </a:defRPr>
       </a:lvl2pPr>
-      <a:lvl3pPr lvl="2" marR="0" rtl="0" algn="l">
+      <a:lvl3pPr marR="0" lvl="2" algn="l" rtl="0">
         <a:lnSpc>
           <a:spcPct val="100000"/>
         </a:lnSpc>
@@ -7171,7 +7261,7 @@
           <a:srgbClr val="000000"/>
         </a:buClr>
         <a:buFont typeface="Arial"/>
-        <a:defRPr b="0" i="0" sz="1400" u="none" cap="none" strike="noStrike">
+        <a:defRPr sz="1400" b="0" i="0" u="none" strike="noStrike" cap="none">
           <a:solidFill>
             <a:srgbClr val="000000"/>
           </a:solidFill>
@@ -7181,7 +7271,7 @@
           <a:sym typeface="Arial"/>
         </a:defRPr>
       </a:lvl3pPr>
-      <a:lvl4pPr lvl="3" marR="0" rtl="0" algn="l">
+      <a:lvl4pPr marR="0" lvl="3" algn="l" rtl="0">
         <a:lnSpc>
           <a:spcPct val="100000"/>
         </a:lnSpc>
@@ -7195,7 +7285,7 @@
           <a:srgbClr val="000000"/>
         </a:buClr>
         <a:buFont typeface="Arial"/>
-        <a:defRPr b="0" i="0" sz="1400" u="none" cap="none" strike="noStrike">
+        <a:defRPr sz="1400" b="0" i="0" u="none" strike="noStrike" cap="none">
           <a:solidFill>
             <a:srgbClr val="000000"/>
           </a:solidFill>
@@ -7205,7 +7295,7 @@
           <a:sym typeface="Arial"/>
         </a:defRPr>
       </a:lvl4pPr>
-      <a:lvl5pPr lvl="4" marR="0" rtl="0" algn="l">
+      <a:lvl5pPr marR="0" lvl="4" algn="l" rtl="0">
         <a:lnSpc>
           <a:spcPct val="100000"/>
         </a:lnSpc>
@@ -7219,7 +7309,7 @@
           <a:srgbClr val="000000"/>
         </a:buClr>
         <a:buFont typeface="Arial"/>
-        <a:defRPr b="0" i="0" sz="1400" u="none" cap="none" strike="noStrike">
+        <a:defRPr sz="1400" b="0" i="0" u="none" strike="noStrike" cap="none">
           <a:solidFill>
             <a:srgbClr val="000000"/>
           </a:solidFill>
@@ -7229,7 +7319,7 @@
           <a:sym typeface="Arial"/>
         </a:defRPr>
       </a:lvl5pPr>
-      <a:lvl6pPr lvl="5" marR="0" rtl="0" algn="l">
+      <a:lvl6pPr marR="0" lvl="5" algn="l" rtl="0">
         <a:lnSpc>
           <a:spcPct val="100000"/>
         </a:lnSpc>
@@ -7243,7 +7333,7 @@
           <a:srgbClr val="000000"/>
         </a:buClr>
         <a:buFont typeface="Arial"/>
-        <a:defRPr b="0" i="0" sz="1400" u="none" cap="none" strike="noStrike">
+        <a:defRPr sz="1400" b="0" i="0" u="none" strike="noStrike" cap="none">
           <a:solidFill>
             <a:srgbClr val="000000"/>
           </a:solidFill>
@@ -7253,7 +7343,7 @@
           <a:sym typeface="Arial"/>
         </a:defRPr>
       </a:lvl6pPr>
-      <a:lvl7pPr lvl="6" marR="0" rtl="0" algn="l">
+      <a:lvl7pPr marR="0" lvl="6" algn="l" rtl="0">
         <a:lnSpc>
           <a:spcPct val="100000"/>
         </a:lnSpc>
@@ -7267,7 +7357,7 @@
           <a:srgbClr val="000000"/>
         </a:buClr>
         <a:buFont typeface="Arial"/>
-        <a:defRPr b="0" i="0" sz="1400" u="none" cap="none" strike="noStrike">
+        <a:defRPr sz="1400" b="0" i="0" u="none" strike="noStrike" cap="none">
           <a:solidFill>
             <a:srgbClr val="000000"/>
           </a:solidFill>
@@ -7277,7 +7367,7 @@
           <a:sym typeface="Arial"/>
         </a:defRPr>
       </a:lvl7pPr>
-      <a:lvl8pPr lvl="7" marR="0" rtl="0" algn="l">
+      <a:lvl8pPr marR="0" lvl="7" algn="l" rtl="0">
         <a:lnSpc>
           <a:spcPct val="100000"/>
         </a:lnSpc>
@@ -7291,7 +7381,7 @@
           <a:srgbClr val="000000"/>
         </a:buClr>
         <a:buFont typeface="Arial"/>
-        <a:defRPr b="0" i="0" sz="1400" u="none" cap="none" strike="noStrike">
+        <a:defRPr sz="1400" b="0" i="0" u="none" strike="noStrike" cap="none">
           <a:solidFill>
             <a:srgbClr val="000000"/>
           </a:solidFill>
@@ -7301,7 +7391,7 @@
           <a:sym typeface="Arial"/>
         </a:defRPr>
       </a:lvl8pPr>
-      <a:lvl9pPr lvl="8" marR="0" rtl="0" algn="l">
+      <a:lvl9pPr marR="0" lvl="8" algn="l" rtl="0">
         <a:lnSpc>
           <a:spcPct val="100000"/>
         </a:lnSpc>
@@ -7315,7 +7405,7 @@
           <a:srgbClr val="000000"/>
         </a:buClr>
         <a:buFont typeface="Arial"/>
-        <a:defRPr b="0" i="0" sz="1400" u="none" cap="none" strike="noStrike">
+        <a:defRPr sz="1400" b="0" i="0" u="none" strike="noStrike" cap="none">
           <a:solidFill>
             <a:srgbClr val="000000"/>
           </a:solidFill>
@@ -7327,7 +7417,7 @@
       </a:lvl9pPr>
     </p:titleStyle>
     <p:bodyStyle>
-      <a:defPPr lvl="0" marR="0" rtl="0" algn="l">
+      <a:defPPr marR="0" lvl="0" algn="l" rtl="0">
         <a:lnSpc>
           <a:spcPct val="100000"/>
         </a:lnSpc>
@@ -7338,7 +7428,7 @@
           <a:spcPts val="0"/>
         </a:spcAft>
       </a:defPPr>
-      <a:lvl1pPr lvl="0" marR="0" rtl="0" algn="l">
+      <a:lvl1pPr marR="0" lvl="0" algn="l" rtl="0">
         <a:lnSpc>
           <a:spcPct val="100000"/>
         </a:lnSpc>
@@ -7352,7 +7442,7 @@
           <a:srgbClr val="000000"/>
         </a:buClr>
         <a:buFont typeface="Arial"/>
-        <a:defRPr b="0" i="0" sz="1400" u="none" cap="none" strike="noStrike">
+        <a:defRPr sz="1400" b="0" i="0" u="none" strike="noStrike" cap="none">
           <a:solidFill>
             <a:srgbClr val="000000"/>
           </a:solidFill>
@@ -7362,7 +7452,7 @@
           <a:sym typeface="Arial"/>
         </a:defRPr>
       </a:lvl1pPr>
-      <a:lvl2pPr lvl="1" marR="0" rtl="0" algn="l">
+      <a:lvl2pPr marR="0" lvl="1" algn="l" rtl="0">
         <a:lnSpc>
           <a:spcPct val="100000"/>
         </a:lnSpc>
@@ -7376,7 +7466,7 @@
           <a:srgbClr val="000000"/>
         </a:buClr>
         <a:buFont typeface="Arial"/>
-        <a:defRPr b="0" i="0" sz="1400" u="none" cap="none" strike="noStrike">
+        <a:defRPr sz="1400" b="0" i="0" u="none" strike="noStrike" cap="none">
           <a:solidFill>
             <a:srgbClr val="000000"/>
           </a:solidFill>
@@ -7386,7 +7476,7 @@
           <a:sym typeface="Arial"/>
         </a:defRPr>
       </a:lvl2pPr>
-      <a:lvl3pPr lvl="2" marR="0" rtl="0" algn="l">
+      <a:lvl3pPr marR="0" lvl="2" algn="l" rtl="0">
         <a:lnSpc>
           <a:spcPct val="100000"/>
         </a:lnSpc>
@@ -7400,7 +7490,7 @@
           <a:srgbClr val="000000"/>
         </a:buClr>
         <a:buFont typeface="Arial"/>
-        <a:defRPr b="0" i="0" sz="1400" u="none" cap="none" strike="noStrike">
+        <a:defRPr sz="1400" b="0" i="0" u="none" strike="noStrike" cap="none">
           <a:solidFill>
             <a:srgbClr val="000000"/>
           </a:solidFill>
@@ -7410,7 +7500,7 @@
           <a:sym typeface="Arial"/>
         </a:defRPr>
       </a:lvl3pPr>
-      <a:lvl4pPr lvl="3" marR="0" rtl="0" algn="l">
+      <a:lvl4pPr marR="0" lvl="3" algn="l" rtl="0">
         <a:lnSpc>
           <a:spcPct val="100000"/>
         </a:lnSpc>
@@ -7424,7 +7514,7 @@
           <a:srgbClr val="000000"/>
         </a:buClr>
         <a:buFont typeface="Arial"/>
-        <a:defRPr b="0" i="0" sz="1400" u="none" cap="none" strike="noStrike">
+        <a:defRPr sz="1400" b="0" i="0" u="none" strike="noStrike" cap="none">
           <a:solidFill>
             <a:srgbClr val="000000"/>
           </a:solidFill>
@@ -7434,7 +7524,7 @@
           <a:sym typeface="Arial"/>
         </a:defRPr>
       </a:lvl4pPr>
-      <a:lvl5pPr lvl="4" marR="0" rtl="0" algn="l">
+      <a:lvl5pPr marR="0" lvl="4" algn="l" rtl="0">
         <a:lnSpc>
           <a:spcPct val="100000"/>
         </a:lnSpc>
@@ -7448,7 +7538,7 @@
           <a:srgbClr val="000000"/>
         </a:buClr>
         <a:buFont typeface="Arial"/>
-        <a:defRPr b="0" i="0" sz="1400" u="none" cap="none" strike="noStrike">
+        <a:defRPr sz="1400" b="0" i="0" u="none" strike="noStrike" cap="none">
           <a:solidFill>
             <a:srgbClr val="000000"/>
           </a:solidFill>
@@ -7458,7 +7548,7 @@
           <a:sym typeface="Arial"/>
         </a:defRPr>
       </a:lvl5pPr>
-      <a:lvl6pPr lvl="5" marR="0" rtl="0" algn="l">
+      <a:lvl6pPr marR="0" lvl="5" algn="l" rtl="0">
         <a:lnSpc>
           <a:spcPct val="100000"/>
         </a:lnSpc>
@@ -7472,7 +7562,7 @@
           <a:srgbClr val="000000"/>
         </a:buClr>
         <a:buFont typeface="Arial"/>
-        <a:defRPr b="0" i="0" sz="1400" u="none" cap="none" strike="noStrike">
+        <a:defRPr sz="1400" b="0" i="0" u="none" strike="noStrike" cap="none">
           <a:solidFill>
             <a:srgbClr val="000000"/>
           </a:solidFill>
@@ -7482,7 +7572,7 @@
           <a:sym typeface="Arial"/>
         </a:defRPr>
       </a:lvl6pPr>
-      <a:lvl7pPr lvl="6" marR="0" rtl="0" algn="l">
+      <a:lvl7pPr marR="0" lvl="6" algn="l" rtl="0">
         <a:lnSpc>
           <a:spcPct val="100000"/>
         </a:lnSpc>
@@ -7496,7 +7586,7 @@
           <a:srgbClr val="000000"/>
         </a:buClr>
         <a:buFont typeface="Arial"/>
-        <a:defRPr b="0" i="0" sz="1400" u="none" cap="none" strike="noStrike">
+        <a:defRPr sz="1400" b="0" i="0" u="none" strike="noStrike" cap="none">
           <a:solidFill>
             <a:srgbClr val="000000"/>
           </a:solidFill>
@@ -7506,7 +7596,7 @@
           <a:sym typeface="Arial"/>
         </a:defRPr>
       </a:lvl7pPr>
-      <a:lvl8pPr lvl="7" marR="0" rtl="0" algn="l">
+      <a:lvl8pPr marR="0" lvl="7" algn="l" rtl="0">
         <a:lnSpc>
           <a:spcPct val="100000"/>
         </a:lnSpc>
@@ -7520,7 +7610,7 @@
           <a:srgbClr val="000000"/>
         </a:buClr>
         <a:buFont typeface="Arial"/>
-        <a:defRPr b="0" i="0" sz="1400" u="none" cap="none" strike="noStrike">
+        <a:defRPr sz="1400" b="0" i="0" u="none" strike="noStrike" cap="none">
           <a:solidFill>
             <a:srgbClr val="000000"/>
           </a:solidFill>
@@ -7530,7 +7620,7 @@
           <a:sym typeface="Arial"/>
         </a:defRPr>
       </a:lvl8pPr>
-      <a:lvl9pPr lvl="8" marR="0" rtl="0" algn="l">
+      <a:lvl9pPr marR="0" lvl="8" algn="l" rtl="0">
         <a:lnSpc>
           <a:spcPct val="100000"/>
         </a:lnSpc>
@@ -7544,7 +7634,7 @@
           <a:srgbClr val="000000"/>
         </a:buClr>
         <a:buFont typeface="Arial"/>
-        <a:defRPr b="0" i="0" sz="1400" u="none" cap="none" strike="noStrike">
+        <a:defRPr sz="1400" b="0" i="0" u="none" strike="noStrike" cap="none">
           <a:solidFill>
             <a:srgbClr val="000000"/>
           </a:solidFill>
@@ -7556,7 +7646,7 @@
       </a:lvl9pPr>
     </p:bodyStyle>
     <p:otherStyle>
-      <a:defPPr lvl="0" marR="0" rtl="0" algn="l">
+      <a:defPPr marR="0" lvl="0" algn="l" rtl="0">
         <a:lnSpc>
           <a:spcPct val="100000"/>
         </a:lnSpc>
@@ -7567,7 +7657,7 @@
           <a:spcPts val="0"/>
         </a:spcAft>
       </a:defPPr>
-      <a:lvl1pPr lvl="0" marR="0" rtl="0" algn="l">
+      <a:lvl1pPr marR="0" lvl="0" algn="l" rtl="0">
         <a:lnSpc>
           <a:spcPct val="100000"/>
         </a:lnSpc>
@@ -7581,7 +7671,7 @@
           <a:srgbClr val="000000"/>
         </a:buClr>
         <a:buFont typeface="Arial"/>
-        <a:defRPr b="0" i="0" sz="1400" u="none" cap="none" strike="noStrike">
+        <a:defRPr sz="1400" b="0" i="0" u="none" strike="noStrike" cap="none">
           <a:solidFill>
             <a:srgbClr val="000000"/>
           </a:solidFill>
@@ -7591,7 +7681,7 @@
           <a:sym typeface="Arial"/>
         </a:defRPr>
       </a:lvl1pPr>
-      <a:lvl2pPr lvl="1" marR="0" rtl="0" algn="l">
+      <a:lvl2pPr marR="0" lvl="1" algn="l" rtl="0">
         <a:lnSpc>
           <a:spcPct val="100000"/>
         </a:lnSpc>
@@ -7605,7 +7695,7 @@
           <a:srgbClr val="000000"/>
         </a:buClr>
         <a:buFont typeface="Arial"/>
-        <a:defRPr b="0" i="0" sz="1400" u="none" cap="none" strike="noStrike">
+        <a:defRPr sz="1400" b="0" i="0" u="none" strike="noStrike" cap="none">
           <a:solidFill>
             <a:srgbClr val="000000"/>
           </a:solidFill>
@@ -7615,7 +7705,7 @@
           <a:sym typeface="Arial"/>
         </a:defRPr>
       </a:lvl2pPr>
-      <a:lvl3pPr lvl="2" marR="0" rtl="0" algn="l">
+      <a:lvl3pPr marR="0" lvl="2" algn="l" rtl="0">
         <a:lnSpc>
           <a:spcPct val="100000"/>
         </a:lnSpc>
@@ -7629,7 +7719,7 @@
           <a:srgbClr val="000000"/>
         </a:buClr>
         <a:buFont typeface="Arial"/>
-        <a:defRPr b="0" i="0" sz="1400" u="none" cap="none" strike="noStrike">
+        <a:defRPr sz="1400" b="0" i="0" u="none" strike="noStrike" cap="none">
           <a:solidFill>
             <a:srgbClr val="000000"/>
           </a:solidFill>
@@ -7639,7 +7729,7 @@
           <a:sym typeface="Arial"/>
         </a:defRPr>
       </a:lvl3pPr>
-      <a:lvl4pPr lvl="3" marR="0" rtl="0" algn="l">
+      <a:lvl4pPr marR="0" lvl="3" algn="l" rtl="0">
         <a:lnSpc>
           <a:spcPct val="100000"/>
         </a:lnSpc>
@@ -7653,7 +7743,7 @@
           <a:srgbClr val="000000"/>
         </a:buClr>
         <a:buFont typeface="Arial"/>
-        <a:defRPr b="0" i="0" sz="1400" u="none" cap="none" strike="noStrike">
+        <a:defRPr sz="1400" b="0" i="0" u="none" strike="noStrike" cap="none">
           <a:solidFill>
             <a:srgbClr val="000000"/>
           </a:solidFill>
@@ -7663,7 +7753,7 @@
           <a:sym typeface="Arial"/>
         </a:defRPr>
       </a:lvl4pPr>
-      <a:lvl5pPr lvl="4" marR="0" rtl="0" algn="l">
+      <a:lvl5pPr marR="0" lvl="4" algn="l" rtl="0">
         <a:lnSpc>
           <a:spcPct val="100000"/>
         </a:lnSpc>
@@ -7677,7 +7767,7 @@
           <a:srgbClr val="000000"/>
         </a:buClr>
         <a:buFont typeface="Arial"/>
-        <a:defRPr b="0" i="0" sz="1400" u="none" cap="none" strike="noStrike">
+        <a:defRPr sz="1400" b="0" i="0" u="none" strike="noStrike" cap="none">
           <a:solidFill>
             <a:srgbClr val="000000"/>
           </a:solidFill>
@@ -7687,7 +7777,7 @@
           <a:sym typeface="Arial"/>
         </a:defRPr>
       </a:lvl5pPr>
-      <a:lvl6pPr lvl="5" marR="0" rtl="0" algn="l">
+      <a:lvl6pPr marR="0" lvl="5" algn="l" rtl="0">
         <a:lnSpc>
           <a:spcPct val="100000"/>
         </a:lnSpc>
@@ -7701,7 +7791,7 @@
           <a:srgbClr val="000000"/>
         </a:buClr>
         <a:buFont typeface="Arial"/>
-        <a:defRPr b="0" i="0" sz="1400" u="none" cap="none" strike="noStrike">
+        <a:defRPr sz="1400" b="0" i="0" u="none" strike="noStrike" cap="none">
           <a:solidFill>
             <a:srgbClr val="000000"/>
           </a:solidFill>
@@ -7711,7 +7801,7 @@
           <a:sym typeface="Arial"/>
         </a:defRPr>
       </a:lvl6pPr>
-      <a:lvl7pPr lvl="6" marR="0" rtl="0" algn="l">
+      <a:lvl7pPr marR="0" lvl="6" algn="l" rtl="0">
         <a:lnSpc>
           <a:spcPct val="100000"/>
         </a:lnSpc>
@@ -7725,7 +7815,7 @@
           <a:srgbClr val="000000"/>
         </a:buClr>
         <a:buFont typeface="Arial"/>
-        <a:defRPr b="0" i="0" sz="1400" u="none" cap="none" strike="noStrike">
+        <a:defRPr sz="1400" b="0" i="0" u="none" strike="noStrike" cap="none">
           <a:solidFill>
             <a:srgbClr val="000000"/>
           </a:solidFill>
@@ -7735,7 +7825,7 @@
           <a:sym typeface="Arial"/>
         </a:defRPr>
       </a:lvl7pPr>
-      <a:lvl8pPr lvl="7" marR="0" rtl="0" algn="l">
+      <a:lvl8pPr marR="0" lvl="7" algn="l" rtl="0">
         <a:lnSpc>
           <a:spcPct val="100000"/>
         </a:lnSpc>
@@ -7749,7 +7839,7 @@
           <a:srgbClr val="000000"/>
         </a:buClr>
         <a:buFont typeface="Arial"/>
-        <a:defRPr b="0" i="0" sz="1400" u="none" cap="none" strike="noStrike">
+        <a:defRPr sz="1400" b="0" i="0" u="none" strike="noStrike" cap="none">
           <a:solidFill>
             <a:srgbClr val="000000"/>
           </a:solidFill>
@@ -7759,7 +7849,7 @@
           <a:sym typeface="Arial"/>
         </a:defRPr>
       </a:lvl8pPr>
-      <a:lvl9pPr lvl="8" marR="0" rtl="0" algn="l">
+      <a:lvl9pPr marR="0" lvl="8" algn="l" rtl="0">
         <a:lnSpc>
           <a:spcPct val="100000"/>
         </a:lnSpc>
@@ -7773,7 +7863,7 @@
           <a:srgbClr val="000000"/>
         </a:buClr>
         <a:buFont typeface="Arial"/>
-        <a:defRPr b="0" i="0" sz="1400" u="none" cap="none" strike="noStrike">
+        <a:defRPr sz="1400" b="0" i="0" u="none" strike="noStrike" cap="none">
           <a:solidFill>
             <a:srgbClr val="000000"/>
           </a:solidFill>
@@ -7789,18 +7879,19 @@
 </file>
 
 <file path=ppt/slides/slide1.xml><?xml version="1.0" encoding="utf-8"?>
-<p:sld xmlns:a="http://schemas.openxmlformats.org/drawingml/2006/main" xmlns:r="http://schemas.openxmlformats.org/officeDocument/2006/relationships" xmlns:mc="http://schemas.openxmlformats.org/markup-compatibility/2006" xmlns:mv="urn:schemas-microsoft-com:mac:vml" xmlns:p="http://schemas.openxmlformats.org/presentationml/2006/main" xmlns:c="http://schemas.openxmlformats.org/drawingml/2006/chart" xmlns:dgm="http://schemas.openxmlformats.org/drawingml/2006/diagram" xmlns:o="urn:schemas-microsoft-com:office:office" xmlns:v="urn:schemas-microsoft-com:vml" xmlns:pvml="urn:schemas-microsoft-com:office:powerpoint" xmlns:com="http://schemas.openxmlformats.org/drawingml/2006/compatibility" xmlns:p14="http://schemas.microsoft.com/office/powerpoint/2010/main" xmlns:p15="http://schemas.microsoft.com/office/powerpoint/2012/main" xmlns:ahyp="http://schemas.microsoft.com/office/drawing/2018/hyperlinkcolor">
+<p:sld xmlns:a="http://schemas.openxmlformats.org/drawingml/2006/main" xmlns:r="http://schemas.openxmlformats.org/officeDocument/2006/relationships" xmlns:p="http://schemas.openxmlformats.org/presentationml/2006/main">
   <p:cSld>
     <p:bg>
       <p:bgPr>
         <a:solidFill>
           <a:schemeClr val="lt2"/>
         </a:solidFill>
+        <a:effectLst/>
       </p:bgPr>
     </p:bg>
     <p:spTree>
       <p:nvGrpSpPr>
-        <p:cNvPr id="85" name="Shape 85"/>
+        <p:cNvPr id="1" name="Shape 85"/>
         <p:cNvGrpSpPr/>
         <p:nvPr/>
       </p:nvGrpSpPr>
@@ -7815,7 +7906,9 @@
       <p:sp>
         <p:nvSpPr>
           <p:cNvPr id="86" name="Google Shape;86;p13"/>
-          <p:cNvSpPr txBox="1"/>
+          <p:cNvSpPr txBox="1">
+            <a:spLocks noGrp="1"/>
+          </p:cNvSpPr>
           <p:nvPr>
             <p:ph type="ctrTitle"/>
           </p:nvPr>
@@ -7830,12 +7923,12 @@
           </a:prstGeom>
         </p:spPr>
         <p:txBody>
-          <a:bodyPr anchorCtr="0" anchor="t" bIns="91425" lIns="91425" spcFirstLastPara="1" rIns="91425" wrap="square" tIns="91425">
+          <a:bodyPr spcFirstLastPara="1" wrap="square" lIns="91425" tIns="91425" rIns="91425" bIns="91425" anchor="t" anchorCtr="0">
             <a:normAutofit/>
           </a:bodyPr>
           <a:lstStyle/>
           <a:p>
-            <a:pPr indent="0" lvl="0" marL="0" rtl="0" algn="l">
+            <a:pPr marL="0" lvl="0" indent="0" algn="l" rtl="0">
               <a:spcBef>
                 <a:spcPts val="0"/>
               </a:spcBef>
@@ -7863,9 +7956,11 @@
       <p:sp>
         <p:nvSpPr>
           <p:cNvPr id="87" name="Google Shape;87;p13"/>
-          <p:cNvSpPr txBox="1"/>
+          <p:cNvSpPr txBox="1">
+            <a:spLocks noGrp="1"/>
+          </p:cNvSpPr>
           <p:nvPr>
-            <p:ph idx="1" type="subTitle"/>
+            <p:ph type="subTitle" idx="1"/>
           </p:nvPr>
         </p:nvSpPr>
         <p:spPr>
@@ -7878,12 +7973,12 @@
           </a:prstGeom>
         </p:spPr>
         <p:txBody>
-          <a:bodyPr anchorCtr="0" anchor="t" bIns="91425" lIns="91425" spcFirstLastPara="1" rIns="91425" wrap="square" tIns="91425">
-            <a:normAutofit fontScale="25000"/>
+          <a:bodyPr spcFirstLastPara="1" wrap="square" lIns="91425" tIns="91425" rIns="91425" bIns="91425" anchor="t" anchorCtr="0">
+            <a:normAutofit fontScale="32500" lnSpcReduction="10000"/>
           </a:bodyPr>
           <a:lstStyle/>
           <a:p>
-            <a:pPr indent="0" lvl="0" marL="0" rtl="0" algn="l">
+            <a:pPr marL="0" lvl="0" indent="0" algn="l" rtl="0">
               <a:lnSpc>
                 <a:spcPct val="115000"/>
               </a:lnSpc>
@@ -7910,7 +8005,7 @@
             </a:endParaRPr>
           </a:p>
           <a:p>
-            <a:pPr indent="0" lvl="0" marL="0" rtl="0" algn="l">
+            <a:pPr marL="0" lvl="0" indent="0" algn="l" rtl="0">
               <a:lnSpc>
                 <a:spcPct val="115000"/>
               </a:lnSpc>
@@ -7922,6 +8017,14 @@
               </a:spcAft>
               <a:buNone/>
             </a:pPr>
+            <a:r>
+              <a:rPr lang="en" sz="6800">
+                <a:solidFill>
+                  <a:schemeClr val="dk1"/>
+                </a:solidFill>
+              </a:rPr>
+              <a:t/>
+            </a:r>
             <a:br>
               <a:rPr lang="en" sz="6800">
                 <a:solidFill>
@@ -7960,7 +8063,7 @@
             </a:endParaRPr>
           </a:p>
           <a:p>
-            <a:pPr indent="0" lvl="0" marL="0" rtl="0" algn="l">
+            <a:pPr marL="0" lvl="0" indent="0" algn="l" rtl="0">
               <a:lnSpc>
                 <a:spcPct val="115000"/>
               </a:lnSpc>
@@ -7972,9 +8075,6 @@
               </a:spcAft>
               <a:buNone/>
             </a:pPr>
-            <a:r>
-              <a:t/>
-            </a:r>
             <a:endParaRPr sz="6800">
               <a:solidFill>
                 <a:schemeClr val="dk1"/>
@@ -7986,7 +8086,7 @@
             </a:endParaRPr>
           </a:p>
           <a:p>
-            <a:pPr indent="0" lvl="0" marL="0" rtl="0" algn="l">
+            <a:pPr marL="0" lvl="0" indent="0" algn="l" rtl="0">
               <a:lnSpc>
                 <a:spcPct val="115000"/>
               </a:lnSpc>
@@ -8021,7 +8121,7 @@
             </a:endParaRPr>
           </a:p>
           <a:p>
-            <a:pPr indent="0" lvl="0" marL="0" rtl="0" algn="l">
+            <a:pPr marL="0" lvl="0" indent="0" algn="l" rtl="0">
               <a:lnSpc>
                 <a:spcPct val="115000"/>
               </a:lnSpc>
@@ -8033,9 +8133,6 @@
               </a:spcAft>
               <a:buNone/>
             </a:pPr>
-            <a:r>
-              <a:t/>
-            </a:r>
             <a:endParaRPr sz="6800">
               <a:solidFill>
                 <a:schemeClr val="dk1"/>
@@ -8047,7 +8144,7 @@
             </a:endParaRPr>
           </a:p>
           <a:p>
-            <a:pPr indent="0" lvl="0" marL="0" rtl="0" algn="l">
+            <a:pPr marL="0" lvl="0" indent="0" algn="l" rtl="0">
               <a:lnSpc>
                 <a:spcPct val="115000"/>
               </a:lnSpc>
@@ -8082,7 +8179,7 @@
             </a:endParaRPr>
           </a:p>
           <a:p>
-            <a:pPr indent="0" lvl="0" marL="0" rtl="0" algn="l">
+            <a:pPr marL="0" lvl="0" indent="0" algn="l" rtl="0">
               <a:spcBef>
                 <a:spcPts val="0"/>
               </a:spcBef>
@@ -8110,9 +8207,11 @@
       <p:sp>
         <p:nvSpPr>
           <p:cNvPr id="88" name="Google Shape;88;p13"/>
-          <p:cNvSpPr txBox="1"/>
+          <p:cNvSpPr txBox="1">
+            <a:spLocks noGrp="1"/>
+          </p:cNvSpPr>
           <p:nvPr>
-            <p:ph idx="12" type="sldNum"/>
+            <p:ph type="sldNum" idx="12"/>
           </p:nvPr>
         </p:nvSpPr>
         <p:spPr>
@@ -8125,12 +8224,12 @@
           </a:prstGeom>
         </p:spPr>
         <p:txBody>
-          <a:bodyPr anchorCtr="0" anchor="ctr" bIns="91425" lIns="91425" spcFirstLastPara="1" rIns="91425" wrap="square" tIns="91425">
+          <a:bodyPr spcFirstLastPara="1" wrap="square" lIns="91425" tIns="91425" rIns="91425" bIns="91425" anchor="ctr" anchorCtr="0">
             <a:normAutofit/>
           </a:bodyPr>
           <a:lstStyle/>
           <a:p>
-            <a:pPr indent="0" lvl="0" marL="0" rtl="0" algn="r">
+            <a:pPr marL="0" lvl="0" indent="0" algn="r" rtl="0">
               <a:spcBef>
                 <a:spcPts val="0"/>
               </a:spcBef>
@@ -8149,7 +8248,7 @@
                 <a:cs typeface="Lato"/>
                 <a:sym typeface="Lato"/>
               </a:rPr>
-              <a:t>‹#›</a:t>
+              <a:t>1</a:t>
             </a:fld>
             <a:endParaRPr sz="1000">
               <a:solidFill>
@@ -8172,18 +8271,19 @@
 </file>
 
 <file path=ppt/slides/slide2.xml><?xml version="1.0" encoding="utf-8"?>
-<p:sld xmlns:a="http://schemas.openxmlformats.org/drawingml/2006/main" xmlns:r="http://schemas.openxmlformats.org/officeDocument/2006/relationships" xmlns:mc="http://schemas.openxmlformats.org/markup-compatibility/2006" xmlns:mv="urn:schemas-microsoft-com:mac:vml" xmlns:p="http://schemas.openxmlformats.org/presentationml/2006/main" xmlns:c="http://schemas.openxmlformats.org/drawingml/2006/chart" xmlns:dgm="http://schemas.openxmlformats.org/drawingml/2006/diagram" xmlns:o="urn:schemas-microsoft-com:office:office" xmlns:v="urn:schemas-microsoft-com:vml" xmlns:pvml="urn:schemas-microsoft-com:office:powerpoint" xmlns:com="http://schemas.openxmlformats.org/drawingml/2006/compatibility" xmlns:p14="http://schemas.microsoft.com/office/powerpoint/2010/main" xmlns:p15="http://schemas.microsoft.com/office/powerpoint/2012/main" xmlns:ahyp="http://schemas.microsoft.com/office/drawing/2018/hyperlinkcolor">
+<p:sld xmlns:a="http://schemas.openxmlformats.org/drawingml/2006/main" xmlns:r="http://schemas.openxmlformats.org/officeDocument/2006/relationships" xmlns:p="http://schemas.openxmlformats.org/presentationml/2006/main">
   <p:cSld>
     <p:bg>
       <p:bgPr>
         <a:solidFill>
           <a:schemeClr val="lt2"/>
         </a:solidFill>
+        <a:effectLst/>
       </p:bgPr>
     </p:bg>
     <p:spTree>
       <p:nvGrpSpPr>
-        <p:cNvPr id="92" name="Shape 92"/>
+        <p:cNvPr id="1" name="Shape 92"/>
         <p:cNvGrpSpPr/>
         <p:nvPr/>
       </p:nvGrpSpPr>
@@ -8198,7 +8298,9 @@
       <p:sp>
         <p:nvSpPr>
           <p:cNvPr id="93" name="Google Shape;93;p14"/>
-          <p:cNvSpPr txBox="1"/>
+          <p:cNvSpPr txBox="1">
+            <a:spLocks noGrp="1"/>
+          </p:cNvSpPr>
           <p:nvPr>
             <p:ph type="title"/>
           </p:nvPr>
@@ -8213,12 +8315,12 @@
           </a:prstGeom>
         </p:spPr>
         <p:txBody>
-          <a:bodyPr anchorCtr="0" anchor="t" bIns="91425" lIns="91425" spcFirstLastPara="1" rIns="91425" wrap="square" tIns="91425">
-            <a:normAutofit fontScale="90000"/>
+          <a:bodyPr spcFirstLastPara="1" wrap="square" lIns="91425" tIns="91425" rIns="91425" bIns="91425" anchor="t" anchorCtr="0">
+            <a:normAutofit/>
           </a:bodyPr>
           <a:lstStyle/>
           <a:p>
-            <a:pPr indent="0" lvl="0" marL="0" rtl="0" algn="l">
+            <a:pPr marL="0" lvl="0" indent="0" algn="l" rtl="0">
               <a:spcBef>
                 <a:spcPts val="0"/>
               </a:spcBef>
@@ -8242,7 +8344,7 @@
             </a:endParaRPr>
           </a:p>
           <a:p>
-            <a:pPr indent="0" lvl="0" marL="0" rtl="0" algn="l">
+            <a:pPr marL="0" lvl="0" indent="0" algn="l" rtl="0">
               <a:spcBef>
                 <a:spcPts val="0"/>
               </a:spcBef>
@@ -8251,9 +8353,6 @@
               </a:spcAft>
               <a:buNone/>
             </a:pPr>
-            <a:r>
-              <a:t/>
-            </a:r>
             <a:endParaRPr/>
           </a:p>
         </p:txBody>
@@ -8261,9 +8360,11 @@
       <p:sp>
         <p:nvSpPr>
           <p:cNvPr id="94" name="Google Shape;94;p14"/>
-          <p:cNvSpPr txBox="1"/>
+          <p:cNvSpPr txBox="1">
+            <a:spLocks noGrp="1"/>
+          </p:cNvSpPr>
           <p:nvPr>
-            <p:ph idx="12" type="sldNum"/>
+            <p:ph type="sldNum" idx="12"/>
           </p:nvPr>
         </p:nvSpPr>
         <p:spPr>
@@ -8276,12 +8377,12 @@
           </a:prstGeom>
         </p:spPr>
         <p:txBody>
-          <a:bodyPr anchorCtr="0" anchor="ctr" bIns="91425" lIns="91425" spcFirstLastPara="1" rIns="91425" wrap="square" tIns="91425">
+          <a:bodyPr spcFirstLastPara="1" wrap="square" lIns="91425" tIns="91425" rIns="91425" bIns="91425" anchor="ctr" anchorCtr="0">
             <a:normAutofit/>
           </a:bodyPr>
           <a:lstStyle/>
           <a:p>
-            <a:pPr indent="0" lvl="0" marL="0" rtl="0" algn="r">
+            <a:pPr marL="0" lvl="0" indent="0" algn="r" rtl="0">
               <a:spcBef>
                 <a:spcPts val="0"/>
               </a:spcBef>
@@ -8300,7 +8401,7 @@
                 <a:cs typeface="Lato"/>
                 <a:sym typeface="Lato"/>
               </a:rPr>
-              <a:t>‹#›</a:t>
+              <a:t>2</a:t>
             </a:fld>
             <a:endParaRPr sz="1000">
               <a:solidFill>
@@ -8317,7 +8418,9 @@
       <p:sp>
         <p:nvSpPr>
           <p:cNvPr id="95" name="Google Shape;95;p14"/>
-          <p:cNvSpPr txBox="1"/>
+          <p:cNvSpPr txBox="1">
+            <a:spLocks noGrp="1"/>
+          </p:cNvSpPr>
           <p:nvPr>
             <p:ph type="title"/>
           </p:nvPr>
@@ -8332,12 +8435,12 @@
           </a:prstGeom>
         </p:spPr>
         <p:txBody>
-          <a:bodyPr anchorCtr="0" anchor="t" bIns="91425" lIns="91425" spcFirstLastPara="1" rIns="91425" wrap="square" tIns="91425">
+          <a:bodyPr spcFirstLastPara="1" wrap="square" lIns="91425" tIns="91425" rIns="91425" bIns="91425" anchor="t" anchorCtr="0">
             <a:normAutofit/>
           </a:bodyPr>
           <a:lstStyle/>
           <a:p>
-            <a:pPr indent="0" lvl="0" marL="0" rtl="0" algn="l">
+            <a:pPr marL="0" lvl="0" indent="0" algn="l" rtl="0">
               <a:spcBef>
                 <a:spcPts val="0"/>
               </a:spcBef>
@@ -8361,7 +8464,7 @@
             </a:endParaRPr>
           </a:p>
           <a:p>
-            <a:pPr indent="0" lvl="0" marL="0" rtl="0" algn="l">
+            <a:pPr marL="0" lvl="0" indent="0" algn="l" rtl="0">
               <a:spcBef>
                 <a:spcPts val="0"/>
               </a:spcBef>
@@ -8370,9 +8473,6 @@
               </a:spcAft>
               <a:buNone/>
             </a:pPr>
-            <a:r>
-              <a:t/>
-            </a:r>
             <a:endParaRPr/>
           </a:p>
         </p:txBody>
@@ -8386,18 +8486,19 @@
 </file>
 
 <file path=ppt/slides/slide3.xml><?xml version="1.0" encoding="utf-8"?>
-<p:sld xmlns:a="http://schemas.openxmlformats.org/drawingml/2006/main" xmlns:r="http://schemas.openxmlformats.org/officeDocument/2006/relationships" xmlns:mc="http://schemas.openxmlformats.org/markup-compatibility/2006" xmlns:mv="urn:schemas-microsoft-com:mac:vml" xmlns:p="http://schemas.openxmlformats.org/presentationml/2006/main" xmlns:c="http://schemas.openxmlformats.org/drawingml/2006/chart" xmlns:dgm="http://schemas.openxmlformats.org/drawingml/2006/diagram" xmlns:o="urn:schemas-microsoft-com:office:office" xmlns:v="urn:schemas-microsoft-com:vml" xmlns:pvml="urn:schemas-microsoft-com:office:powerpoint" xmlns:com="http://schemas.openxmlformats.org/drawingml/2006/compatibility" xmlns:p14="http://schemas.microsoft.com/office/powerpoint/2010/main" xmlns:p15="http://schemas.microsoft.com/office/powerpoint/2012/main" xmlns:ahyp="http://schemas.microsoft.com/office/drawing/2018/hyperlinkcolor">
+<p:sld xmlns:a="http://schemas.openxmlformats.org/drawingml/2006/main" xmlns:r="http://schemas.openxmlformats.org/officeDocument/2006/relationships" xmlns:p="http://schemas.openxmlformats.org/presentationml/2006/main">
   <p:cSld>
     <p:bg>
       <p:bgPr>
         <a:solidFill>
           <a:schemeClr val="lt2"/>
         </a:solidFill>
+        <a:effectLst/>
       </p:bgPr>
     </p:bg>
     <p:spTree>
       <p:nvGrpSpPr>
-        <p:cNvPr id="99" name="Shape 99"/>
+        <p:cNvPr id="1" name="Shape 99"/>
         <p:cNvGrpSpPr/>
         <p:nvPr/>
       </p:nvGrpSpPr>
@@ -8412,7 +8513,9 @@
       <p:sp>
         <p:nvSpPr>
           <p:cNvPr id="100" name="Google Shape;100;p15"/>
-          <p:cNvSpPr txBox="1"/>
+          <p:cNvSpPr txBox="1">
+            <a:spLocks noGrp="1"/>
+          </p:cNvSpPr>
           <p:nvPr>
             <p:ph type="title"/>
           </p:nvPr>
@@ -8427,12 +8530,12 @@
           </a:prstGeom>
         </p:spPr>
         <p:txBody>
-          <a:bodyPr anchorCtr="0" anchor="t" bIns="91425" lIns="91425" spcFirstLastPara="1" rIns="91425" wrap="square" tIns="91425">
+          <a:bodyPr spcFirstLastPara="1" wrap="square" lIns="91425" tIns="91425" rIns="91425" bIns="91425" anchor="t" anchorCtr="0">
             <a:normAutofit fontScale="90000"/>
           </a:bodyPr>
           <a:lstStyle/>
           <a:p>
-            <a:pPr indent="0" lvl="0" marL="0" rtl="0" algn="l">
+            <a:pPr marL="0" lvl="0" indent="0" algn="l" rtl="0">
               <a:spcBef>
                 <a:spcPts val="0"/>
               </a:spcBef>
@@ -8460,9 +8563,11 @@
       <p:sp>
         <p:nvSpPr>
           <p:cNvPr id="101" name="Google Shape;101;p15"/>
-          <p:cNvSpPr txBox="1"/>
+          <p:cNvSpPr txBox="1">
+            <a:spLocks noGrp="1"/>
+          </p:cNvSpPr>
           <p:nvPr>
-            <p:ph idx="1" type="body"/>
+            <p:ph type="body" idx="1"/>
           </p:nvPr>
         </p:nvSpPr>
         <p:spPr>
@@ -8475,12 +8580,12 @@
           </a:prstGeom>
         </p:spPr>
         <p:txBody>
-          <a:bodyPr anchorCtr="0" anchor="t" bIns="91425" lIns="91425" spcFirstLastPara="1" rIns="91425" wrap="square" tIns="91425">
+          <a:bodyPr spcFirstLastPara="1" wrap="square" lIns="91425" tIns="91425" rIns="91425" bIns="91425" anchor="t" anchorCtr="0">
             <a:noAutofit/>
           </a:bodyPr>
           <a:lstStyle/>
           <a:p>
-            <a:pPr indent="-330200" lvl="0" marL="457200" rtl="0" algn="l">
+            <a:pPr marL="457200" lvl="0" indent="-330200" algn="l" rtl="0">
               <a:lnSpc>
                 <a:spcPct val="150000"/>
               </a:lnSpc>
@@ -8511,7 +8616,7 @@
             </a:endParaRPr>
           </a:p>
           <a:p>
-            <a:pPr indent="-330200" lvl="0" marL="457200" rtl="0" algn="l">
+            <a:pPr marL="457200" lvl="0" indent="-330200" algn="l" rtl="0">
               <a:lnSpc>
                 <a:spcPct val="150000"/>
               </a:lnSpc>
@@ -8542,7 +8647,7 @@
             </a:endParaRPr>
           </a:p>
           <a:p>
-            <a:pPr indent="-330200" lvl="0" marL="457200" rtl="0" algn="l">
+            <a:pPr marL="457200" lvl="0" indent="-330200" algn="l" rtl="0">
               <a:lnSpc>
                 <a:spcPct val="150000"/>
               </a:lnSpc>
@@ -8577,9 +8682,11 @@
       <p:sp>
         <p:nvSpPr>
           <p:cNvPr id="102" name="Google Shape;102;p15"/>
-          <p:cNvSpPr txBox="1"/>
+          <p:cNvSpPr txBox="1">
+            <a:spLocks noGrp="1"/>
+          </p:cNvSpPr>
           <p:nvPr>
-            <p:ph idx="12" type="sldNum"/>
+            <p:ph type="sldNum" idx="12"/>
           </p:nvPr>
         </p:nvSpPr>
         <p:spPr>
@@ -8592,12 +8699,12 @@
           </a:prstGeom>
         </p:spPr>
         <p:txBody>
-          <a:bodyPr anchorCtr="0" anchor="ctr" bIns="91425" lIns="91425" spcFirstLastPara="1" rIns="91425" wrap="square" tIns="91425">
+          <a:bodyPr spcFirstLastPara="1" wrap="square" lIns="91425" tIns="91425" rIns="91425" bIns="91425" anchor="ctr" anchorCtr="0">
             <a:normAutofit/>
           </a:bodyPr>
           <a:lstStyle/>
           <a:p>
-            <a:pPr indent="0" lvl="0" marL="0" rtl="0" algn="r">
+            <a:pPr marL="0" lvl="0" indent="0" algn="r" rtl="0">
               <a:spcBef>
                 <a:spcPts val="0"/>
               </a:spcBef>
@@ -8616,7 +8723,7 @@
                 <a:cs typeface="Lato"/>
                 <a:sym typeface="Lato"/>
               </a:rPr>
-              <a:t>‹#›</a:t>
+              <a:t>3</a:t>
             </a:fld>
             <a:endParaRPr sz="1000">
               <a:solidFill>
@@ -8639,18 +8746,19 @@
 </file>
 
 <file path=ppt/slides/slide4.xml><?xml version="1.0" encoding="utf-8"?>
-<p:sld xmlns:a="http://schemas.openxmlformats.org/drawingml/2006/main" xmlns:r="http://schemas.openxmlformats.org/officeDocument/2006/relationships" xmlns:mc="http://schemas.openxmlformats.org/markup-compatibility/2006" xmlns:mv="urn:schemas-microsoft-com:mac:vml" xmlns:p="http://schemas.openxmlformats.org/presentationml/2006/main" xmlns:c="http://schemas.openxmlformats.org/drawingml/2006/chart" xmlns:dgm="http://schemas.openxmlformats.org/drawingml/2006/diagram" xmlns:o="urn:schemas-microsoft-com:office:office" xmlns:v="urn:schemas-microsoft-com:vml" xmlns:pvml="urn:schemas-microsoft-com:office:powerpoint" xmlns:com="http://schemas.openxmlformats.org/drawingml/2006/compatibility" xmlns:p14="http://schemas.microsoft.com/office/powerpoint/2010/main" xmlns:p15="http://schemas.microsoft.com/office/powerpoint/2012/main" xmlns:ahyp="http://schemas.microsoft.com/office/drawing/2018/hyperlinkcolor">
+<p:sld xmlns:a="http://schemas.openxmlformats.org/drawingml/2006/main" xmlns:r="http://schemas.openxmlformats.org/officeDocument/2006/relationships" xmlns:p="http://schemas.openxmlformats.org/presentationml/2006/main">
   <p:cSld>
     <p:bg>
       <p:bgPr>
         <a:solidFill>
           <a:schemeClr val="lt2"/>
         </a:solidFill>
+        <a:effectLst/>
       </p:bgPr>
     </p:bg>
     <p:spTree>
       <p:nvGrpSpPr>
-        <p:cNvPr id="106" name="Shape 106"/>
+        <p:cNvPr id="1" name="Shape 106"/>
         <p:cNvGrpSpPr/>
         <p:nvPr/>
       </p:nvGrpSpPr>
@@ -8665,7 +8773,9 @@
       <p:sp>
         <p:nvSpPr>
           <p:cNvPr id="107" name="Google Shape;107;p16"/>
-          <p:cNvSpPr txBox="1"/>
+          <p:cNvSpPr txBox="1">
+            <a:spLocks noGrp="1"/>
+          </p:cNvSpPr>
           <p:nvPr>
             <p:ph type="title"/>
           </p:nvPr>
@@ -8680,12 +8790,12 @@
           </a:prstGeom>
         </p:spPr>
         <p:txBody>
-          <a:bodyPr anchorCtr="0" anchor="t" bIns="91425" lIns="91425" spcFirstLastPara="1" rIns="91425" wrap="square" tIns="91425">
+          <a:bodyPr spcFirstLastPara="1" wrap="square" lIns="91425" tIns="91425" rIns="91425" bIns="91425" anchor="t" anchorCtr="0">
             <a:normAutofit fontScale="90000"/>
           </a:bodyPr>
           <a:lstStyle/>
           <a:p>
-            <a:pPr indent="0" lvl="0" marL="0" rtl="0" algn="l">
+            <a:pPr marL="0" lvl="0" indent="0" algn="l" rtl="0">
               <a:spcBef>
                 <a:spcPts val="0"/>
               </a:spcBef>
@@ -8713,9 +8823,11 @@
       <p:sp>
         <p:nvSpPr>
           <p:cNvPr id="108" name="Google Shape;108;p16"/>
-          <p:cNvSpPr txBox="1"/>
+          <p:cNvSpPr txBox="1">
+            <a:spLocks noGrp="1"/>
+          </p:cNvSpPr>
           <p:nvPr>
-            <p:ph idx="1" type="body"/>
+            <p:ph type="body" idx="1"/>
           </p:nvPr>
         </p:nvSpPr>
         <p:spPr>
@@ -8728,12 +8840,12 @@
           </a:prstGeom>
         </p:spPr>
         <p:txBody>
-          <a:bodyPr anchorCtr="0" anchor="t" bIns="91425" lIns="91425" spcFirstLastPara="1" rIns="91425" wrap="square" tIns="91425">
+          <a:bodyPr spcFirstLastPara="1" wrap="square" lIns="91425" tIns="91425" rIns="91425" bIns="91425" anchor="t" anchorCtr="0">
             <a:normAutofit/>
           </a:bodyPr>
           <a:lstStyle/>
           <a:p>
-            <a:pPr indent="-336550" lvl="0" marL="457200" rtl="0" algn="l">
+            <a:pPr marL="457200" lvl="0" indent="-336550" algn="l" rtl="0">
               <a:lnSpc>
                 <a:spcPct val="200000"/>
               </a:lnSpc>
@@ -8764,7 +8876,7 @@
             </a:endParaRPr>
           </a:p>
           <a:p>
-            <a:pPr indent="-336550" lvl="0" marL="457200" rtl="0" algn="l">
+            <a:pPr marL="457200" lvl="0" indent="-336550" algn="l" rtl="0">
               <a:lnSpc>
                 <a:spcPct val="200000"/>
               </a:lnSpc>
@@ -8795,7 +8907,7 @@
             </a:endParaRPr>
           </a:p>
           <a:p>
-            <a:pPr indent="-336550" lvl="0" marL="457200" rtl="0" algn="l">
+            <a:pPr marL="457200" lvl="0" indent="-336550" algn="l" rtl="0">
               <a:lnSpc>
                 <a:spcPct val="200000"/>
               </a:lnSpc>
@@ -8826,7 +8938,7 @@
             </a:endParaRPr>
           </a:p>
           <a:p>
-            <a:pPr indent="-336550" lvl="0" marL="457200" rtl="0" algn="l">
+            <a:pPr marL="457200" lvl="0" indent="-336550" algn="l" rtl="0">
               <a:lnSpc>
                 <a:spcPct val="200000"/>
               </a:lnSpc>
@@ -8848,15 +8960,7 @@
                   <a:schemeClr val="dk1"/>
                 </a:solidFill>
               </a:rPr>
-              <a:t>Visualize</a:t>
-            </a:r>
-            <a:r>
-              <a:rPr lang="en" sz="1700">
-                <a:solidFill>
-                  <a:schemeClr val="dk1"/>
-                </a:solidFill>
-              </a:rPr>
-              <a:t> Complex Data</a:t>
+              <a:t>Visualize Complex Data</a:t>
             </a:r>
             <a:endParaRPr sz="1700">
               <a:solidFill>
@@ -8865,7 +8969,7 @@
             </a:endParaRPr>
           </a:p>
           <a:p>
-            <a:pPr indent="-336550" lvl="0" marL="457200" rtl="0" algn="l">
+            <a:pPr marL="457200" lvl="0" indent="-336550" algn="l" rtl="0">
               <a:lnSpc>
                 <a:spcPct val="200000"/>
               </a:lnSpc>
@@ -8900,9 +9004,11 @@
       <p:sp>
         <p:nvSpPr>
           <p:cNvPr id="109" name="Google Shape;109;p16"/>
-          <p:cNvSpPr txBox="1"/>
+          <p:cNvSpPr txBox="1">
+            <a:spLocks noGrp="1"/>
+          </p:cNvSpPr>
           <p:nvPr>
-            <p:ph idx="12" type="sldNum"/>
+            <p:ph type="sldNum" idx="12"/>
           </p:nvPr>
         </p:nvSpPr>
         <p:spPr>
@@ -8915,12 +9021,12 @@
           </a:prstGeom>
         </p:spPr>
         <p:txBody>
-          <a:bodyPr anchorCtr="0" anchor="ctr" bIns="91425" lIns="91425" spcFirstLastPara="1" rIns="91425" wrap="square" tIns="91425">
+          <a:bodyPr spcFirstLastPara="1" wrap="square" lIns="91425" tIns="91425" rIns="91425" bIns="91425" anchor="ctr" anchorCtr="0">
             <a:normAutofit/>
           </a:bodyPr>
           <a:lstStyle/>
           <a:p>
-            <a:pPr indent="0" lvl="0" marL="0" rtl="0" algn="r">
+            <a:pPr marL="0" lvl="0" indent="0" algn="r" rtl="0">
               <a:spcBef>
                 <a:spcPts val="0"/>
               </a:spcBef>
@@ -8939,7 +9045,7 @@
                 <a:cs typeface="Lato"/>
                 <a:sym typeface="Lato"/>
               </a:rPr>
-              <a:t>‹#›</a:t>
+              <a:t>4</a:t>
             </a:fld>
             <a:endParaRPr sz="1000">
               <a:solidFill>
@@ -8962,18 +9068,19 @@
 </file>
 
 <file path=ppt/slides/slide5.xml><?xml version="1.0" encoding="utf-8"?>
-<p:sld xmlns:a="http://schemas.openxmlformats.org/drawingml/2006/main" xmlns:r="http://schemas.openxmlformats.org/officeDocument/2006/relationships" xmlns:mc="http://schemas.openxmlformats.org/markup-compatibility/2006" xmlns:mv="urn:schemas-microsoft-com:mac:vml" xmlns:p="http://schemas.openxmlformats.org/presentationml/2006/main" xmlns:c="http://schemas.openxmlformats.org/drawingml/2006/chart" xmlns:dgm="http://schemas.openxmlformats.org/drawingml/2006/diagram" xmlns:o="urn:schemas-microsoft-com:office:office" xmlns:v="urn:schemas-microsoft-com:vml" xmlns:pvml="urn:schemas-microsoft-com:office:powerpoint" xmlns:com="http://schemas.openxmlformats.org/drawingml/2006/compatibility" xmlns:p14="http://schemas.microsoft.com/office/powerpoint/2010/main" xmlns:p15="http://schemas.microsoft.com/office/powerpoint/2012/main" xmlns:ahyp="http://schemas.microsoft.com/office/drawing/2018/hyperlinkcolor">
+<p:sld xmlns:a="http://schemas.openxmlformats.org/drawingml/2006/main" xmlns:r="http://schemas.openxmlformats.org/officeDocument/2006/relationships" xmlns:p="http://schemas.openxmlformats.org/presentationml/2006/main">
   <p:cSld>
     <p:bg>
       <p:bgPr>
         <a:solidFill>
           <a:schemeClr val="lt2"/>
         </a:solidFill>
+        <a:effectLst/>
       </p:bgPr>
     </p:bg>
     <p:spTree>
       <p:nvGrpSpPr>
-        <p:cNvPr id="113" name="Shape 113"/>
+        <p:cNvPr id="1" name="Shape 113"/>
         <p:cNvGrpSpPr/>
         <p:nvPr/>
       </p:nvGrpSpPr>
@@ -8988,7 +9095,9 @@
       <p:sp>
         <p:nvSpPr>
           <p:cNvPr id="114" name="Google Shape;114;p17"/>
-          <p:cNvSpPr txBox="1"/>
+          <p:cNvSpPr txBox="1">
+            <a:spLocks noGrp="1"/>
+          </p:cNvSpPr>
           <p:nvPr>
             <p:ph type="title"/>
           </p:nvPr>
@@ -9003,12 +9112,12 @@
           </a:prstGeom>
         </p:spPr>
         <p:txBody>
-          <a:bodyPr anchorCtr="0" anchor="t" bIns="91425" lIns="91425" spcFirstLastPara="1" rIns="91425" wrap="square" tIns="91425">
+          <a:bodyPr spcFirstLastPara="1" wrap="square" lIns="91425" tIns="91425" rIns="91425" bIns="91425" anchor="t" anchorCtr="0">
             <a:normAutofit fontScale="90000"/>
           </a:bodyPr>
           <a:lstStyle/>
           <a:p>
-            <a:pPr indent="0" lvl="0" marL="0" rtl="0" algn="l">
+            <a:pPr marL="0" lvl="0" indent="0" algn="l" rtl="0">
               <a:spcBef>
                 <a:spcPts val="0"/>
               </a:spcBef>
@@ -9036,9 +9145,11 @@
       <p:sp>
         <p:nvSpPr>
           <p:cNvPr id="115" name="Google Shape;115;p17"/>
-          <p:cNvSpPr txBox="1"/>
+          <p:cNvSpPr txBox="1">
+            <a:spLocks noGrp="1"/>
+          </p:cNvSpPr>
           <p:nvPr>
-            <p:ph idx="1" type="body"/>
+            <p:ph type="body" idx="1"/>
           </p:nvPr>
         </p:nvSpPr>
         <p:spPr>
@@ -9051,12 +9162,12 @@
           </a:prstGeom>
         </p:spPr>
         <p:txBody>
-          <a:bodyPr anchorCtr="0" anchor="t" bIns="91425" lIns="91425" spcFirstLastPara="1" rIns="91425" wrap="square" tIns="91425">
+          <a:bodyPr spcFirstLastPara="1" wrap="square" lIns="91425" tIns="91425" rIns="91425" bIns="91425" anchor="t" anchorCtr="0">
             <a:normAutofit fontScale="25000" lnSpcReduction="20000"/>
           </a:bodyPr>
           <a:lstStyle/>
           <a:p>
-            <a:pPr indent="-336550" lvl="0" marL="457200" rtl="0" algn="l">
+            <a:pPr marL="457200" lvl="0" indent="-336550" algn="l" rtl="0">
               <a:lnSpc>
                 <a:spcPct val="200000"/>
               </a:lnSpc>
@@ -9087,7 +9198,7 @@
             </a:endParaRPr>
           </a:p>
           <a:p>
-            <a:pPr indent="-336550" lvl="1" marL="914400" rtl="0" algn="l">
+            <a:pPr marL="914400" lvl="1" indent="-336550" algn="l" rtl="0">
               <a:lnSpc>
                 <a:spcPct val="200000"/>
               </a:lnSpc>
@@ -9118,7 +9229,7 @@
             </a:endParaRPr>
           </a:p>
           <a:p>
-            <a:pPr indent="-336550" lvl="1" marL="914400" rtl="0" algn="l">
+            <a:pPr marL="914400" lvl="1" indent="-336550" algn="l" rtl="0">
               <a:lnSpc>
                 <a:spcPct val="200000"/>
               </a:lnSpc>
@@ -9149,7 +9260,7 @@
             </a:endParaRPr>
           </a:p>
           <a:p>
-            <a:pPr indent="-336550" lvl="0" marL="457200" rtl="0" algn="l">
+            <a:pPr marL="457200" lvl="0" indent="-336550" algn="l" rtl="0">
               <a:lnSpc>
                 <a:spcPct val="200000"/>
               </a:lnSpc>
@@ -9180,7 +9291,7 @@
             </a:endParaRPr>
           </a:p>
           <a:p>
-            <a:pPr indent="-336550" lvl="0" marL="457200" rtl="0" algn="l">
+            <a:pPr marL="457200" lvl="0" indent="-336550" algn="l" rtl="0">
               <a:lnSpc>
                 <a:spcPct val="200000"/>
               </a:lnSpc>
@@ -9211,7 +9322,7 @@
             </a:endParaRPr>
           </a:p>
           <a:p>
-            <a:pPr indent="-336550" lvl="0" marL="457200" rtl="0" algn="l">
+            <a:pPr marL="457200" lvl="0" indent="-336550" algn="l" rtl="0">
               <a:lnSpc>
                 <a:spcPct val="200000"/>
               </a:lnSpc>
@@ -9242,7 +9353,7 @@
             </a:endParaRPr>
           </a:p>
           <a:p>
-            <a:pPr indent="0" lvl="0" marL="0" rtl="0" algn="l">
+            <a:pPr marL="0" lvl="0" indent="0" algn="l" rtl="0">
               <a:spcBef>
                 <a:spcPts val="1200"/>
               </a:spcBef>
@@ -9251,9 +9362,6 @@
               </a:spcAft>
               <a:buNone/>
             </a:pPr>
-            <a:r>
-              <a:t/>
-            </a:r>
             <a:endParaRPr/>
           </a:p>
         </p:txBody>
@@ -9261,9 +9369,11 @@
       <p:sp>
         <p:nvSpPr>
           <p:cNvPr id="116" name="Google Shape;116;p17"/>
-          <p:cNvSpPr txBox="1"/>
+          <p:cNvSpPr txBox="1">
+            <a:spLocks noGrp="1"/>
+          </p:cNvSpPr>
           <p:nvPr>
-            <p:ph idx="12" type="sldNum"/>
+            <p:ph type="sldNum" idx="12"/>
           </p:nvPr>
         </p:nvSpPr>
         <p:spPr>
@@ -9276,12 +9386,12 @@
           </a:prstGeom>
         </p:spPr>
         <p:txBody>
-          <a:bodyPr anchorCtr="0" anchor="ctr" bIns="91425" lIns="91425" spcFirstLastPara="1" rIns="91425" wrap="square" tIns="91425">
+          <a:bodyPr spcFirstLastPara="1" wrap="square" lIns="91425" tIns="91425" rIns="91425" bIns="91425" anchor="ctr" anchorCtr="0">
             <a:normAutofit/>
           </a:bodyPr>
           <a:lstStyle/>
           <a:p>
-            <a:pPr indent="0" lvl="0" marL="0" rtl="0" algn="r">
+            <a:pPr marL="0" lvl="0" indent="0" algn="r" rtl="0">
               <a:spcBef>
                 <a:spcPts val="0"/>
               </a:spcBef>
@@ -9300,7 +9410,7 @@
                 <a:cs typeface="Lato"/>
                 <a:sym typeface="Lato"/>
               </a:rPr>
-              <a:t>‹#›</a:t>
+              <a:t>5</a:t>
             </a:fld>
             <a:endParaRPr sz="1000">
               <a:solidFill>
@@ -9323,18 +9433,19 @@
 </file>
 
 <file path=ppt/slides/slide6.xml><?xml version="1.0" encoding="utf-8"?>
-<p:sld xmlns:a="http://schemas.openxmlformats.org/drawingml/2006/main" xmlns:r="http://schemas.openxmlformats.org/officeDocument/2006/relationships" xmlns:mc="http://schemas.openxmlformats.org/markup-compatibility/2006" xmlns:mv="urn:schemas-microsoft-com:mac:vml" xmlns:p="http://schemas.openxmlformats.org/presentationml/2006/main" xmlns:c="http://schemas.openxmlformats.org/drawingml/2006/chart" xmlns:dgm="http://schemas.openxmlformats.org/drawingml/2006/diagram" xmlns:o="urn:schemas-microsoft-com:office:office" xmlns:v="urn:schemas-microsoft-com:vml" xmlns:pvml="urn:schemas-microsoft-com:office:powerpoint" xmlns:com="http://schemas.openxmlformats.org/drawingml/2006/compatibility" xmlns:p14="http://schemas.microsoft.com/office/powerpoint/2010/main" xmlns:p15="http://schemas.microsoft.com/office/powerpoint/2012/main" xmlns:ahyp="http://schemas.microsoft.com/office/drawing/2018/hyperlinkcolor">
+<p:sld xmlns:a="http://schemas.openxmlformats.org/drawingml/2006/main" xmlns:r="http://schemas.openxmlformats.org/officeDocument/2006/relationships" xmlns:p="http://schemas.openxmlformats.org/presentationml/2006/main">
   <p:cSld>
     <p:bg>
       <p:bgPr>
         <a:solidFill>
           <a:schemeClr val="lt2"/>
         </a:solidFill>
+        <a:effectLst/>
       </p:bgPr>
     </p:bg>
     <p:spTree>
       <p:nvGrpSpPr>
-        <p:cNvPr id="120" name="Shape 120"/>
+        <p:cNvPr id="1" name="Shape 120"/>
         <p:cNvGrpSpPr/>
         <p:nvPr/>
       </p:nvGrpSpPr>
@@ -9349,7 +9460,9 @@
       <p:sp>
         <p:nvSpPr>
           <p:cNvPr id="121" name="Google Shape;121;p18"/>
-          <p:cNvSpPr txBox="1"/>
+          <p:cNvSpPr txBox="1">
+            <a:spLocks noGrp="1"/>
+          </p:cNvSpPr>
           <p:nvPr>
             <p:ph type="title"/>
           </p:nvPr>
@@ -9364,12 +9477,12 @@
           </a:prstGeom>
         </p:spPr>
         <p:txBody>
-          <a:bodyPr anchorCtr="0" anchor="t" bIns="91425" lIns="91425" spcFirstLastPara="1" rIns="91425" wrap="square" tIns="91425">
+          <a:bodyPr spcFirstLastPara="1" wrap="square" lIns="91425" tIns="91425" rIns="91425" bIns="91425" anchor="t" anchorCtr="0">
             <a:normAutofit fontScale="90000"/>
           </a:bodyPr>
           <a:lstStyle/>
           <a:p>
-            <a:pPr indent="0" lvl="0" marL="0" rtl="0" algn="l">
+            <a:pPr marL="0" lvl="0" indent="0" algn="l" rtl="0">
               <a:spcBef>
                 <a:spcPts val="0"/>
               </a:spcBef>
@@ -9384,15 +9497,7 @@
                   <a:schemeClr val="dk1"/>
                 </a:solidFill>
               </a:rPr>
-              <a:t>E</a:t>
-            </a:r>
-            <a:r>
-              <a:rPr lang="en">
-                <a:solidFill>
-                  <a:schemeClr val="dk1"/>
-                </a:solidFill>
-              </a:rPr>
-              <a:t>xperimental results and analysis</a:t>
+              <a:t>Experimental results and analysis</a:t>
             </a:r>
             <a:endParaRPr>
               <a:solidFill>
@@ -9405,9 +9510,11 @@
       <p:sp>
         <p:nvSpPr>
           <p:cNvPr id="122" name="Google Shape;122;p18"/>
-          <p:cNvSpPr txBox="1"/>
+          <p:cNvSpPr txBox="1">
+            <a:spLocks noGrp="1"/>
+          </p:cNvSpPr>
           <p:nvPr>
-            <p:ph idx="1" type="body"/>
+            <p:ph type="body" idx="1"/>
           </p:nvPr>
         </p:nvSpPr>
         <p:spPr>
@@ -9420,12 +9527,12 @@
           </a:prstGeom>
         </p:spPr>
         <p:txBody>
-          <a:bodyPr anchorCtr="0" anchor="t" bIns="91425" lIns="91425" spcFirstLastPara="1" rIns="91425" wrap="square" tIns="91425">
+          <a:bodyPr spcFirstLastPara="1" wrap="square" lIns="91425" tIns="91425" rIns="91425" bIns="91425" anchor="t" anchorCtr="0">
             <a:noAutofit/>
           </a:bodyPr>
           <a:lstStyle/>
           <a:p>
-            <a:pPr indent="-330200" lvl="0" marL="457200" rtl="0" algn="l">
+            <a:pPr marL="457200" lvl="0" indent="-330200" algn="l" rtl="0">
               <a:lnSpc>
                 <a:spcPct val="200000"/>
               </a:lnSpc>
@@ -9456,7 +9563,7 @@
             </a:endParaRPr>
           </a:p>
           <a:p>
-            <a:pPr indent="-330200" lvl="0" marL="457200" rtl="0" algn="l">
+            <a:pPr marL="457200" lvl="0" indent="-330200" algn="l" rtl="0">
               <a:lnSpc>
                 <a:spcPct val="200000"/>
               </a:lnSpc>
@@ -9487,7 +9594,7 @@
             </a:endParaRPr>
           </a:p>
           <a:p>
-            <a:pPr indent="-330200" lvl="0" marL="457200" rtl="0" algn="l">
+            <a:pPr marL="457200" lvl="0" indent="-330200" algn="l" rtl="0">
               <a:lnSpc>
                 <a:spcPct val="200000"/>
               </a:lnSpc>
@@ -9518,7 +9625,7 @@
             </a:endParaRPr>
           </a:p>
           <a:p>
-            <a:pPr indent="-330200" lvl="0" marL="457200" rtl="0" algn="l">
+            <a:pPr marL="457200" lvl="0" indent="-330200" algn="l" rtl="0">
               <a:lnSpc>
                 <a:spcPct val="200000"/>
               </a:lnSpc>
@@ -9549,7 +9656,7 @@
             </a:endParaRPr>
           </a:p>
           <a:p>
-            <a:pPr indent="0" lvl="0" marL="0" rtl="0" algn="l">
+            <a:pPr marL="0" lvl="0" indent="0" algn="l" rtl="0">
               <a:spcBef>
                 <a:spcPts val="1200"/>
               </a:spcBef>
@@ -9558,9 +9665,6 @@
               </a:spcAft>
               <a:buNone/>
             </a:pPr>
-            <a:r>
-              <a:t/>
-            </a:r>
             <a:endParaRPr sz="1500">
               <a:solidFill>
                 <a:schemeClr val="dk1"/>
@@ -9572,9 +9676,11 @@
       <p:sp>
         <p:nvSpPr>
           <p:cNvPr id="123" name="Google Shape;123;p18"/>
-          <p:cNvSpPr txBox="1"/>
+          <p:cNvSpPr txBox="1">
+            <a:spLocks noGrp="1"/>
+          </p:cNvSpPr>
           <p:nvPr>
-            <p:ph idx="12" type="sldNum"/>
+            <p:ph type="sldNum" idx="12"/>
           </p:nvPr>
         </p:nvSpPr>
         <p:spPr>
@@ -9587,12 +9693,12 @@
           </a:prstGeom>
         </p:spPr>
         <p:txBody>
-          <a:bodyPr anchorCtr="0" anchor="ctr" bIns="91425" lIns="91425" spcFirstLastPara="1" rIns="91425" wrap="square" tIns="91425">
+          <a:bodyPr spcFirstLastPara="1" wrap="square" lIns="91425" tIns="91425" rIns="91425" bIns="91425" anchor="ctr" anchorCtr="0">
             <a:normAutofit/>
           </a:bodyPr>
           <a:lstStyle/>
           <a:p>
-            <a:pPr indent="0" lvl="0" marL="0" rtl="0" algn="r">
+            <a:pPr marL="0" lvl="0" indent="0" algn="r" rtl="0">
               <a:spcBef>
                 <a:spcPts val="0"/>
               </a:spcBef>
@@ -9611,7 +9717,7 @@
                 <a:cs typeface="Lato"/>
                 <a:sym typeface="Lato"/>
               </a:rPr>
-              <a:t>‹#›</a:t>
+              <a:t>6</a:t>
             </a:fld>
             <a:endParaRPr sz="1000">
               <a:solidFill>
@@ -9634,18 +9740,19 @@
 </file>
 
 <file path=ppt/slides/slide7.xml><?xml version="1.0" encoding="utf-8"?>
-<p:sld xmlns:a="http://schemas.openxmlformats.org/drawingml/2006/main" xmlns:r="http://schemas.openxmlformats.org/officeDocument/2006/relationships" xmlns:mc="http://schemas.openxmlformats.org/markup-compatibility/2006" xmlns:mv="urn:schemas-microsoft-com:mac:vml" xmlns:p="http://schemas.openxmlformats.org/presentationml/2006/main" xmlns:c="http://schemas.openxmlformats.org/drawingml/2006/chart" xmlns:dgm="http://schemas.openxmlformats.org/drawingml/2006/diagram" xmlns:o="urn:schemas-microsoft-com:office:office" xmlns:v="urn:schemas-microsoft-com:vml" xmlns:pvml="urn:schemas-microsoft-com:office:powerpoint" xmlns:com="http://schemas.openxmlformats.org/drawingml/2006/compatibility" xmlns:p14="http://schemas.microsoft.com/office/powerpoint/2010/main" xmlns:p15="http://schemas.microsoft.com/office/powerpoint/2012/main" xmlns:ahyp="http://schemas.microsoft.com/office/drawing/2018/hyperlinkcolor">
+<p:sld xmlns:a="http://schemas.openxmlformats.org/drawingml/2006/main" xmlns:r="http://schemas.openxmlformats.org/officeDocument/2006/relationships" xmlns:p="http://schemas.openxmlformats.org/presentationml/2006/main">
   <p:cSld>
     <p:bg>
       <p:bgPr>
         <a:solidFill>
           <a:schemeClr val="lt2"/>
         </a:solidFill>
+        <a:effectLst/>
       </p:bgPr>
     </p:bg>
     <p:spTree>
       <p:nvGrpSpPr>
-        <p:cNvPr id="127" name="Shape 127"/>
+        <p:cNvPr id="1" name="Shape 127"/>
         <p:cNvGrpSpPr/>
         <p:nvPr/>
       </p:nvGrpSpPr>
@@ -9660,7 +9767,9 @@
       <p:sp>
         <p:nvSpPr>
           <p:cNvPr id="128" name="Google Shape;128;p19"/>
-          <p:cNvSpPr txBox="1"/>
+          <p:cNvSpPr txBox="1">
+            <a:spLocks noGrp="1"/>
+          </p:cNvSpPr>
           <p:nvPr>
             <p:ph type="title"/>
           </p:nvPr>
@@ -9675,12 +9784,12 @@
           </a:prstGeom>
         </p:spPr>
         <p:txBody>
-          <a:bodyPr anchorCtr="0" anchor="t" bIns="91425" lIns="91425" spcFirstLastPara="1" rIns="91425" wrap="square" tIns="91425">
+          <a:bodyPr spcFirstLastPara="1" wrap="square" lIns="91425" tIns="91425" rIns="91425" bIns="91425" anchor="t" anchorCtr="0">
             <a:normAutofit fontScale="90000"/>
           </a:bodyPr>
           <a:lstStyle/>
           <a:p>
-            <a:pPr indent="0" lvl="0" marL="0" rtl="0" algn="l">
+            <a:pPr marL="0" lvl="0" indent="0" algn="l" rtl="0">
               <a:spcBef>
                 <a:spcPts val="0"/>
               </a:spcBef>
@@ -9708,9 +9817,11 @@
       <p:sp>
         <p:nvSpPr>
           <p:cNvPr id="129" name="Google Shape;129;p19"/>
-          <p:cNvSpPr txBox="1"/>
+          <p:cNvSpPr txBox="1">
+            <a:spLocks noGrp="1"/>
+          </p:cNvSpPr>
           <p:nvPr>
-            <p:ph idx="1" type="body"/>
+            <p:ph type="body" idx="1"/>
           </p:nvPr>
         </p:nvSpPr>
         <p:spPr>
@@ -9723,12 +9834,12 @@
           </a:prstGeom>
         </p:spPr>
         <p:txBody>
-          <a:bodyPr anchorCtr="0" anchor="t" bIns="91425" lIns="91425" spcFirstLastPara="1" rIns="91425" wrap="square" tIns="91425">
+          <a:bodyPr spcFirstLastPara="1" wrap="square" lIns="91425" tIns="91425" rIns="91425" bIns="91425" anchor="t" anchorCtr="0">
             <a:noAutofit/>
           </a:bodyPr>
           <a:lstStyle/>
           <a:p>
-            <a:pPr indent="-323850" lvl="0" marL="457200" rtl="0" algn="l">
+            <a:pPr marL="457200" lvl="0" indent="-323850" algn="l" rtl="0">
               <a:lnSpc>
                 <a:spcPct val="200000"/>
               </a:lnSpc>
@@ -9759,7 +9870,7 @@
             </a:endParaRPr>
           </a:p>
           <a:p>
-            <a:pPr indent="-323850" lvl="0" marL="457200" rtl="0" algn="l">
+            <a:pPr marL="457200" lvl="0" indent="-323850" algn="l" rtl="0">
               <a:lnSpc>
                 <a:spcPct val="200000"/>
               </a:lnSpc>
@@ -9790,7 +9901,7 @@
             </a:endParaRPr>
           </a:p>
           <a:p>
-            <a:pPr indent="-323850" lvl="0" marL="457200" rtl="0" algn="l">
+            <a:pPr marL="457200" lvl="0" indent="-323850" algn="l" rtl="0">
               <a:lnSpc>
                 <a:spcPct val="200000"/>
               </a:lnSpc>
@@ -9821,7 +9932,7 @@
             </a:endParaRPr>
           </a:p>
           <a:p>
-            <a:pPr indent="-323850" lvl="0" marL="457200" rtl="0" algn="l">
+            <a:pPr marL="457200" lvl="0" indent="-323850" algn="l" rtl="0">
               <a:lnSpc>
                 <a:spcPct val="200000"/>
               </a:lnSpc>
@@ -9856,9 +9967,11 @@
       <p:sp>
         <p:nvSpPr>
           <p:cNvPr id="130" name="Google Shape;130;p19"/>
-          <p:cNvSpPr txBox="1"/>
+          <p:cNvSpPr txBox="1">
+            <a:spLocks noGrp="1"/>
+          </p:cNvSpPr>
           <p:nvPr>
-            <p:ph idx="12" type="sldNum"/>
+            <p:ph type="sldNum" idx="12"/>
           </p:nvPr>
         </p:nvSpPr>
         <p:spPr>
@@ -9871,12 +9984,12 @@
           </a:prstGeom>
         </p:spPr>
         <p:txBody>
-          <a:bodyPr anchorCtr="0" anchor="ctr" bIns="91425" lIns="91425" spcFirstLastPara="1" rIns="91425" wrap="square" tIns="91425">
+          <a:bodyPr spcFirstLastPara="1" wrap="square" lIns="91425" tIns="91425" rIns="91425" bIns="91425" anchor="ctr" anchorCtr="0">
             <a:normAutofit/>
           </a:bodyPr>
           <a:lstStyle/>
           <a:p>
-            <a:pPr indent="0" lvl="0" marL="0" rtl="0" algn="r">
+            <a:pPr marL="0" lvl="0" indent="0" algn="r" rtl="0">
               <a:spcBef>
                 <a:spcPts val="0"/>
               </a:spcBef>
@@ -9895,7 +10008,7 @@
                 <a:cs typeface="Lato"/>
                 <a:sym typeface="Lato"/>
               </a:rPr>
-              <a:t>‹#›</a:t>
+              <a:t>7</a:t>
             </a:fld>
             <a:endParaRPr sz="1000">
               <a:solidFill>
@@ -9918,18 +10031,19 @@
 </file>
 
 <file path=ppt/slides/slide8.xml><?xml version="1.0" encoding="utf-8"?>
-<p:sld xmlns:a="http://schemas.openxmlformats.org/drawingml/2006/main" xmlns:r="http://schemas.openxmlformats.org/officeDocument/2006/relationships" xmlns:mc="http://schemas.openxmlformats.org/markup-compatibility/2006" xmlns:mv="urn:schemas-microsoft-com:mac:vml" xmlns:p="http://schemas.openxmlformats.org/presentationml/2006/main" xmlns:c="http://schemas.openxmlformats.org/drawingml/2006/chart" xmlns:dgm="http://schemas.openxmlformats.org/drawingml/2006/diagram" xmlns:o="urn:schemas-microsoft-com:office:office" xmlns:v="urn:schemas-microsoft-com:vml" xmlns:pvml="urn:schemas-microsoft-com:office:powerpoint" xmlns:com="http://schemas.openxmlformats.org/drawingml/2006/compatibility" xmlns:p14="http://schemas.microsoft.com/office/powerpoint/2010/main" xmlns:p15="http://schemas.microsoft.com/office/powerpoint/2012/main" xmlns:ahyp="http://schemas.microsoft.com/office/drawing/2018/hyperlinkcolor">
+<p:sld xmlns:a="http://schemas.openxmlformats.org/drawingml/2006/main" xmlns:r="http://schemas.openxmlformats.org/officeDocument/2006/relationships" xmlns:p="http://schemas.openxmlformats.org/presentationml/2006/main">
   <p:cSld>
     <p:bg>
       <p:bgPr>
         <a:solidFill>
           <a:schemeClr val="lt2"/>
         </a:solidFill>
+        <a:effectLst/>
       </p:bgPr>
     </p:bg>
     <p:spTree>
       <p:nvGrpSpPr>
-        <p:cNvPr id="134" name="Shape 134"/>
+        <p:cNvPr id="1" name="Shape 134"/>
         <p:cNvGrpSpPr/>
         <p:nvPr/>
       </p:nvGrpSpPr>
@@ -9944,7 +10058,9 @@
       <p:sp>
         <p:nvSpPr>
           <p:cNvPr id="135" name="Google Shape;135;p20"/>
-          <p:cNvSpPr txBox="1"/>
+          <p:cNvSpPr txBox="1">
+            <a:spLocks noGrp="1"/>
+          </p:cNvSpPr>
           <p:nvPr>
             <p:ph type="title"/>
           </p:nvPr>
@@ -9959,12 +10075,12 @@
           </a:prstGeom>
         </p:spPr>
         <p:txBody>
-          <a:bodyPr anchorCtr="0" anchor="t" bIns="91425" lIns="91425" spcFirstLastPara="1" rIns="91425" wrap="square" tIns="91425">
+          <a:bodyPr spcFirstLastPara="1" wrap="square" lIns="91425" tIns="91425" rIns="91425" bIns="91425" anchor="t" anchorCtr="0">
             <a:normAutofit/>
           </a:bodyPr>
           <a:lstStyle/>
           <a:p>
-            <a:pPr indent="0" lvl="0" marL="0" rtl="0" algn="l">
+            <a:pPr marL="0" lvl="0" indent="0" algn="l" rtl="0">
               <a:spcBef>
                 <a:spcPts val="0"/>
               </a:spcBef>
@@ -9992,9 +10108,11 @@
       <p:sp>
         <p:nvSpPr>
           <p:cNvPr id="136" name="Google Shape;136;p20"/>
-          <p:cNvSpPr txBox="1"/>
+          <p:cNvSpPr txBox="1">
+            <a:spLocks noGrp="1"/>
+          </p:cNvSpPr>
           <p:nvPr>
-            <p:ph idx="12" type="sldNum"/>
+            <p:ph type="sldNum" idx="12"/>
           </p:nvPr>
         </p:nvSpPr>
         <p:spPr>
@@ -10007,12 +10125,12 @@
           </a:prstGeom>
         </p:spPr>
         <p:txBody>
-          <a:bodyPr anchorCtr="0" anchor="ctr" bIns="91425" lIns="91425" spcFirstLastPara="1" rIns="91425" wrap="square" tIns="91425">
+          <a:bodyPr spcFirstLastPara="1" wrap="square" lIns="91425" tIns="91425" rIns="91425" bIns="91425" anchor="ctr" anchorCtr="0">
             <a:normAutofit/>
           </a:bodyPr>
           <a:lstStyle/>
           <a:p>
-            <a:pPr indent="0" lvl="0" marL="0" rtl="0" algn="r">
+            <a:pPr marL="0" lvl="0" indent="0" algn="r" rtl="0">
               <a:spcBef>
                 <a:spcPts val="0"/>
               </a:spcBef>
@@ -10023,14 +10141,20 @@
             </a:pPr>
             <a:fld id="{00000000-1234-1234-1234-123412341234}" type="slidenum">
               <a:rPr lang="en" sz="1000">
+                <a:solidFill>
+                  <a:schemeClr val="bg2"/>
+                </a:solidFill>
                 <a:latin typeface="Lato"/>
                 <a:ea typeface="Lato"/>
                 <a:cs typeface="Lato"/>
                 <a:sym typeface="Lato"/>
               </a:rPr>
-              <a:t>‹#›</a:t>
+              <a:t>8</a:t>
             </a:fld>
-            <a:endParaRPr sz="1000">
+            <a:endParaRPr sz="1000" dirty="0">
+              <a:solidFill>
+                <a:schemeClr val="bg2"/>
+              </a:solidFill>
               <a:latin typeface="Lato"/>
               <a:ea typeface="Lato"/>
               <a:cs typeface="Lato"/>
@@ -10048,7 +10172,288 @@
 </file>
 
 <file path=ppt/theme/theme1.xml><?xml version="1.0" encoding="utf-8"?>
-<a:theme xmlns:a="http://schemas.openxmlformats.org/drawingml/2006/main" xmlns:r="http://schemas.openxmlformats.org/officeDocument/2006/relationships">
+<a:theme xmlns:a="http://schemas.openxmlformats.org/drawingml/2006/main" name="Streamline">
+  <a:themeElements>
+    <a:clrScheme name="Streamline">
+      <a:dk1>
+        <a:srgbClr val="1A9988"/>
+      </a:dk1>
+      <a:lt1>
+        <a:srgbClr val="FFFFFF"/>
+      </a:lt1>
+      <a:dk2>
+        <a:srgbClr val="1A1A1A"/>
+      </a:dk2>
+      <a:lt2>
+        <a:srgbClr val="E9EDEE"/>
+      </a:lt2>
+      <a:accent1>
+        <a:srgbClr val="595959"/>
+      </a:accent1>
+      <a:accent2>
+        <a:srgbClr val="6AA4C8"/>
+      </a:accent2>
+      <a:accent3>
+        <a:srgbClr val="EB5600"/>
+      </a:accent3>
+      <a:accent4>
+        <a:srgbClr val="A2FFE8"/>
+      </a:accent4>
+      <a:accent5>
+        <a:srgbClr val="1C3678"/>
+      </a:accent5>
+      <a:accent6>
+        <a:srgbClr val="FFB8A2"/>
+      </a:accent6>
+      <a:hlink>
+        <a:srgbClr val="1C3678"/>
+      </a:hlink>
+      <a:folHlink>
+        <a:srgbClr val="1C3678"/>
+      </a:folHlink>
+    </a:clrScheme>
+    <a:fontScheme name="Office">
+      <a:majorFont>
+        <a:latin typeface="Arial"/>
+        <a:ea typeface=""/>
+        <a:cs typeface=""/>
+        <a:font script="Jpan" typeface="ＭＳ Ｐゴシック"/>
+        <a:font script="Hang" typeface="맑은 고딕"/>
+        <a:font script="Hans" typeface="宋体"/>
+        <a:font script="Hant" typeface="新細明體"/>
+        <a:font script="Arab" typeface="Times New Roman"/>
+        <a:font script="Hebr" typeface="Times New Roman"/>
+        <a:font script="Thai" typeface="Angsana New"/>
+        <a:font script="Ethi" typeface="Nyala"/>
+        <a:font script="Beng" typeface="Vrinda"/>
+        <a:font script="Gujr" typeface="Shruti"/>
+        <a:font script="Khmr" typeface="MoolBoran"/>
+        <a:font script="Knda" typeface="Tunga"/>
+        <a:font script="Guru" typeface="Raavi"/>
+        <a:font script="Cans" typeface="Euphemia"/>
+        <a:font script="Cher" typeface="Plantagenet Cherokee"/>
+        <a:font script="Yiii" typeface="Microsoft Yi Baiti"/>
+        <a:font script="Tibt" typeface="Microsoft Himalaya"/>
+        <a:font script="Thaa" typeface="MV Boli"/>
+        <a:font script="Deva" typeface="Mangal"/>
+        <a:font script="Telu" typeface="Gautami"/>
+        <a:font script="Taml" typeface="Latha"/>
+        <a:font script="Syrc" typeface="Estrangelo Edessa"/>
+        <a:font script="Orya" typeface="Kalinga"/>
+        <a:font script="Mlym" typeface="Kartika"/>
+        <a:font script="Laoo" typeface="DokChampa"/>
+        <a:font script="Sinh" typeface="Iskoola Pota"/>
+        <a:font script="Mong" typeface="Mongolian Baiti"/>
+        <a:font script="Viet" typeface="Times New Roman"/>
+        <a:font script="Uigh" typeface="Microsoft Uighur"/>
+        <a:font script="Geor" typeface="Sylfaen"/>
+      </a:majorFont>
+      <a:minorFont>
+        <a:latin typeface="Arial"/>
+        <a:ea typeface=""/>
+        <a:cs typeface=""/>
+        <a:font script="Jpan" typeface="ＭＳ Ｐゴシック"/>
+        <a:font script="Hang" typeface="맑은 고딕"/>
+        <a:font script="Hans" typeface="宋体"/>
+        <a:font script="Hant" typeface="新細明體"/>
+        <a:font script="Arab" typeface="Arial"/>
+        <a:font script="Hebr" typeface="Arial"/>
+        <a:font script="Thai" typeface="Cordia New"/>
+        <a:font script="Ethi" typeface="Nyala"/>
+        <a:font script="Beng" typeface="Vrinda"/>
+        <a:font script="Gujr" typeface="Shruti"/>
+        <a:font script="Khmr" typeface="DaunPenh"/>
+        <a:font script="Knda" typeface="Tunga"/>
+        <a:font script="Guru" typeface="Raavi"/>
+        <a:font script="Cans" typeface="Euphemia"/>
+        <a:font script="Cher" typeface="Plantagenet Cherokee"/>
+        <a:font script="Yiii" typeface="Microsoft Yi Baiti"/>
+        <a:font script="Tibt" typeface="Microsoft Himalaya"/>
+        <a:font script="Thaa" typeface="MV Boli"/>
+        <a:font script="Deva" typeface="Mangal"/>
+        <a:font script="Telu" typeface="Gautami"/>
+        <a:font script="Taml" typeface="Latha"/>
+        <a:font script="Syrc" typeface="Estrangelo Edessa"/>
+        <a:font script="Orya" typeface="Kalinga"/>
+        <a:font script="Mlym" typeface="Kartika"/>
+        <a:font script="Laoo" typeface="DokChampa"/>
+        <a:font script="Sinh" typeface="Iskoola Pota"/>
+        <a:font script="Mong" typeface="Mongolian Baiti"/>
+        <a:font script="Viet" typeface="Arial"/>
+        <a:font script="Uigh" typeface="Microsoft Uighur"/>
+        <a:font script="Geor" typeface="Sylfaen"/>
+      </a:minorFont>
+    </a:fontScheme>
+    <a:fmtScheme name="Office">
+      <a:fillStyleLst>
+        <a:solidFill>
+          <a:schemeClr val="phClr"/>
+        </a:solidFill>
+        <a:gradFill rotWithShape="1">
+          <a:gsLst>
+            <a:gs pos="0">
+              <a:schemeClr val="phClr">
+                <a:tint val="50000"/>
+                <a:satMod val="300000"/>
+              </a:schemeClr>
+            </a:gs>
+            <a:gs pos="35000">
+              <a:schemeClr val="phClr">
+                <a:tint val="37000"/>
+                <a:satMod val="300000"/>
+              </a:schemeClr>
+            </a:gs>
+            <a:gs pos="100000">
+              <a:schemeClr val="phClr">
+                <a:tint val="15000"/>
+                <a:satMod val="350000"/>
+              </a:schemeClr>
+            </a:gs>
+          </a:gsLst>
+          <a:lin ang="16200000" scaled="1"/>
+        </a:gradFill>
+        <a:gradFill rotWithShape="1">
+          <a:gsLst>
+            <a:gs pos="0">
+              <a:schemeClr val="phClr">
+                <a:tint val="100000"/>
+                <a:shade val="100000"/>
+                <a:satMod val="130000"/>
+              </a:schemeClr>
+            </a:gs>
+            <a:gs pos="100000">
+              <a:schemeClr val="phClr">
+                <a:tint val="50000"/>
+                <a:shade val="100000"/>
+                <a:satMod val="350000"/>
+              </a:schemeClr>
+            </a:gs>
+          </a:gsLst>
+          <a:lin ang="16200000" scaled="0"/>
+        </a:gradFill>
+      </a:fillStyleLst>
+      <a:lnStyleLst>
+        <a:ln w="9525" cap="flat" cmpd="sng" algn="ctr">
+          <a:solidFill>
+            <a:schemeClr val="phClr">
+              <a:shade val="95000"/>
+              <a:satMod val="105000"/>
+            </a:schemeClr>
+          </a:solidFill>
+          <a:prstDash val="solid"/>
+        </a:ln>
+        <a:ln w="25400" cap="flat" cmpd="sng" algn="ctr">
+          <a:solidFill>
+            <a:schemeClr val="phClr"/>
+          </a:solidFill>
+          <a:prstDash val="solid"/>
+        </a:ln>
+        <a:ln w="38100" cap="flat" cmpd="sng" algn="ctr">
+          <a:solidFill>
+            <a:schemeClr val="phClr"/>
+          </a:solidFill>
+          <a:prstDash val="solid"/>
+        </a:ln>
+      </a:lnStyleLst>
+      <a:effectStyleLst>
+        <a:effectStyle>
+          <a:effectLst>
+            <a:outerShdw blurRad="40000" dist="20000" dir="5400000" rotWithShape="0">
+              <a:srgbClr val="000000">
+                <a:alpha val="38000"/>
+              </a:srgbClr>
+            </a:outerShdw>
+          </a:effectLst>
+        </a:effectStyle>
+        <a:effectStyle>
+          <a:effectLst>
+            <a:outerShdw blurRad="40000" dist="23000" dir="5400000" rotWithShape="0">
+              <a:srgbClr val="000000">
+                <a:alpha val="35000"/>
+              </a:srgbClr>
+            </a:outerShdw>
+          </a:effectLst>
+        </a:effectStyle>
+        <a:effectStyle>
+          <a:effectLst>
+            <a:outerShdw blurRad="40000" dist="23000" dir="5400000" rotWithShape="0">
+              <a:srgbClr val="000000">
+                <a:alpha val="35000"/>
+              </a:srgbClr>
+            </a:outerShdw>
+          </a:effectLst>
+          <a:scene3d>
+            <a:camera prst="orthographicFront">
+              <a:rot lat="0" lon="0" rev="0"/>
+            </a:camera>
+            <a:lightRig rig="threePt" dir="t">
+              <a:rot lat="0" lon="0" rev="1200000"/>
+            </a:lightRig>
+          </a:scene3d>
+          <a:sp3d>
+            <a:bevelT w="63500" h="25400"/>
+          </a:sp3d>
+        </a:effectStyle>
+      </a:effectStyleLst>
+      <a:bgFillStyleLst>
+        <a:solidFill>
+          <a:schemeClr val="phClr"/>
+        </a:solidFill>
+        <a:gradFill rotWithShape="1">
+          <a:gsLst>
+            <a:gs pos="0">
+              <a:schemeClr val="phClr">
+                <a:tint val="40000"/>
+                <a:satMod val="350000"/>
+              </a:schemeClr>
+            </a:gs>
+            <a:gs pos="40000">
+              <a:schemeClr val="phClr">
+                <a:tint val="45000"/>
+                <a:shade val="99000"/>
+                <a:satMod val="350000"/>
+              </a:schemeClr>
+            </a:gs>
+            <a:gs pos="100000">
+              <a:schemeClr val="phClr">
+                <a:shade val="20000"/>
+                <a:satMod val="255000"/>
+              </a:schemeClr>
+            </a:gs>
+          </a:gsLst>
+          <a:path path="circle">
+            <a:fillToRect l="50000" t="-80000" r="50000" b="180000"/>
+          </a:path>
+        </a:gradFill>
+        <a:gradFill rotWithShape="1">
+          <a:gsLst>
+            <a:gs pos="0">
+              <a:schemeClr val="phClr">
+                <a:tint val="80000"/>
+                <a:satMod val="300000"/>
+              </a:schemeClr>
+            </a:gs>
+            <a:gs pos="100000">
+              <a:schemeClr val="phClr">
+                <a:shade val="30000"/>
+                <a:satMod val="200000"/>
+              </a:schemeClr>
+            </a:gs>
+          </a:gsLst>
+          <a:path path="circle">
+            <a:fillToRect l="50000" t="50000" r="50000" b="50000"/>
+          </a:path>
+        </a:gradFill>
+      </a:bgFillStyleLst>
+    </a:fmtScheme>
+  </a:themeElements>
+  <a:objectDefaults/>
+  <a:extraClrSchemeLst/>
+</a:theme>
+</file>
+
+<file path=ppt/theme/theme2.xml><?xml version="1.0" encoding="utf-8"?>
+<a:theme xmlns:a="http://schemas.openxmlformats.org/drawingml/2006/main">
   <a:themeElements>
     <a:clrScheme name="Default">
       <a:dk1>
@@ -10323,284 +10728,7 @@
       </a:bgFillStyleLst>
     </a:fmtScheme>
   </a:themeElements>
-</a:theme>
-</file>
-
-<file path=ppt/theme/theme2.xml><?xml version="1.0" encoding="utf-8"?>
-<a:theme xmlns:a="http://schemas.openxmlformats.org/drawingml/2006/main" xmlns:r="http://schemas.openxmlformats.org/officeDocument/2006/relationships" name="Streamline">
-  <a:themeElements>
-    <a:clrScheme name="Streamline">
-      <a:dk1>
-        <a:srgbClr val="1A9988"/>
-      </a:dk1>
-      <a:lt1>
-        <a:srgbClr val="FFFFFF"/>
-      </a:lt1>
-      <a:dk2>
-        <a:srgbClr val="1A1A1A"/>
-      </a:dk2>
-      <a:lt2>
-        <a:srgbClr val="E9EDEE"/>
-      </a:lt2>
-      <a:accent1>
-        <a:srgbClr val="595959"/>
-      </a:accent1>
-      <a:accent2>
-        <a:srgbClr val="6AA4C8"/>
-      </a:accent2>
-      <a:accent3>
-        <a:srgbClr val="EB5600"/>
-      </a:accent3>
-      <a:accent4>
-        <a:srgbClr val="A2FFE8"/>
-      </a:accent4>
-      <a:accent5>
-        <a:srgbClr val="1C3678"/>
-      </a:accent5>
-      <a:accent6>
-        <a:srgbClr val="FFB8A2"/>
-      </a:accent6>
-      <a:hlink>
-        <a:srgbClr val="1C3678"/>
-      </a:hlink>
-      <a:folHlink>
-        <a:srgbClr val="1C3678"/>
-      </a:folHlink>
-    </a:clrScheme>
-    <a:fontScheme name="Office">
-      <a:majorFont>
-        <a:latin typeface="Arial"/>
-        <a:ea typeface=""/>
-        <a:cs typeface=""/>
-        <a:font script="Jpan" typeface="ＭＳ Ｐゴシック"/>
-        <a:font script="Hang" typeface="맑은 고딕"/>
-        <a:font script="Hans" typeface="宋体"/>
-        <a:font script="Hant" typeface="新細明體"/>
-        <a:font script="Arab" typeface="Times New Roman"/>
-        <a:font script="Hebr" typeface="Times New Roman"/>
-        <a:font script="Thai" typeface="Angsana New"/>
-        <a:font script="Ethi" typeface="Nyala"/>
-        <a:font script="Beng" typeface="Vrinda"/>
-        <a:font script="Gujr" typeface="Shruti"/>
-        <a:font script="Khmr" typeface="MoolBoran"/>
-        <a:font script="Knda" typeface="Tunga"/>
-        <a:font script="Guru" typeface="Raavi"/>
-        <a:font script="Cans" typeface="Euphemia"/>
-        <a:font script="Cher" typeface="Plantagenet Cherokee"/>
-        <a:font script="Yiii" typeface="Microsoft Yi Baiti"/>
-        <a:font script="Tibt" typeface="Microsoft Himalaya"/>
-        <a:font script="Thaa" typeface="MV Boli"/>
-        <a:font script="Deva" typeface="Mangal"/>
-        <a:font script="Telu" typeface="Gautami"/>
-        <a:font script="Taml" typeface="Latha"/>
-        <a:font script="Syrc" typeface="Estrangelo Edessa"/>
-        <a:font script="Orya" typeface="Kalinga"/>
-        <a:font script="Mlym" typeface="Kartika"/>
-        <a:font script="Laoo" typeface="DokChampa"/>
-        <a:font script="Sinh" typeface="Iskoola Pota"/>
-        <a:font script="Mong" typeface="Mongolian Baiti"/>
-        <a:font script="Viet" typeface="Times New Roman"/>
-        <a:font script="Uigh" typeface="Microsoft Uighur"/>
-        <a:font script="Geor" typeface="Sylfaen"/>
-      </a:majorFont>
-      <a:minorFont>
-        <a:latin typeface="Arial"/>
-        <a:ea typeface=""/>
-        <a:cs typeface=""/>
-        <a:font script="Jpan" typeface="ＭＳ Ｐゴシック"/>
-        <a:font script="Hang" typeface="맑은 고딕"/>
-        <a:font script="Hans" typeface="宋体"/>
-        <a:font script="Hant" typeface="新細明體"/>
-        <a:font script="Arab" typeface="Arial"/>
-        <a:font script="Hebr" typeface="Arial"/>
-        <a:font script="Thai" typeface="Cordia New"/>
-        <a:font script="Ethi" typeface="Nyala"/>
-        <a:font script="Beng" typeface="Vrinda"/>
-        <a:font script="Gujr" typeface="Shruti"/>
-        <a:font script="Khmr" typeface="DaunPenh"/>
-        <a:font script="Knda" typeface="Tunga"/>
-        <a:font script="Guru" typeface="Raavi"/>
-        <a:font script="Cans" typeface="Euphemia"/>
-        <a:font script="Cher" typeface="Plantagenet Cherokee"/>
-        <a:font script="Yiii" typeface="Microsoft Yi Baiti"/>
-        <a:font script="Tibt" typeface="Microsoft Himalaya"/>
-        <a:font script="Thaa" typeface="MV Boli"/>
-        <a:font script="Deva" typeface="Mangal"/>
-        <a:font script="Telu" typeface="Gautami"/>
-        <a:font script="Taml" typeface="Latha"/>
-        <a:font script="Syrc" typeface="Estrangelo Edessa"/>
-        <a:font script="Orya" typeface="Kalinga"/>
-        <a:font script="Mlym" typeface="Kartika"/>
-        <a:font script="Laoo" typeface="DokChampa"/>
-        <a:font script="Sinh" typeface="Iskoola Pota"/>
-        <a:font script="Mong" typeface="Mongolian Baiti"/>
-        <a:font script="Viet" typeface="Arial"/>
-        <a:font script="Uigh" typeface="Microsoft Uighur"/>
-        <a:font script="Geor" typeface="Sylfaen"/>
-      </a:minorFont>
-    </a:fontScheme>
-    <a:fmtScheme name="Office">
-      <a:fillStyleLst>
-        <a:solidFill>
-          <a:schemeClr val="phClr"/>
-        </a:solidFill>
-        <a:gradFill rotWithShape="1">
-          <a:gsLst>
-            <a:gs pos="0">
-              <a:schemeClr val="phClr">
-                <a:tint val="50000"/>
-                <a:satMod val="300000"/>
-              </a:schemeClr>
-            </a:gs>
-            <a:gs pos="35000">
-              <a:schemeClr val="phClr">
-                <a:tint val="37000"/>
-                <a:satMod val="300000"/>
-              </a:schemeClr>
-            </a:gs>
-            <a:gs pos="100000">
-              <a:schemeClr val="phClr">
-                <a:tint val="15000"/>
-                <a:satMod val="350000"/>
-              </a:schemeClr>
-            </a:gs>
-          </a:gsLst>
-          <a:lin ang="16200000" scaled="1"/>
-        </a:gradFill>
-        <a:gradFill rotWithShape="1">
-          <a:gsLst>
-            <a:gs pos="0">
-              <a:schemeClr val="phClr">
-                <a:tint val="100000"/>
-                <a:shade val="100000"/>
-                <a:satMod val="130000"/>
-              </a:schemeClr>
-            </a:gs>
-            <a:gs pos="100000">
-              <a:schemeClr val="phClr">
-                <a:tint val="50000"/>
-                <a:shade val="100000"/>
-                <a:satMod val="350000"/>
-              </a:schemeClr>
-            </a:gs>
-          </a:gsLst>
-          <a:lin ang="16200000" scaled="0"/>
-        </a:gradFill>
-      </a:fillStyleLst>
-      <a:lnStyleLst>
-        <a:ln w="9525" cap="flat" cmpd="sng" algn="ctr">
-          <a:solidFill>
-            <a:schemeClr val="phClr">
-              <a:shade val="95000"/>
-              <a:satMod val="105000"/>
-            </a:schemeClr>
-          </a:solidFill>
-          <a:prstDash val="solid"/>
-        </a:ln>
-        <a:ln w="25400" cap="flat" cmpd="sng" algn="ctr">
-          <a:solidFill>
-            <a:schemeClr val="phClr"/>
-          </a:solidFill>
-          <a:prstDash val="solid"/>
-        </a:ln>
-        <a:ln w="38100" cap="flat" cmpd="sng" algn="ctr">
-          <a:solidFill>
-            <a:schemeClr val="phClr"/>
-          </a:solidFill>
-          <a:prstDash val="solid"/>
-        </a:ln>
-      </a:lnStyleLst>
-      <a:effectStyleLst>
-        <a:effectStyle>
-          <a:effectLst>
-            <a:outerShdw blurRad="40000" dist="20000" dir="5400000" rotWithShape="0">
-              <a:srgbClr val="000000">
-                <a:alpha val="38000"/>
-              </a:srgbClr>
-            </a:outerShdw>
-          </a:effectLst>
-        </a:effectStyle>
-        <a:effectStyle>
-          <a:effectLst>
-            <a:outerShdw blurRad="40000" dist="23000" dir="5400000" rotWithShape="0">
-              <a:srgbClr val="000000">
-                <a:alpha val="35000"/>
-              </a:srgbClr>
-            </a:outerShdw>
-          </a:effectLst>
-        </a:effectStyle>
-        <a:effectStyle>
-          <a:effectLst>
-            <a:outerShdw blurRad="40000" dist="23000" dir="5400000" rotWithShape="0">
-              <a:srgbClr val="000000">
-                <a:alpha val="35000"/>
-              </a:srgbClr>
-            </a:outerShdw>
-          </a:effectLst>
-          <a:scene3d>
-            <a:camera prst="orthographicFront">
-              <a:rot lat="0" lon="0" rev="0"/>
-            </a:camera>
-            <a:lightRig rig="threePt" dir="t">
-              <a:rot lat="0" lon="0" rev="1200000"/>
-            </a:lightRig>
-          </a:scene3d>
-          <a:sp3d>
-            <a:bevelT w="63500" h="25400"/>
-          </a:sp3d>
-        </a:effectStyle>
-      </a:effectStyleLst>
-      <a:bgFillStyleLst>
-        <a:solidFill>
-          <a:schemeClr val="phClr"/>
-        </a:solidFill>
-        <a:gradFill rotWithShape="1">
-          <a:gsLst>
-            <a:gs pos="0">
-              <a:schemeClr val="phClr">
-                <a:tint val="40000"/>
-                <a:satMod val="350000"/>
-              </a:schemeClr>
-            </a:gs>
-            <a:gs pos="40000">
-              <a:schemeClr val="phClr">
-                <a:tint val="45000"/>
-                <a:shade val="99000"/>
-                <a:satMod val="350000"/>
-              </a:schemeClr>
-            </a:gs>
-            <a:gs pos="100000">
-              <a:schemeClr val="phClr">
-                <a:shade val="20000"/>
-                <a:satMod val="255000"/>
-              </a:schemeClr>
-            </a:gs>
-          </a:gsLst>
-          <a:path path="circle">
-            <a:fillToRect l="50000" t="-80000" r="50000" b="180000"/>
-          </a:path>
-        </a:gradFill>
-        <a:gradFill rotWithShape="1">
-          <a:gsLst>
-            <a:gs pos="0">
-              <a:schemeClr val="phClr">
-                <a:tint val="80000"/>
-                <a:satMod val="300000"/>
-              </a:schemeClr>
-            </a:gs>
-            <a:gs pos="100000">
-              <a:schemeClr val="phClr">
-                <a:shade val="30000"/>
-                <a:satMod val="200000"/>
-              </a:schemeClr>
-            </a:gs>
-          </a:gsLst>
-          <a:path path="circle">
-            <a:fillToRect l="50000" t="50000" r="50000" b="50000"/>
-          </a:path>
-        </a:gradFill>
-      </a:bgFillStyleLst>
-    </a:fmtScheme>
-  </a:themeElements>
+  <a:objectDefaults/>
+  <a:extraClrSchemeLst/>
 </a:theme>
 </file>